--- a/livrable/rapport/SeoulPierreAnthony.pptx
+++ b/livrable/rapport/SeoulPierreAnthony.pptx
@@ -5,7 +5,7 @@
     <p:sldMasterId id="2147483648" r:id="rId4"/>
   </p:sldMasterIdLst>
   <p:notesMasterIdLst>
-    <p:notesMasterId r:id="rId12"/>
+    <p:notesMasterId r:id="rId18"/>
   </p:notesMasterIdLst>
   <p:sldIdLst>
     <p:sldId id="256" r:id="rId5"/>
@@ -14,7 +14,13 @@
     <p:sldId id="278" r:id="rId8"/>
     <p:sldId id="280" r:id="rId9"/>
     <p:sldId id="283" r:id="rId10"/>
-    <p:sldId id="282" r:id="rId11"/>
+    <p:sldId id="286" r:id="rId11"/>
+    <p:sldId id="287" r:id="rId12"/>
+    <p:sldId id="288" r:id="rId13"/>
+    <p:sldId id="289" r:id="rId14"/>
+    <p:sldId id="290" r:id="rId15"/>
+    <p:sldId id="282" r:id="rId16"/>
+    <p:sldId id="284" r:id="rId17"/>
   </p:sldIdLst>
   <p:sldSz cx="12192000" cy="6858000"/>
   <p:notesSz cx="6858000" cy="9144000"/>
@@ -262,6 +268,30 @@
     </pc:docChg>
   </pc:docChgLst>
   <pc:docChgLst>
+    <pc:chgData name="NADESU Pratheswar" userId="S::pratheswar.nadesu@edu.devinci.fr::0bc87114-f8b8-42aa-870e-0c86384df7b0" providerId="AD" clId="Web-{8526C88D-E4C9-4C9A-8A43-8C5BCE129410}"/>
+    <pc:docChg chg="modSld">
+      <pc:chgData name="NADESU Pratheswar" userId="S::pratheswar.nadesu@edu.devinci.fr::0bc87114-f8b8-42aa-870e-0c86384df7b0" providerId="AD" clId="Web-{8526C88D-E4C9-4C9A-8A43-8C5BCE129410}" dt="2021-02-11T10:14:56.314" v="0" actId="20577"/>
+      <pc:docMkLst>
+        <pc:docMk/>
+      </pc:docMkLst>
+      <pc:sldChg chg="modSp">
+        <pc:chgData name="NADESU Pratheswar" userId="S::pratheswar.nadesu@edu.devinci.fr::0bc87114-f8b8-42aa-870e-0c86384df7b0" providerId="AD" clId="Web-{8526C88D-E4C9-4C9A-8A43-8C5BCE129410}" dt="2021-02-11T10:14:56.314" v="0" actId="20577"/>
+        <pc:sldMkLst>
+          <pc:docMk/>
+          <pc:sldMk cId="2655700166" sldId="256"/>
+        </pc:sldMkLst>
+        <pc:spChg chg="mod">
+          <ac:chgData name="NADESU Pratheswar" userId="S::pratheswar.nadesu@edu.devinci.fr::0bc87114-f8b8-42aa-870e-0c86384df7b0" providerId="AD" clId="Web-{8526C88D-E4C9-4C9A-8A43-8C5BCE129410}" dt="2021-02-11T10:14:56.314" v="0" actId="20577"/>
+          <ac:spMkLst>
+            <pc:docMk/>
+            <pc:sldMk cId="2655700166" sldId="256"/>
+            <ac:spMk id="3" creationId="{994218BB-6B64-4610-8E65-87DD31BC6BC0}"/>
+          </ac:spMkLst>
+        </pc:spChg>
+      </pc:sldChg>
+    </pc:docChg>
+  </pc:docChgLst>
+  <pc:docChgLst>
     <pc:chgData name="NICOUD Nans" userId="S::nans.nicoud@edu.devinci.fr::9dabff77-c5aa-4bf7-923b-fdc544a38226" providerId="AD" clId="Web-{BD1A0982-5169-4658-9F05-00CB3F729361}"/>
     <pc:docChg chg="modSld">
       <pc:chgData name="NICOUD Nans" userId="S::nans.nicoud@edu.devinci.fr::9dabff77-c5aa-4bf7-923b-fdc544a38226" providerId="AD" clId="Web-{BD1A0982-5169-4658-9F05-00CB3F729361}" dt="2021-01-06T10:08:50.704" v="12" actId="20577"/>
@@ -308,30 +338,6 @@
       </pc:sldChg>
     </pc:docChg>
   </pc:docChgLst>
-  <pc:docChgLst>
-    <pc:chgData name="NADESU Pratheswar" userId="S::pratheswar.nadesu@edu.devinci.fr::0bc87114-f8b8-42aa-870e-0c86384df7b0" providerId="AD" clId="Web-{8526C88D-E4C9-4C9A-8A43-8C5BCE129410}"/>
-    <pc:docChg chg="modSld">
-      <pc:chgData name="NADESU Pratheswar" userId="S::pratheswar.nadesu@edu.devinci.fr::0bc87114-f8b8-42aa-870e-0c86384df7b0" providerId="AD" clId="Web-{8526C88D-E4C9-4C9A-8A43-8C5BCE129410}" dt="2021-02-11T10:14:56.314" v="0" actId="20577"/>
-      <pc:docMkLst>
-        <pc:docMk/>
-      </pc:docMkLst>
-      <pc:sldChg chg="modSp">
-        <pc:chgData name="NADESU Pratheswar" userId="S::pratheswar.nadesu@edu.devinci.fr::0bc87114-f8b8-42aa-870e-0c86384df7b0" providerId="AD" clId="Web-{8526C88D-E4C9-4C9A-8A43-8C5BCE129410}" dt="2021-02-11T10:14:56.314" v="0" actId="20577"/>
-        <pc:sldMkLst>
-          <pc:docMk/>
-          <pc:sldMk cId="2655700166" sldId="256"/>
-        </pc:sldMkLst>
-        <pc:spChg chg="mod">
-          <ac:chgData name="NADESU Pratheswar" userId="S::pratheswar.nadesu@edu.devinci.fr::0bc87114-f8b8-42aa-870e-0c86384df7b0" providerId="AD" clId="Web-{8526C88D-E4C9-4C9A-8A43-8C5BCE129410}" dt="2021-02-11T10:14:56.314" v="0" actId="20577"/>
-          <ac:spMkLst>
-            <pc:docMk/>
-            <pc:sldMk cId="2655700166" sldId="256"/>
-            <ac:spMk id="3" creationId="{994218BB-6B64-4610-8E65-87DD31BC6BC0}"/>
-          </ac:spMkLst>
-        </pc:spChg>
-      </pc:sldChg>
-    </pc:docChg>
-  </pc:docChgLst>
 </pc:chgInfo>
 </file>
 
@@ -417,7 +423,7 @@
           <a:p>
             <a:fld id="{E2E7950A-B118-41FC-94C8-07AC18B3DC84}" type="datetimeFigureOut">
               <a:rPr lang="en-US" smtClean="0"/>
-              <a:t>11/18/2021</a:t>
+              <a:t>1/5/2022</a:t>
             </a:fld>
             <a:endParaRPr lang="en-US"/>
           </a:p>
@@ -832,7 +838,7 @@
           <a:p>
             <a:fld id="{86C57AAE-CEA3-4672-9EFE-44C63CA1DF6F}" type="datetimeFigureOut">
               <a:rPr lang="fr-FR" smtClean="0"/>
-              <a:t>18/11/2021</a:t>
+              <a:t>05/01/2022</a:t>
             </a:fld>
             <a:endParaRPr lang="fr-FR"/>
           </a:p>
@@ -1030,7 +1036,7 @@
           <a:p>
             <a:fld id="{86C57AAE-CEA3-4672-9EFE-44C63CA1DF6F}" type="datetimeFigureOut">
               <a:rPr lang="fr-FR" smtClean="0"/>
-              <a:t>18/11/2021</a:t>
+              <a:t>05/01/2022</a:t>
             </a:fld>
             <a:endParaRPr lang="fr-FR"/>
           </a:p>
@@ -1238,7 +1244,7 @@
           <a:p>
             <a:fld id="{86C57AAE-CEA3-4672-9EFE-44C63CA1DF6F}" type="datetimeFigureOut">
               <a:rPr lang="fr-FR" smtClean="0"/>
-              <a:t>18/11/2021</a:t>
+              <a:t>05/01/2022</a:t>
             </a:fld>
             <a:endParaRPr lang="fr-FR"/>
           </a:p>
@@ -1436,7 +1442,7 @@
           <a:p>
             <a:fld id="{86C57AAE-CEA3-4672-9EFE-44C63CA1DF6F}" type="datetimeFigureOut">
               <a:rPr lang="fr-FR" smtClean="0"/>
-              <a:t>18/11/2021</a:t>
+              <a:t>05/01/2022</a:t>
             </a:fld>
             <a:endParaRPr lang="fr-FR"/>
           </a:p>
@@ -1711,7 +1717,7 @@
           <a:p>
             <a:fld id="{86C57AAE-CEA3-4672-9EFE-44C63CA1DF6F}" type="datetimeFigureOut">
               <a:rPr lang="fr-FR" smtClean="0"/>
-              <a:t>18/11/2021</a:t>
+              <a:t>05/01/2022</a:t>
             </a:fld>
             <a:endParaRPr lang="fr-FR"/>
           </a:p>
@@ -1976,7 +1982,7 @@
           <a:p>
             <a:fld id="{86C57AAE-CEA3-4672-9EFE-44C63CA1DF6F}" type="datetimeFigureOut">
               <a:rPr lang="fr-FR" smtClean="0"/>
-              <a:t>18/11/2021</a:t>
+              <a:t>05/01/2022</a:t>
             </a:fld>
             <a:endParaRPr lang="fr-FR"/>
           </a:p>
@@ -2388,7 +2394,7 @@
           <a:p>
             <a:fld id="{86C57AAE-CEA3-4672-9EFE-44C63CA1DF6F}" type="datetimeFigureOut">
               <a:rPr lang="fr-FR" smtClean="0"/>
-              <a:t>18/11/2021</a:t>
+              <a:t>05/01/2022</a:t>
             </a:fld>
             <a:endParaRPr lang="fr-FR"/>
           </a:p>
@@ -2529,7 +2535,7 @@
           <a:p>
             <a:fld id="{86C57AAE-CEA3-4672-9EFE-44C63CA1DF6F}" type="datetimeFigureOut">
               <a:rPr lang="fr-FR" smtClean="0"/>
-              <a:t>18/11/2021</a:t>
+              <a:t>05/01/2022</a:t>
             </a:fld>
             <a:endParaRPr lang="fr-FR"/>
           </a:p>
@@ -2642,7 +2648,7 @@
           <a:p>
             <a:fld id="{86C57AAE-CEA3-4672-9EFE-44C63CA1DF6F}" type="datetimeFigureOut">
               <a:rPr lang="fr-FR" smtClean="0"/>
-              <a:t>18/11/2021</a:t>
+              <a:t>05/01/2022</a:t>
             </a:fld>
             <a:endParaRPr lang="fr-FR"/>
           </a:p>
@@ -2953,7 +2959,7 @@
           <a:p>
             <a:fld id="{86C57AAE-CEA3-4672-9EFE-44C63CA1DF6F}" type="datetimeFigureOut">
               <a:rPr lang="fr-FR" smtClean="0"/>
-              <a:t>18/11/2021</a:t>
+              <a:t>05/01/2022</a:t>
             </a:fld>
             <a:endParaRPr lang="fr-FR"/>
           </a:p>
@@ -3241,7 +3247,7 @@
           <a:p>
             <a:fld id="{86C57AAE-CEA3-4672-9EFE-44C63CA1DF6F}" type="datetimeFigureOut">
               <a:rPr lang="fr-FR" smtClean="0"/>
-              <a:t>18/11/2021</a:t>
+              <a:t>05/01/2022</a:t>
             </a:fld>
             <a:endParaRPr lang="fr-FR"/>
           </a:p>
@@ -3482,7 +3488,7 @@
           <a:p>
             <a:fld id="{86C57AAE-CEA3-4672-9EFE-44C63CA1DF6F}" type="datetimeFigureOut">
               <a:rPr lang="fr-FR" smtClean="0"/>
-              <a:t>18/11/2021</a:t>
+              <a:t>05/01/2022</a:t>
             </a:fld>
             <a:endParaRPr lang="fr-FR"/>
           </a:p>
@@ -4048,6 +4054,1532 @@
 </p:sld>
 </file>
 
+<file path=ppt/slides/slide10.xml><?xml version="1.0" encoding="utf-8"?>
+<p:sld xmlns:a="http://schemas.openxmlformats.org/drawingml/2006/main" xmlns:r="http://schemas.openxmlformats.org/officeDocument/2006/relationships" xmlns:p="http://schemas.openxmlformats.org/presentationml/2006/main">
+  <p:cSld>
+    <p:bg>
+      <p:bgPr>
+        <a:blipFill dpi="0" rotWithShape="1">
+          <a:blip r:embed="rId3">
+            <a:lum/>
+          </a:blip>
+          <a:srcRect/>
+          <a:stretch>
+            <a:fillRect t="-7000" b="-7000"/>
+          </a:stretch>
+        </a:blipFill>
+        <a:effectLst/>
+      </p:bgPr>
+    </p:bg>
+    <p:spTree>
+      <p:nvGrpSpPr>
+        <p:cNvPr id="1" name=""/>
+        <p:cNvGrpSpPr/>
+        <p:nvPr/>
+      </p:nvGrpSpPr>
+      <p:grpSpPr>
+        <a:xfrm>
+          <a:off x="0" y="0"/>
+          <a:ext cx="0" cy="0"/>
+          <a:chOff x="0" y="0"/>
+          <a:chExt cx="0" cy="0"/>
+        </a:xfrm>
+      </p:grpSpPr>
+      <p:sp>
+        <p:nvSpPr>
+          <p:cNvPr id="4" name="Rectangle 3">
+            <a:extLst>
+              <a:ext uri="{FF2B5EF4-FFF2-40B4-BE49-F238E27FC236}">
+                <a16:creationId xmlns:a16="http://schemas.microsoft.com/office/drawing/2014/main" id="{BDB1661A-64A0-42AA-973D-9AF3F33D26F3}"/>
+              </a:ext>
+            </a:extLst>
+          </p:cNvPr>
+          <p:cNvSpPr/>
+          <p:nvPr/>
+        </p:nvSpPr>
+        <p:spPr>
+          <a:xfrm>
+            <a:off x="0" y="0"/>
+            <a:ext cx="12192000" cy="1402492"/>
+          </a:xfrm>
+          <a:prstGeom prst="rect">
+            <a:avLst/>
+          </a:prstGeom>
+          <a:solidFill>
+            <a:schemeClr val="bg1">
+              <a:alpha val="73000"/>
+            </a:schemeClr>
+          </a:solidFill>
+        </p:spPr>
+        <p:style>
+          <a:lnRef idx="2">
+            <a:schemeClr val="accent1">
+              <a:shade val="50000"/>
+            </a:schemeClr>
+          </a:lnRef>
+          <a:fillRef idx="1">
+            <a:schemeClr val="accent1"/>
+          </a:fillRef>
+          <a:effectRef idx="0">
+            <a:schemeClr val="accent1"/>
+          </a:effectRef>
+          <a:fontRef idx="minor">
+            <a:schemeClr val="lt1"/>
+          </a:fontRef>
+        </p:style>
+        <p:txBody>
+          <a:bodyPr rtlCol="0" anchor="ctr"/>
+          <a:lstStyle/>
+          <a:p>
+            <a:pPr algn="ctr"/>
+            <a:r>
+              <a:rPr lang="fr-FR" sz="4400" dirty="0">
+                <a:solidFill>
+                  <a:schemeClr val="tx1"/>
+                </a:solidFill>
+              </a:rPr>
+              <a:t>IV. Data-</a:t>
+            </a:r>
+            <a:r>
+              <a:rPr lang="fr-FR" sz="4400" dirty="0" err="1">
+                <a:solidFill>
+                  <a:schemeClr val="tx1"/>
+                </a:solidFill>
+              </a:rPr>
+              <a:t>Visualizations</a:t>
+            </a:r>
+            <a:endParaRPr lang="fr-FR" sz="4400" dirty="0">
+              <a:solidFill>
+                <a:schemeClr val="tx1"/>
+              </a:solidFill>
+            </a:endParaRPr>
+          </a:p>
+        </p:txBody>
+      </p:sp>
+      <p:sp>
+        <p:nvSpPr>
+          <p:cNvPr id="5" name="Rectangle 4">
+            <a:extLst>
+              <a:ext uri="{FF2B5EF4-FFF2-40B4-BE49-F238E27FC236}">
+                <a16:creationId xmlns:a16="http://schemas.microsoft.com/office/drawing/2014/main" id="{598E3956-FAB2-4E3F-9666-CC65FB971F5B}"/>
+              </a:ext>
+            </a:extLst>
+          </p:cNvPr>
+          <p:cNvSpPr/>
+          <p:nvPr/>
+        </p:nvSpPr>
+        <p:spPr>
+          <a:xfrm>
+            <a:off x="0" y="1405920"/>
+            <a:ext cx="12192000" cy="5455508"/>
+          </a:xfrm>
+          <a:prstGeom prst="rect">
+            <a:avLst/>
+          </a:prstGeom>
+          <a:solidFill>
+            <a:schemeClr val="bg1">
+              <a:alpha val="92000"/>
+            </a:schemeClr>
+          </a:solidFill>
+        </p:spPr>
+        <p:style>
+          <a:lnRef idx="2">
+            <a:schemeClr val="accent1">
+              <a:shade val="50000"/>
+            </a:schemeClr>
+          </a:lnRef>
+          <a:fillRef idx="1">
+            <a:schemeClr val="accent1"/>
+          </a:fillRef>
+          <a:effectRef idx="0">
+            <a:schemeClr val="accent1"/>
+          </a:effectRef>
+          <a:fontRef idx="minor">
+            <a:schemeClr val="lt1"/>
+          </a:fontRef>
+        </p:style>
+        <p:txBody>
+          <a:bodyPr rtlCol="0" anchor="ctr"/>
+          <a:lstStyle/>
+          <a:p>
+            <a:pPr lvl="8" algn="ctr"/>
+            <a:r>
+              <a:rPr lang="fr-FR" sz="4800" dirty="0">
+                <a:solidFill>
+                  <a:schemeClr val="tx1"/>
+                </a:solidFill>
+              </a:rPr>
+              <a:t>	</a:t>
+            </a:r>
+          </a:p>
+          <a:p>
+            <a:pPr lvl="8" algn="ctr"/>
+            <a:r>
+              <a:rPr lang="en-US" sz="4800" b="0" i="0" dirty="0">
+                <a:solidFill>
+                  <a:schemeClr val="tx1"/>
+                </a:solidFill>
+                <a:effectLst/>
+                <a:latin typeface="Arial" panose="020B0604020202020204" pitchFamily="34" charset="0"/>
+              </a:rPr>
+              <a:t> </a:t>
+            </a:r>
+            <a:endParaRPr lang="fr-FR" sz="4800" dirty="0">
+              <a:solidFill>
+                <a:schemeClr val="tx1"/>
+              </a:solidFill>
+            </a:endParaRPr>
+          </a:p>
+        </p:txBody>
+      </p:sp>
+      <p:sp>
+        <p:nvSpPr>
+          <p:cNvPr id="3" name="ZoneTexte 2">
+            <a:extLst>
+              <a:ext uri="{FF2B5EF4-FFF2-40B4-BE49-F238E27FC236}">
+                <a16:creationId xmlns:a16="http://schemas.microsoft.com/office/drawing/2014/main" id="{F0437996-0AFF-42E9-A808-BCEAFF82D11D}"/>
+              </a:ext>
+            </a:extLst>
+          </p:cNvPr>
+          <p:cNvSpPr txBox="1"/>
+          <p:nvPr/>
+        </p:nvSpPr>
+        <p:spPr>
+          <a:xfrm>
+            <a:off x="856344" y="6260497"/>
+            <a:ext cx="11035695" cy="1384995"/>
+          </a:xfrm>
+          <a:prstGeom prst="rect">
+            <a:avLst/>
+          </a:prstGeom>
+          <a:noFill/>
+        </p:spPr>
+        <p:txBody>
+          <a:bodyPr wrap="square" rtlCol="0">
+            <a:spAutoFit/>
+          </a:bodyPr>
+          <a:lstStyle/>
+          <a:p>
+            <a:pPr algn="ctr"/>
+            <a:r>
+              <a:rPr lang="fr-FR" sz="2800" dirty="0"/>
+              <a:t>The </a:t>
+            </a:r>
+            <a:r>
+              <a:rPr lang="fr-FR" sz="2800" dirty="0" err="1"/>
+              <a:t>number</a:t>
+            </a:r>
+            <a:r>
+              <a:rPr lang="fr-FR" sz="2800" dirty="0"/>
+              <a:t> of location </a:t>
+            </a:r>
+            <a:r>
+              <a:rPr lang="fr-FR" sz="2800" dirty="0" err="1"/>
+              <a:t>is</a:t>
+            </a:r>
+            <a:r>
+              <a:rPr lang="fr-FR" sz="2800" dirty="0"/>
+              <a:t> more </a:t>
+            </a:r>
+            <a:r>
+              <a:rPr lang="fr-FR" sz="2800" dirty="0" err="1"/>
+              <a:t>higher</a:t>
+            </a:r>
+            <a:r>
+              <a:rPr lang="fr-FR" sz="2800" dirty="0"/>
+              <a:t> the Friday at 6pm</a:t>
+            </a:r>
+          </a:p>
+          <a:p>
+            <a:pPr marL="457200" indent="-457200" algn="ctr">
+              <a:buFont typeface="Wingdings" panose="05000000000000000000" pitchFamily="2" charset="2"/>
+              <a:buChar char="Ø"/>
+            </a:pPr>
+            <a:endParaRPr lang="fr-FR" sz="2800" dirty="0"/>
+          </a:p>
+          <a:p>
+            <a:pPr algn="ctr"/>
+            <a:endParaRPr lang="en-US" sz="2800" dirty="0"/>
+          </a:p>
+        </p:txBody>
+      </p:sp>
+      <p:graphicFrame>
+        <p:nvGraphicFramePr>
+          <p:cNvPr id="6" name="Objet 5">
+            <a:extLst>
+              <a:ext uri="{FF2B5EF4-FFF2-40B4-BE49-F238E27FC236}">
+                <a16:creationId xmlns:a16="http://schemas.microsoft.com/office/drawing/2014/main" id="{DBF40D6E-7A15-4279-ACD2-FE2CAE9FB06D}"/>
+              </a:ext>
+            </a:extLst>
+          </p:cNvPr>
+          <p:cNvGraphicFramePr>
+            <a:graphicFrameLocks noChangeAspect="1"/>
+          </p:cNvGraphicFramePr>
+          <p:nvPr>
+            <p:extLst>
+              <p:ext uri="{D42A27DB-BD31-4B8C-83A1-F6EECF244321}">
+                <p14:modId xmlns:p14="http://schemas.microsoft.com/office/powerpoint/2010/main" val="578613912"/>
+              </p:ext>
+            </p:extLst>
+          </p:nvPr>
+        </p:nvGraphicFramePr>
+        <p:xfrm>
+          <a:off x="1721152" y="1567594"/>
+          <a:ext cx="9121019" cy="4689475"/>
+        </p:xfrm>
+        <a:graphic>
+          <a:graphicData uri="http://schemas.openxmlformats.org/presentationml/2006/ole">
+            <mc:AlternateContent xmlns:mc="http://schemas.openxmlformats.org/markup-compatibility/2006">
+              <mc:Choice xmlns:v="urn:schemas-microsoft-com:vml" Requires="v">
+                <p:oleObj spid="_x0000_s5124" name="Image bitmap" r:id="rId4" imgW="7364880" imgH="3634920" progId="Paint.Picture">
+                  <p:embed/>
+                </p:oleObj>
+              </mc:Choice>
+              <mc:Fallback>
+                <p:oleObj name="Image bitmap" r:id="rId4" imgW="7364880" imgH="3634920" progId="Paint.Picture">
+                  <p:embed/>
+                  <p:pic>
+                    <p:nvPicPr>
+                      <p:cNvPr id="0" name=""/>
+                      <p:cNvPicPr/>
+                      <p:nvPr/>
+                    </p:nvPicPr>
+                    <p:blipFill>
+                      <a:blip r:embed="rId5"/>
+                      <a:stretch>
+                        <a:fillRect/>
+                      </a:stretch>
+                    </p:blipFill>
+                    <p:spPr>
+                      <a:xfrm>
+                        <a:off x="1721152" y="1567594"/>
+                        <a:ext cx="9121019" cy="4689475"/>
+                      </a:xfrm>
+                      <a:prstGeom prst="rect">
+                        <a:avLst/>
+                      </a:prstGeom>
+                    </p:spPr>
+                  </p:pic>
+                </p:oleObj>
+              </mc:Fallback>
+            </mc:AlternateContent>
+          </a:graphicData>
+        </a:graphic>
+      </p:graphicFrame>
+    </p:spTree>
+    <p:extLst>
+      <p:ext uri="{BB962C8B-B14F-4D97-AF65-F5344CB8AC3E}">
+        <p14:creationId xmlns:p14="http://schemas.microsoft.com/office/powerpoint/2010/main" val="1841426428"/>
+      </p:ext>
+    </p:extLst>
+  </p:cSld>
+  <p:clrMapOvr>
+    <a:masterClrMapping/>
+  </p:clrMapOvr>
+</p:sld>
+</file>
+
+<file path=ppt/slides/slide11.xml><?xml version="1.0" encoding="utf-8"?>
+<p:sld xmlns:a="http://schemas.openxmlformats.org/drawingml/2006/main" xmlns:r="http://schemas.openxmlformats.org/officeDocument/2006/relationships" xmlns:p="http://schemas.openxmlformats.org/presentationml/2006/main">
+  <p:cSld>
+    <p:bg>
+      <p:bgPr>
+        <a:blipFill dpi="0" rotWithShape="1">
+          <a:blip r:embed="rId2">
+            <a:lum/>
+          </a:blip>
+          <a:srcRect/>
+          <a:stretch>
+            <a:fillRect t="-7000" b="-7000"/>
+          </a:stretch>
+        </a:blipFill>
+        <a:effectLst/>
+      </p:bgPr>
+    </p:bg>
+    <p:spTree>
+      <p:nvGrpSpPr>
+        <p:cNvPr id="1" name=""/>
+        <p:cNvGrpSpPr/>
+        <p:nvPr/>
+      </p:nvGrpSpPr>
+      <p:grpSpPr>
+        <a:xfrm>
+          <a:off x="0" y="0"/>
+          <a:ext cx="0" cy="0"/>
+          <a:chOff x="0" y="0"/>
+          <a:chExt cx="0" cy="0"/>
+        </a:xfrm>
+      </p:grpSpPr>
+      <p:sp>
+        <p:nvSpPr>
+          <p:cNvPr id="4" name="Rectangle 3">
+            <a:extLst>
+              <a:ext uri="{FF2B5EF4-FFF2-40B4-BE49-F238E27FC236}">
+                <a16:creationId xmlns:a16="http://schemas.microsoft.com/office/drawing/2014/main" id="{BDB1661A-64A0-42AA-973D-9AF3F33D26F3}"/>
+              </a:ext>
+            </a:extLst>
+          </p:cNvPr>
+          <p:cNvSpPr/>
+          <p:nvPr/>
+        </p:nvSpPr>
+        <p:spPr>
+          <a:xfrm>
+            <a:off x="0" y="0"/>
+            <a:ext cx="12192000" cy="1402492"/>
+          </a:xfrm>
+          <a:prstGeom prst="rect">
+            <a:avLst/>
+          </a:prstGeom>
+          <a:solidFill>
+            <a:schemeClr val="bg1">
+              <a:alpha val="73000"/>
+            </a:schemeClr>
+          </a:solidFill>
+        </p:spPr>
+        <p:style>
+          <a:lnRef idx="2">
+            <a:schemeClr val="accent1">
+              <a:shade val="50000"/>
+            </a:schemeClr>
+          </a:lnRef>
+          <a:fillRef idx="1">
+            <a:schemeClr val="accent1"/>
+          </a:fillRef>
+          <a:effectRef idx="0">
+            <a:schemeClr val="accent1"/>
+          </a:effectRef>
+          <a:fontRef idx="minor">
+            <a:schemeClr val="lt1"/>
+          </a:fontRef>
+        </p:style>
+        <p:txBody>
+          <a:bodyPr rtlCol="0" anchor="ctr"/>
+          <a:lstStyle/>
+          <a:p>
+            <a:pPr algn="ctr"/>
+            <a:r>
+              <a:rPr lang="fr-FR" sz="4400" dirty="0">
+                <a:solidFill>
+                  <a:schemeClr val="tx1"/>
+                </a:solidFill>
+              </a:rPr>
+              <a:t>IV. Data-</a:t>
+            </a:r>
+            <a:r>
+              <a:rPr lang="fr-FR" sz="4400" dirty="0" err="1">
+                <a:solidFill>
+                  <a:schemeClr val="tx1"/>
+                </a:solidFill>
+              </a:rPr>
+              <a:t>Visualizations</a:t>
+            </a:r>
+            <a:endParaRPr lang="fr-FR" sz="4400" dirty="0">
+              <a:solidFill>
+                <a:schemeClr val="tx1"/>
+              </a:solidFill>
+            </a:endParaRPr>
+          </a:p>
+        </p:txBody>
+      </p:sp>
+      <p:sp>
+        <p:nvSpPr>
+          <p:cNvPr id="5" name="Rectangle 4">
+            <a:extLst>
+              <a:ext uri="{FF2B5EF4-FFF2-40B4-BE49-F238E27FC236}">
+                <a16:creationId xmlns:a16="http://schemas.microsoft.com/office/drawing/2014/main" id="{598E3956-FAB2-4E3F-9666-CC65FB971F5B}"/>
+              </a:ext>
+            </a:extLst>
+          </p:cNvPr>
+          <p:cNvSpPr/>
+          <p:nvPr/>
+        </p:nvSpPr>
+        <p:spPr>
+          <a:xfrm>
+            <a:off x="0" y="1439787"/>
+            <a:ext cx="12192000" cy="5455508"/>
+          </a:xfrm>
+          <a:prstGeom prst="rect">
+            <a:avLst/>
+          </a:prstGeom>
+          <a:solidFill>
+            <a:schemeClr val="bg1">
+              <a:alpha val="92000"/>
+            </a:schemeClr>
+          </a:solidFill>
+        </p:spPr>
+        <p:style>
+          <a:lnRef idx="2">
+            <a:schemeClr val="accent1">
+              <a:shade val="50000"/>
+            </a:schemeClr>
+          </a:lnRef>
+          <a:fillRef idx="1">
+            <a:schemeClr val="accent1"/>
+          </a:fillRef>
+          <a:effectRef idx="0">
+            <a:schemeClr val="accent1"/>
+          </a:effectRef>
+          <a:fontRef idx="minor">
+            <a:schemeClr val="lt1"/>
+          </a:fontRef>
+        </p:style>
+        <p:txBody>
+          <a:bodyPr rtlCol="0" anchor="ctr"/>
+          <a:lstStyle/>
+          <a:p>
+            <a:pPr lvl="8" algn="ctr"/>
+            <a:r>
+              <a:rPr lang="fr-FR" sz="4800" dirty="0">
+                <a:solidFill>
+                  <a:schemeClr val="tx1"/>
+                </a:solidFill>
+              </a:rPr>
+              <a:t>	</a:t>
+            </a:r>
+          </a:p>
+          <a:p>
+            <a:pPr lvl="8" algn="ctr"/>
+            <a:r>
+              <a:rPr lang="en-US" sz="4800" b="0" i="0" dirty="0">
+                <a:solidFill>
+                  <a:schemeClr val="tx1"/>
+                </a:solidFill>
+                <a:effectLst/>
+                <a:latin typeface="Arial" panose="020B0604020202020204" pitchFamily="34" charset="0"/>
+              </a:rPr>
+              <a:t> </a:t>
+            </a:r>
+            <a:endParaRPr lang="fr-FR" sz="4800" dirty="0">
+              <a:solidFill>
+                <a:schemeClr val="tx1"/>
+              </a:solidFill>
+            </a:endParaRPr>
+          </a:p>
+        </p:txBody>
+      </p:sp>
+      <p:sp>
+        <p:nvSpPr>
+          <p:cNvPr id="3" name="ZoneTexte 2">
+            <a:extLst>
+              <a:ext uri="{FF2B5EF4-FFF2-40B4-BE49-F238E27FC236}">
+                <a16:creationId xmlns:a16="http://schemas.microsoft.com/office/drawing/2014/main" id="{F0437996-0AFF-42E9-A808-BCEAFF82D11D}"/>
+              </a:ext>
+            </a:extLst>
+          </p:cNvPr>
+          <p:cNvSpPr txBox="1"/>
+          <p:nvPr/>
+        </p:nvSpPr>
+        <p:spPr>
+          <a:xfrm>
+            <a:off x="578152" y="2893183"/>
+            <a:ext cx="11035695" cy="2985433"/>
+          </a:xfrm>
+          <a:prstGeom prst="rect">
+            <a:avLst/>
+          </a:prstGeom>
+          <a:noFill/>
+        </p:spPr>
+        <p:txBody>
+          <a:bodyPr wrap="square" rtlCol="0">
+            <a:spAutoFit/>
+          </a:bodyPr>
+          <a:lstStyle/>
+          <a:p>
+            <a:pPr algn="ctr"/>
+            <a:r>
+              <a:rPr lang="fr-FR" sz="4400" dirty="0" err="1"/>
+              <a:t>We</a:t>
+            </a:r>
+            <a:r>
+              <a:rPr lang="fr-FR" sz="4400" dirty="0"/>
+              <a:t> can </a:t>
+            </a:r>
+            <a:r>
+              <a:rPr lang="fr-FR" sz="4400" dirty="0" err="1"/>
+              <a:t>conclude</a:t>
+            </a:r>
+            <a:r>
+              <a:rPr lang="fr-FR" sz="4400" dirty="0"/>
+              <a:t> of the </a:t>
+            </a:r>
+            <a:r>
+              <a:rPr lang="fr-FR" sz="4400" dirty="0" err="1"/>
+              <a:t>most</a:t>
+            </a:r>
+            <a:r>
+              <a:rPr lang="fr-FR" sz="4400" dirty="0"/>
+              <a:t> </a:t>
+            </a:r>
+            <a:r>
+              <a:rPr lang="fr-FR" sz="4400" dirty="0" err="1"/>
+              <a:t>higher</a:t>
+            </a:r>
+            <a:r>
+              <a:rPr lang="fr-FR" sz="4400" dirty="0"/>
+              <a:t> </a:t>
+            </a:r>
+            <a:r>
+              <a:rPr lang="fr-FR" sz="4400" dirty="0" err="1"/>
+              <a:t>rented</a:t>
+            </a:r>
+            <a:r>
+              <a:rPr lang="fr-FR" sz="4400" dirty="0"/>
+              <a:t> bike possible </a:t>
+            </a:r>
+            <a:r>
+              <a:rPr lang="fr-FR" sz="4400" dirty="0" err="1"/>
+              <a:t>is</a:t>
+            </a:r>
+            <a:r>
+              <a:rPr lang="fr-FR" sz="4400" dirty="0"/>
+              <a:t> the </a:t>
+            </a:r>
+            <a:r>
+              <a:rPr lang="fr-FR" sz="4400" b="1" dirty="0"/>
+              <a:t>Friday</a:t>
+            </a:r>
+            <a:r>
+              <a:rPr lang="fr-FR" sz="4400" dirty="0"/>
+              <a:t> at </a:t>
+            </a:r>
+            <a:r>
+              <a:rPr lang="fr-FR" sz="4400" b="1" dirty="0"/>
+              <a:t>6pm</a:t>
+            </a:r>
+            <a:r>
+              <a:rPr lang="fr-FR" sz="4400" dirty="0"/>
+              <a:t> </a:t>
+            </a:r>
+            <a:r>
+              <a:rPr lang="fr-FR" sz="4400" dirty="0" err="1"/>
+              <a:t>during</a:t>
+            </a:r>
+            <a:r>
+              <a:rPr lang="fr-FR" sz="4400" dirty="0"/>
+              <a:t> the </a:t>
+            </a:r>
+            <a:r>
+              <a:rPr lang="fr-FR" sz="4400" b="1" dirty="0" err="1"/>
+              <a:t>summer</a:t>
+            </a:r>
+            <a:r>
+              <a:rPr lang="fr-FR" sz="4400" dirty="0"/>
+              <a:t> </a:t>
+            </a:r>
+            <a:r>
+              <a:rPr lang="fr-FR" sz="4400" dirty="0" err="1"/>
+              <a:t>whenthe</a:t>
+            </a:r>
+            <a:r>
+              <a:rPr lang="fr-FR" sz="4400" dirty="0"/>
+              <a:t> </a:t>
+            </a:r>
+            <a:r>
+              <a:rPr lang="fr-FR" sz="4400" dirty="0" err="1"/>
+              <a:t>temperature</a:t>
+            </a:r>
+            <a:r>
+              <a:rPr lang="fr-FR" sz="4400" dirty="0"/>
+              <a:t> </a:t>
+            </a:r>
+            <a:r>
+              <a:rPr lang="fr-FR" sz="4400" dirty="0" err="1"/>
+              <a:t>is</a:t>
+            </a:r>
+            <a:r>
+              <a:rPr lang="fr-FR" sz="4400" dirty="0"/>
+              <a:t> of </a:t>
+            </a:r>
+            <a:r>
+              <a:rPr lang="fr-FR" sz="4400" b="1" dirty="0"/>
+              <a:t>23 </a:t>
+            </a:r>
+            <a:r>
+              <a:rPr lang="fr-FR" sz="4400" b="1" dirty="0" err="1"/>
+              <a:t>degrees</a:t>
+            </a:r>
+            <a:endParaRPr lang="fr-FR" sz="4400" b="1" dirty="0"/>
+          </a:p>
+          <a:p>
+            <a:pPr marL="457200" indent="-457200" algn="ctr">
+              <a:buFont typeface="Wingdings" panose="05000000000000000000" pitchFamily="2" charset="2"/>
+              <a:buChar char="Ø"/>
+            </a:pPr>
+            <a:endParaRPr lang="fr-FR" sz="2800" dirty="0"/>
+          </a:p>
+          <a:p>
+            <a:pPr algn="ctr"/>
+            <a:endParaRPr lang="en-US" sz="2800" dirty="0"/>
+          </a:p>
+        </p:txBody>
+      </p:sp>
+    </p:spTree>
+    <p:extLst>
+      <p:ext uri="{BB962C8B-B14F-4D97-AF65-F5344CB8AC3E}">
+        <p14:creationId xmlns:p14="http://schemas.microsoft.com/office/powerpoint/2010/main" val="3502537370"/>
+      </p:ext>
+    </p:extLst>
+  </p:cSld>
+  <p:clrMapOvr>
+    <a:masterClrMapping/>
+  </p:clrMapOvr>
+</p:sld>
+</file>
+
+<file path=ppt/slides/slide12.xml><?xml version="1.0" encoding="utf-8"?>
+<p:sld xmlns:a="http://schemas.openxmlformats.org/drawingml/2006/main" xmlns:r="http://schemas.openxmlformats.org/officeDocument/2006/relationships" xmlns:p="http://schemas.openxmlformats.org/presentationml/2006/main">
+  <p:cSld>
+    <p:bg>
+      <p:bgPr>
+        <a:blipFill dpi="0" rotWithShape="1">
+          <a:blip r:embed="rId2">
+            <a:lum/>
+          </a:blip>
+          <a:srcRect/>
+          <a:stretch>
+            <a:fillRect t="-7000" b="-7000"/>
+          </a:stretch>
+        </a:blipFill>
+        <a:effectLst/>
+      </p:bgPr>
+    </p:bg>
+    <p:spTree>
+      <p:nvGrpSpPr>
+        <p:cNvPr id="1" name=""/>
+        <p:cNvGrpSpPr/>
+        <p:nvPr/>
+      </p:nvGrpSpPr>
+      <p:grpSpPr>
+        <a:xfrm>
+          <a:off x="0" y="0"/>
+          <a:ext cx="0" cy="0"/>
+          <a:chOff x="0" y="0"/>
+          <a:chExt cx="0" cy="0"/>
+        </a:xfrm>
+      </p:grpSpPr>
+      <p:sp>
+        <p:nvSpPr>
+          <p:cNvPr id="4" name="Rectangle 3">
+            <a:extLst>
+              <a:ext uri="{FF2B5EF4-FFF2-40B4-BE49-F238E27FC236}">
+                <a16:creationId xmlns:a16="http://schemas.microsoft.com/office/drawing/2014/main" id="{BDB1661A-64A0-42AA-973D-9AF3F33D26F3}"/>
+              </a:ext>
+            </a:extLst>
+          </p:cNvPr>
+          <p:cNvSpPr/>
+          <p:nvPr/>
+        </p:nvSpPr>
+        <p:spPr>
+          <a:xfrm>
+            <a:off x="0" y="0"/>
+            <a:ext cx="12192000" cy="1402492"/>
+          </a:xfrm>
+          <a:prstGeom prst="rect">
+            <a:avLst/>
+          </a:prstGeom>
+          <a:solidFill>
+            <a:schemeClr val="bg1">
+              <a:alpha val="73000"/>
+            </a:schemeClr>
+          </a:solidFill>
+        </p:spPr>
+        <p:style>
+          <a:lnRef idx="2">
+            <a:schemeClr val="accent1">
+              <a:shade val="50000"/>
+            </a:schemeClr>
+          </a:lnRef>
+          <a:fillRef idx="1">
+            <a:schemeClr val="accent1"/>
+          </a:fillRef>
+          <a:effectRef idx="0">
+            <a:schemeClr val="accent1"/>
+          </a:effectRef>
+          <a:fontRef idx="minor">
+            <a:schemeClr val="lt1"/>
+          </a:fontRef>
+        </p:style>
+        <p:txBody>
+          <a:bodyPr rtlCol="0" anchor="ctr"/>
+          <a:lstStyle/>
+          <a:p>
+            <a:pPr algn="ctr"/>
+            <a:r>
+              <a:rPr lang="fr-FR" sz="4400" dirty="0">
+                <a:solidFill>
+                  <a:schemeClr val="tx1"/>
+                </a:solidFill>
+              </a:rPr>
+              <a:t>V. </a:t>
+            </a:r>
+            <a:r>
+              <a:rPr lang="en-US" sz="4400" dirty="0">
+                <a:solidFill>
+                  <a:schemeClr val="tx1"/>
+                </a:solidFill>
+              </a:rPr>
+              <a:t>The </a:t>
+            </a:r>
+            <a:r>
+              <a:rPr lang="en-US" sz="4400" dirty="0" err="1">
+                <a:solidFill>
+                  <a:schemeClr val="tx1"/>
+                </a:solidFill>
+              </a:rPr>
+              <a:t>Differents</a:t>
+            </a:r>
+            <a:r>
+              <a:rPr lang="en-US" sz="4400" dirty="0">
+                <a:solidFill>
+                  <a:schemeClr val="tx1"/>
+                </a:solidFill>
+              </a:rPr>
+              <a:t> Datasets</a:t>
+            </a:r>
+            <a:endParaRPr lang="fr-FR" sz="4400" dirty="0">
+              <a:solidFill>
+                <a:schemeClr val="tx1"/>
+              </a:solidFill>
+            </a:endParaRPr>
+          </a:p>
+        </p:txBody>
+      </p:sp>
+      <p:sp>
+        <p:nvSpPr>
+          <p:cNvPr id="5" name="Rectangle 4">
+            <a:extLst>
+              <a:ext uri="{FF2B5EF4-FFF2-40B4-BE49-F238E27FC236}">
+                <a16:creationId xmlns:a16="http://schemas.microsoft.com/office/drawing/2014/main" id="{598E3956-FAB2-4E3F-9666-CC65FB971F5B}"/>
+              </a:ext>
+            </a:extLst>
+          </p:cNvPr>
+          <p:cNvSpPr/>
+          <p:nvPr/>
+        </p:nvSpPr>
+        <p:spPr>
+          <a:xfrm>
+            <a:off x="0" y="1405920"/>
+            <a:ext cx="12192000" cy="5455508"/>
+          </a:xfrm>
+          <a:prstGeom prst="rect">
+            <a:avLst/>
+          </a:prstGeom>
+          <a:solidFill>
+            <a:schemeClr val="bg1">
+              <a:alpha val="92000"/>
+            </a:schemeClr>
+          </a:solidFill>
+        </p:spPr>
+        <p:style>
+          <a:lnRef idx="2">
+            <a:schemeClr val="accent1">
+              <a:shade val="50000"/>
+            </a:schemeClr>
+          </a:lnRef>
+          <a:fillRef idx="1">
+            <a:schemeClr val="accent1"/>
+          </a:fillRef>
+          <a:effectRef idx="0">
+            <a:schemeClr val="accent1"/>
+          </a:effectRef>
+          <a:fontRef idx="minor">
+            <a:schemeClr val="lt1"/>
+          </a:fontRef>
+        </p:style>
+        <p:txBody>
+          <a:bodyPr rtlCol="0" anchor="ctr"/>
+          <a:lstStyle/>
+          <a:p>
+            <a:pPr lvl="8" algn="ctr"/>
+            <a:r>
+              <a:rPr lang="fr-FR" sz="4800" dirty="0">
+                <a:solidFill>
+                  <a:schemeClr val="tx1"/>
+                </a:solidFill>
+              </a:rPr>
+              <a:t>	</a:t>
+            </a:r>
+          </a:p>
+          <a:p>
+            <a:pPr lvl="8" algn="ctr"/>
+            <a:r>
+              <a:rPr lang="en-US" sz="4800" b="0" i="0" dirty="0">
+                <a:solidFill>
+                  <a:schemeClr val="tx1"/>
+                </a:solidFill>
+                <a:effectLst/>
+                <a:latin typeface="Arial" panose="020B0604020202020204" pitchFamily="34" charset="0"/>
+              </a:rPr>
+              <a:t> </a:t>
+            </a:r>
+            <a:endParaRPr lang="fr-FR" sz="4800" dirty="0">
+              <a:solidFill>
+                <a:schemeClr val="tx1"/>
+              </a:solidFill>
+            </a:endParaRPr>
+          </a:p>
+        </p:txBody>
+      </p:sp>
+      <p:sp>
+        <p:nvSpPr>
+          <p:cNvPr id="6" name="ZoneTexte 5">
+            <a:extLst>
+              <a:ext uri="{FF2B5EF4-FFF2-40B4-BE49-F238E27FC236}">
+                <a16:creationId xmlns:a16="http://schemas.microsoft.com/office/drawing/2014/main" id="{65F46DF5-8B4C-411D-8ECD-DD6F09C2E8DA}"/>
+              </a:ext>
+            </a:extLst>
+          </p:cNvPr>
+          <p:cNvSpPr txBox="1"/>
+          <p:nvPr/>
+        </p:nvSpPr>
+        <p:spPr>
+          <a:xfrm>
+            <a:off x="599923" y="2254552"/>
+            <a:ext cx="11113105" cy="4216539"/>
+          </a:xfrm>
+          <a:prstGeom prst="rect">
+            <a:avLst/>
+          </a:prstGeom>
+          <a:noFill/>
+        </p:spPr>
+        <p:txBody>
+          <a:bodyPr wrap="square" rtlCol="0">
+            <a:spAutoFit/>
+          </a:bodyPr>
+          <a:lstStyle/>
+          <a:p>
+            <a:r>
+              <a:rPr lang="fr-FR" sz="2800" dirty="0" err="1"/>
+              <a:t>Creation</a:t>
+            </a:r>
+            <a:r>
+              <a:rPr lang="fr-FR" sz="2800" dirty="0"/>
+              <a:t> of 5 différents </a:t>
+            </a:r>
+            <a:r>
+              <a:rPr lang="fr-FR" sz="2800" dirty="0" err="1"/>
+              <a:t>Datasets</a:t>
+            </a:r>
+            <a:r>
+              <a:rPr lang="fr-FR" sz="2800" dirty="0"/>
+              <a:t> of tests for </a:t>
+            </a:r>
+            <a:r>
+              <a:rPr lang="fr-FR" sz="2800" dirty="0" err="1"/>
+              <a:t>see</a:t>
+            </a:r>
+            <a:r>
+              <a:rPr lang="fr-FR" sz="2800" dirty="0"/>
+              <a:t> </a:t>
+            </a:r>
+            <a:r>
+              <a:rPr lang="fr-FR" sz="2800" dirty="0" err="1"/>
+              <a:t>which</a:t>
+            </a:r>
+            <a:r>
+              <a:rPr lang="fr-FR" sz="2800" dirty="0"/>
+              <a:t> one </a:t>
+            </a:r>
+            <a:r>
+              <a:rPr lang="fr-FR" sz="2800" dirty="0" err="1"/>
+              <a:t>is</a:t>
+            </a:r>
+            <a:r>
+              <a:rPr lang="fr-FR" sz="2800" dirty="0"/>
+              <a:t> the best :</a:t>
+            </a:r>
+          </a:p>
+          <a:p>
+            <a:endParaRPr lang="fr-FR" sz="2800" dirty="0"/>
+          </a:p>
+          <a:p>
+            <a:pPr marL="342900" indent="-342900">
+              <a:buFont typeface="+mj-lt"/>
+              <a:buAutoNum type="arabicPeriod"/>
+            </a:pPr>
+            <a:r>
+              <a:rPr lang="fr-FR" sz="2800" dirty="0"/>
+              <a:t>Brut</a:t>
+            </a:r>
+          </a:p>
+          <a:p>
+            <a:pPr marL="342900" indent="-342900">
+              <a:buFont typeface="+mj-lt"/>
+              <a:buAutoNum type="arabicPeriod"/>
+            </a:pPr>
+            <a:r>
+              <a:rPr lang="fr-FR" sz="2800" dirty="0"/>
+              <a:t>Brut </a:t>
+            </a:r>
+            <a:r>
+              <a:rPr lang="en-US" sz="2800" dirty="0"/>
+              <a:t>without years and the dew temperature columns</a:t>
+            </a:r>
+            <a:endParaRPr lang="fr-FR" sz="2800" dirty="0"/>
+          </a:p>
+          <a:p>
+            <a:pPr marL="342900" indent="-342900">
+              <a:buFont typeface="+mj-lt"/>
+              <a:buAutoNum type="arabicPeriod"/>
+            </a:pPr>
+            <a:r>
+              <a:rPr lang="fr-FR" sz="2800" dirty="0"/>
+              <a:t>Drop variables </a:t>
+            </a:r>
+            <a:r>
+              <a:rPr lang="fr-FR" sz="2800" dirty="0" err="1"/>
+              <a:t>with</a:t>
+            </a:r>
+            <a:r>
+              <a:rPr lang="fr-FR" sz="2800" dirty="0"/>
+              <a:t> </a:t>
+            </a:r>
+            <a:r>
+              <a:rPr lang="fr-FR" sz="2800" dirty="0" err="1"/>
+              <a:t>bad</a:t>
+            </a:r>
+            <a:r>
+              <a:rPr lang="fr-FR" sz="2800" dirty="0"/>
+              <a:t> </a:t>
+            </a:r>
+            <a:r>
+              <a:rPr lang="fr-FR" sz="2800" dirty="0" err="1"/>
+              <a:t>correlation</a:t>
+            </a:r>
+            <a:endParaRPr lang="fr-FR" sz="2800" dirty="0"/>
+          </a:p>
+          <a:p>
+            <a:pPr marL="342900" indent="-342900">
+              <a:buFont typeface="+mj-lt"/>
+              <a:buAutoNum type="arabicPeriod"/>
+            </a:pPr>
+            <a:r>
+              <a:rPr lang="fr-FR" sz="2800" dirty="0" err="1"/>
+              <a:t>Scaling</a:t>
+            </a:r>
+            <a:r>
+              <a:rPr lang="fr-FR" sz="2800" dirty="0"/>
+              <a:t> </a:t>
+            </a:r>
+            <a:r>
+              <a:rPr lang="fr-FR" sz="2800" dirty="0" err="1"/>
+              <a:t>Visibility</a:t>
+            </a:r>
+            <a:r>
+              <a:rPr lang="fr-FR" sz="2800" dirty="0"/>
+              <a:t> </a:t>
+            </a:r>
+            <a:r>
+              <a:rPr lang="fr-FR" sz="2800" dirty="0" err="1"/>
+              <a:t>columns</a:t>
+            </a:r>
+            <a:r>
+              <a:rPr lang="fr-FR" sz="2800" dirty="0"/>
+              <a:t> for </a:t>
+            </a:r>
+            <a:r>
+              <a:rPr lang="fr-FR" sz="2800" dirty="0" err="1"/>
+              <a:t>try</a:t>
+            </a:r>
+            <a:r>
+              <a:rPr lang="fr-FR" sz="2800" dirty="0"/>
+              <a:t> to </a:t>
+            </a:r>
+            <a:r>
+              <a:rPr lang="fr-FR" sz="2800" dirty="0" err="1"/>
+              <a:t>reduce</a:t>
+            </a:r>
+            <a:r>
+              <a:rPr lang="fr-FR" sz="2800" dirty="0"/>
+              <a:t> </a:t>
+            </a:r>
+            <a:r>
+              <a:rPr lang="fr-FR" sz="2800" dirty="0" err="1"/>
+              <a:t>this</a:t>
+            </a:r>
+            <a:r>
+              <a:rPr lang="fr-FR" sz="2800" dirty="0"/>
+              <a:t> pounds</a:t>
+            </a:r>
+          </a:p>
+          <a:p>
+            <a:pPr marL="342900" indent="-342900">
+              <a:buFont typeface="+mj-lt"/>
+              <a:buAutoNum type="arabicPeriod"/>
+            </a:pPr>
+            <a:r>
+              <a:rPr lang="fr-FR" sz="2800" dirty="0" err="1"/>
+              <a:t>Transform</a:t>
+            </a:r>
+            <a:r>
+              <a:rPr lang="fr-FR" sz="2800" dirty="0"/>
+              <a:t> </a:t>
+            </a:r>
+            <a:r>
+              <a:rPr lang="fr-FR" sz="2800" dirty="0" err="1"/>
+              <a:t>weather</a:t>
+            </a:r>
+            <a:r>
+              <a:rPr lang="fr-FR" sz="2800" dirty="0"/>
+              <a:t> data </a:t>
+            </a:r>
+            <a:r>
+              <a:rPr lang="fr-FR" sz="2800" dirty="0" err="1"/>
+              <a:t>columns</a:t>
+            </a:r>
+            <a:r>
+              <a:rPr lang="fr-FR" sz="2800" dirty="0"/>
+              <a:t> </a:t>
+            </a:r>
+            <a:r>
+              <a:rPr lang="fr-FR" sz="2800" dirty="0" err="1"/>
+              <a:t>into</a:t>
+            </a:r>
+            <a:r>
+              <a:rPr lang="fr-FR" sz="2800" dirty="0"/>
+              <a:t> simple </a:t>
+            </a:r>
+            <a:r>
+              <a:rPr lang="fr-FR" sz="2800" dirty="0" err="1"/>
+              <a:t>number</a:t>
+            </a:r>
+            <a:endParaRPr lang="fr-FR" sz="2800" dirty="0"/>
+          </a:p>
+          <a:p>
+            <a:endParaRPr lang="fr-FR" dirty="0"/>
+          </a:p>
+          <a:p>
+            <a:endParaRPr lang="fr-FR" dirty="0"/>
+          </a:p>
+          <a:p>
+            <a:endParaRPr lang="fr-FR" dirty="0"/>
+          </a:p>
+          <a:p>
+            <a:endParaRPr lang="en-US" dirty="0"/>
+          </a:p>
+        </p:txBody>
+      </p:sp>
+    </p:spTree>
+    <p:extLst>
+      <p:ext uri="{BB962C8B-B14F-4D97-AF65-F5344CB8AC3E}">
+        <p14:creationId xmlns:p14="http://schemas.microsoft.com/office/powerpoint/2010/main" val="3955456333"/>
+      </p:ext>
+    </p:extLst>
+  </p:cSld>
+  <p:clrMapOvr>
+    <a:masterClrMapping/>
+  </p:clrMapOvr>
+</p:sld>
+</file>
+
+<file path=ppt/slides/slide13.xml><?xml version="1.0" encoding="utf-8"?>
+<p:sld xmlns:a="http://schemas.openxmlformats.org/drawingml/2006/main" xmlns:r="http://schemas.openxmlformats.org/officeDocument/2006/relationships" xmlns:p="http://schemas.openxmlformats.org/presentationml/2006/main">
+  <p:cSld>
+    <p:bg>
+      <p:bgPr>
+        <a:blipFill dpi="0" rotWithShape="1">
+          <a:blip r:embed="rId3">
+            <a:lum/>
+          </a:blip>
+          <a:srcRect/>
+          <a:stretch>
+            <a:fillRect t="-7000" b="-7000"/>
+          </a:stretch>
+        </a:blipFill>
+        <a:effectLst/>
+      </p:bgPr>
+    </p:bg>
+    <p:spTree>
+      <p:nvGrpSpPr>
+        <p:cNvPr id="1" name=""/>
+        <p:cNvGrpSpPr/>
+        <p:nvPr/>
+      </p:nvGrpSpPr>
+      <p:grpSpPr>
+        <a:xfrm>
+          <a:off x="0" y="0"/>
+          <a:ext cx="0" cy="0"/>
+          <a:chOff x="0" y="0"/>
+          <a:chExt cx="0" cy="0"/>
+        </a:xfrm>
+      </p:grpSpPr>
+      <p:sp>
+        <p:nvSpPr>
+          <p:cNvPr id="4" name="Rectangle 3">
+            <a:extLst>
+              <a:ext uri="{FF2B5EF4-FFF2-40B4-BE49-F238E27FC236}">
+                <a16:creationId xmlns:a16="http://schemas.microsoft.com/office/drawing/2014/main" id="{BDB1661A-64A0-42AA-973D-9AF3F33D26F3}"/>
+              </a:ext>
+            </a:extLst>
+          </p:cNvPr>
+          <p:cNvSpPr/>
+          <p:nvPr/>
+        </p:nvSpPr>
+        <p:spPr>
+          <a:xfrm>
+            <a:off x="0" y="0"/>
+            <a:ext cx="12192000" cy="1402492"/>
+          </a:xfrm>
+          <a:prstGeom prst="rect">
+            <a:avLst/>
+          </a:prstGeom>
+          <a:solidFill>
+            <a:schemeClr val="bg1">
+              <a:alpha val="73000"/>
+            </a:schemeClr>
+          </a:solidFill>
+        </p:spPr>
+        <p:style>
+          <a:lnRef idx="2">
+            <a:schemeClr val="accent1">
+              <a:shade val="50000"/>
+            </a:schemeClr>
+          </a:lnRef>
+          <a:fillRef idx="1">
+            <a:schemeClr val="accent1"/>
+          </a:fillRef>
+          <a:effectRef idx="0">
+            <a:schemeClr val="accent1"/>
+          </a:effectRef>
+          <a:fontRef idx="minor">
+            <a:schemeClr val="lt1"/>
+          </a:fontRef>
+        </p:style>
+        <p:txBody>
+          <a:bodyPr rtlCol="0" anchor="ctr"/>
+          <a:lstStyle/>
+          <a:p>
+            <a:pPr algn="ctr"/>
+            <a:r>
+              <a:rPr lang="fr-FR" sz="4400" dirty="0">
+                <a:solidFill>
+                  <a:schemeClr val="tx1"/>
+                </a:solidFill>
+              </a:rPr>
+              <a:t>VI. </a:t>
+            </a:r>
+            <a:r>
+              <a:rPr lang="en-US" sz="4400" dirty="0">
+                <a:solidFill>
+                  <a:schemeClr val="tx1"/>
+                </a:solidFill>
+              </a:rPr>
+              <a:t>The </a:t>
+            </a:r>
+            <a:r>
+              <a:rPr lang="en-US" sz="4400" dirty="0" err="1">
+                <a:solidFill>
+                  <a:schemeClr val="tx1"/>
+                </a:solidFill>
+              </a:rPr>
+              <a:t>Differents</a:t>
+            </a:r>
+            <a:r>
+              <a:rPr lang="en-US" sz="4400" dirty="0">
+                <a:solidFill>
+                  <a:schemeClr val="tx1"/>
+                </a:solidFill>
+              </a:rPr>
+              <a:t> Models</a:t>
+            </a:r>
+            <a:endParaRPr lang="fr-FR" sz="4400" dirty="0">
+              <a:solidFill>
+                <a:schemeClr val="tx1"/>
+              </a:solidFill>
+            </a:endParaRPr>
+          </a:p>
+        </p:txBody>
+      </p:sp>
+      <p:sp>
+        <p:nvSpPr>
+          <p:cNvPr id="5" name="Rectangle 4">
+            <a:extLst>
+              <a:ext uri="{FF2B5EF4-FFF2-40B4-BE49-F238E27FC236}">
+                <a16:creationId xmlns:a16="http://schemas.microsoft.com/office/drawing/2014/main" id="{598E3956-FAB2-4E3F-9666-CC65FB971F5B}"/>
+              </a:ext>
+            </a:extLst>
+          </p:cNvPr>
+          <p:cNvSpPr/>
+          <p:nvPr/>
+        </p:nvSpPr>
+        <p:spPr>
+          <a:xfrm>
+            <a:off x="0" y="1405920"/>
+            <a:ext cx="12192000" cy="5455508"/>
+          </a:xfrm>
+          <a:prstGeom prst="rect">
+            <a:avLst/>
+          </a:prstGeom>
+          <a:solidFill>
+            <a:schemeClr val="bg1">
+              <a:alpha val="92000"/>
+            </a:schemeClr>
+          </a:solidFill>
+        </p:spPr>
+        <p:style>
+          <a:lnRef idx="2">
+            <a:schemeClr val="accent1">
+              <a:shade val="50000"/>
+            </a:schemeClr>
+          </a:lnRef>
+          <a:fillRef idx="1">
+            <a:schemeClr val="accent1"/>
+          </a:fillRef>
+          <a:effectRef idx="0">
+            <a:schemeClr val="accent1"/>
+          </a:effectRef>
+          <a:fontRef idx="minor">
+            <a:schemeClr val="lt1"/>
+          </a:fontRef>
+        </p:style>
+        <p:txBody>
+          <a:bodyPr rtlCol="0" anchor="ctr"/>
+          <a:lstStyle/>
+          <a:p>
+            <a:pPr lvl="8" algn="ctr"/>
+            <a:r>
+              <a:rPr lang="fr-FR" sz="4800" dirty="0">
+                <a:solidFill>
+                  <a:schemeClr val="tx1"/>
+                </a:solidFill>
+              </a:rPr>
+              <a:t>	</a:t>
+            </a:r>
+          </a:p>
+          <a:p>
+            <a:pPr lvl="8" algn="ctr"/>
+            <a:r>
+              <a:rPr lang="en-US" sz="4800" b="0" i="0" dirty="0">
+                <a:solidFill>
+                  <a:schemeClr val="tx1"/>
+                </a:solidFill>
+                <a:effectLst/>
+                <a:latin typeface="Arial" panose="020B0604020202020204" pitchFamily="34" charset="0"/>
+              </a:rPr>
+              <a:t> </a:t>
+            </a:r>
+            <a:endParaRPr lang="fr-FR" sz="4800" dirty="0">
+              <a:solidFill>
+                <a:schemeClr val="tx1"/>
+              </a:solidFill>
+            </a:endParaRPr>
+          </a:p>
+        </p:txBody>
+      </p:sp>
+      <p:sp>
+        <p:nvSpPr>
+          <p:cNvPr id="6" name="ZoneTexte 5">
+            <a:extLst>
+              <a:ext uri="{FF2B5EF4-FFF2-40B4-BE49-F238E27FC236}">
+                <a16:creationId xmlns:a16="http://schemas.microsoft.com/office/drawing/2014/main" id="{65F46DF5-8B4C-411D-8ECD-DD6F09C2E8DA}"/>
+              </a:ext>
+            </a:extLst>
+          </p:cNvPr>
+          <p:cNvSpPr txBox="1"/>
+          <p:nvPr/>
+        </p:nvSpPr>
+        <p:spPr>
+          <a:xfrm>
+            <a:off x="599923" y="2254552"/>
+            <a:ext cx="11113105" cy="1200329"/>
+          </a:xfrm>
+          <a:prstGeom prst="rect">
+            <a:avLst/>
+          </a:prstGeom>
+          <a:noFill/>
+        </p:spPr>
+        <p:txBody>
+          <a:bodyPr wrap="square" rtlCol="0">
+            <a:spAutoFit/>
+          </a:bodyPr>
+          <a:lstStyle/>
+          <a:p>
+            <a:endParaRPr lang="fr-FR" dirty="0"/>
+          </a:p>
+          <a:p>
+            <a:endParaRPr lang="fr-FR" dirty="0"/>
+          </a:p>
+          <a:p>
+            <a:endParaRPr lang="fr-FR" dirty="0"/>
+          </a:p>
+          <a:p>
+            <a:endParaRPr lang="en-US" dirty="0"/>
+          </a:p>
+        </p:txBody>
+      </p:sp>
+      <p:graphicFrame>
+        <p:nvGraphicFramePr>
+          <p:cNvPr id="2" name="Objet 1">
+            <a:extLst>
+              <a:ext uri="{FF2B5EF4-FFF2-40B4-BE49-F238E27FC236}">
+                <a16:creationId xmlns:a16="http://schemas.microsoft.com/office/drawing/2014/main" id="{C17FBB7A-F26F-4535-8E6C-23D51D7D5318}"/>
+              </a:ext>
+            </a:extLst>
+          </p:cNvPr>
+          <p:cNvGraphicFramePr>
+            <a:graphicFrameLocks noChangeAspect="1"/>
+          </p:cNvGraphicFramePr>
+          <p:nvPr>
+            <p:extLst>
+              <p:ext uri="{D42A27DB-BD31-4B8C-83A1-F6EECF244321}">
+                <p14:modId xmlns:p14="http://schemas.microsoft.com/office/powerpoint/2010/main" val="3481148486"/>
+              </p:ext>
+            </p:extLst>
+          </p:nvPr>
+        </p:nvGraphicFramePr>
+        <p:xfrm>
+          <a:off x="1060526" y="2598118"/>
+          <a:ext cx="4329112" cy="3279712"/>
+        </p:xfrm>
+        <a:graphic>
+          <a:graphicData uri="http://schemas.openxmlformats.org/presentationml/2006/ole">
+            <mc:AlternateContent xmlns:mc="http://schemas.openxmlformats.org/markup-compatibility/2006">
+              <mc:Choice xmlns:v="urn:schemas-microsoft-com:vml" Requires="v">
+                <p:oleObj spid="_x0000_s7171" name="Image bitmap" r:id="rId4" imgW="2560320" imgH="1939320" progId="Paint.Picture">
+                  <p:embed/>
+                </p:oleObj>
+              </mc:Choice>
+              <mc:Fallback>
+                <p:oleObj name="Image bitmap" r:id="rId4" imgW="2560320" imgH="1939320" progId="Paint.Picture">
+                  <p:embed/>
+                  <p:pic>
+                    <p:nvPicPr>
+                      <p:cNvPr id="0" name=""/>
+                      <p:cNvPicPr/>
+                      <p:nvPr/>
+                    </p:nvPicPr>
+                    <p:blipFill>
+                      <a:blip r:embed="rId5"/>
+                      <a:stretch>
+                        <a:fillRect/>
+                      </a:stretch>
+                    </p:blipFill>
+                    <p:spPr>
+                      <a:xfrm>
+                        <a:off x="1060526" y="2598118"/>
+                        <a:ext cx="4329112" cy="3279712"/>
+                      </a:xfrm>
+                      <a:prstGeom prst="rect">
+                        <a:avLst/>
+                      </a:prstGeom>
+                    </p:spPr>
+                  </p:pic>
+                </p:oleObj>
+              </mc:Fallback>
+            </mc:AlternateContent>
+          </a:graphicData>
+        </a:graphic>
+      </p:graphicFrame>
+      <p:sp>
+        <p:nvSpPr>
+          <p:cNvPr id="7" name="ZoneTexte 6">
+            <a:extLst>
+              <a:ext uri="{FF2B5EF4-FFF2-40B4-BE49-F238E27FC236}">
+                <a16:creationId xmlns:a16="http://schemas.microsoft.com/office/drawing/2014/main" id="{7C7C6404-2BB7-453F-A882-05BEC1B2BB99}"/>
+              </a:ext>
+            </a:extLst>
+          </p:cNvPr>
+          <p:cNvSpPr txBox="1"/>
+          <p:nvPr/>
+        </p:nvSpPr>
+        <p:spPr>
+          <a:xfrm>
+            <a:off x="5667829" y="3114589"/>
+            <a:ext cx="6245980" cy="2246769"/>
+          </a:xfrm>
+          <a:prstGeom prst="rect">
+            <a:avLst/>
+          </a:prstGeom>
+          <a:noFill/>
+        </p:spPr>
+        <p:txBody>
+          <a:bodyPr wrap="square" rtlCol="0">
+            <a:spAutoFit/>
+          </a:bodyPr>
+          <a:lstStyle/>
+          <a:p>
+            <a:pPr marL="457200" indent="-457200">
+              <a:buFont typeface="Wingdings" panose="05000000000000000000" pitchFamily="2" charset="2"/>
+              <a:buChar char="Ø"/>
+            </a:pPr>
+            <a:r>
+              <a:rPr lang="fr-FR" sz="2800" dirty="0"/>
+              <a:t>2 </a:t>
+            </a:r>
+            <a:r>
+              <a:rPr lang="fr-FR" sz="2800" dirty="0" err="1"/>
+              <a:t>methods</a:t>
+            </a:r>
+            <a:r>
+              <a:rPr lang="fr-FR" sz="2800" dirty="0"/>
+              <a:t> have </a:t>
+            </a:r>
+            <a:r>
+              <a:rPr lang="fr-FR" sz="2800" dirty="0" err="1"/>
+              <a:t>very</a:t>
+            </a:r>
+            <a:r>
+              <a:rPr lang="fr-FR" sz="2800" dirty="0"/>
+              <a:t> </a:t>
+            </a:r>
+            <a:r>
+              <a:rPr lang="fr-FR" sz="2800" dirty="0" err="1"/>
+              <a:t>better</a:t>
+            </a:r>
+            <a:r>
+              <a:rPr lang="fr-FR" sz="2800" dirty="0"/>
+              <a:t> R2 values</a:t>
+            </a:r>
+          </a:p>
+          <a:p>
+            <a:pPr marL="457200" indent="-457200">
+              <a:buFont typeface="Wingdings" panose="05000000000000000000" pitchFamily="2" charset="2"/>
+              <a:buChar char="Ø"/>
+            </a:pPr>
+            <a:endParaRPr lang="en-US" sz="2800" dirty="0"/>
+          </a:p>
+          <a:p>
+            <a:pPr marL="457200" indent="-457200">
+              <a:buFont typeface="Wingdings" panose="05000000000000000000" pitchFamily="2" charset="2"/>
+              <a:buChar char="Ø"/>
+            </a:pPr>
+            <a:r>
+              <a:rPr lang="en-US" sz="2800" dirty="0"/>
+              <a:t>Lasso is the most speed execution</a:t>
+            </a:r>
+          </a:p>
+          <a:p>
+            <a:pPr marL="457200" indent="-457200">
+              <a:buFont typeface="Wingdings" panose="05000000000000000000" pitchFamily="2" charset="2"/>
+              <a:buChar char="Ø"/>
+            </a:pPr>
+            <a:endParaRPr lang="en-US" sz="2800" dirty="0"/>
+          </a:p>
+          <a:p>
+            <a:pPr marL="457200" indent="-457200">
+              <a:buFont typeface="Wingdings" panose="05000000000000000000" pitchFamily="2" charset="2"/>
+              <a:buChar char="Ø"/>
+            </a:pPr>
+            <a:r>
+              <a:rPr lang="en-US" sz="2800" dirty="0"/>
+              <a:t>The best dataset is the n°2</a:t>
+            </a:r>
+          </a:p>
+        </p:txBody>
+      </p:sp>
+    </p:spTree>
+    <p:extLst>
+      <p:ext uri="{BB962C8B-B14F-4D97-AF65-F5344CB8AC3E}">
+        <p14:creationId xmlns:p14="http://schemas.microsoft.com/office/powerpoint/2010/main" val="892156222"/>
+      </p:ext>
+    </p:extLst>
+  </p:cSld>
+  <p:clrMapOvr>
+    <a:masterClrMapping/>
+  </p:clrMapOvr>
+</p:sld>
+</file>
+
 <file path=ppt/slides/slide2.xml><?xml version="1.0" encoding="utf-8"?>
 <p:sld xmlns:a="http://schemas.openxmlformats.org/drawingml/2006/main" xmlns:r="http://schemas.openxmlformats.org/officeDocument/2006/relationships" xmlns:p="http://schemas.openxmlformats.org/presentationml/2006/main">
   <p:cSld>
@@ -4214,8 +5746,8 @@
         </p:nvSpPr>
         <p:spPr>
           <a:xfrm>
-            <a:off x="3855285" y="2367157"/>
-            <a:ext cx="8691467" cy="3046988"/>
+            <a:off x="2713495" y="1617253"/>
+            <a:ext cx="8691467" cy="5262979"/>
           </a:xfrm>
           <a:prstGeom prst="rect">
             <a:avLst/>
@@ -4244,15 +5776,74 @@
           <a:p>
             <a:r>
               <a:rPr lang="en-US" sz="4800" dirty="0"/>
-              <a:t>The Different Variables</a:t>
+              <a:t>The </a:t>
+            </a:r>
+            <a:r>
+              <a:rPr lang="en-US" sz="4800" dirty="0" err="1"/>
+              <a:t>Differents</a:t>
+            </a:r>
+            <a:r>
+              <a:rPr lang="en-US" sz="4800" dirty="0"/>
+              <a:t> Variables</a:t>
             </a:r>
             <a:endParaRPr lang="fr-FR" sz="4800" dirty="0"/>
           </a:p>
           <a:p>
             <a:r>
+              <a:rPr lang="fr-FR" sz="4800" dirty="0">
+                <a:solidFill>
+                  <a:schemeClr val="tx1"/>
+                </a:solidFill>
+              </a:rPr>
+              <a:t>Data-</a:t>
+            </a:r>
+            <a:r>
+              <a:rPr lang="fr-FR" sz="4800" dirty="0" err="1">
+                <a:solidFill>
+                  <a:schemeClr val="tx1"/>
+                </a:solidFill>
+              </a:rPr>
+              <a:t>Visualizations</a:t>
+            </a:r>
+            <a:r>
+              <a:rPr lang="fr-FR" sz="4800" dirty="0">
+                <a:solidFill>
+                  <a:schemeClr val="tx1"/>
+                </a:solidFill>
+              </a:rPr>
+              <a:t> </a:t>
+            </a:r>
+          </a:p>
+          <a:p>
+            <a:r>
               <a:rPr lang="en-US" sz="4800" dirty="0"/>
-              <a:t>Context of the study</a:t>
-            </a:r>
+              <a:t>The </a:t>
+            </a:r>
+            <a:r>
+              <a:rPr lang="en-US" sz="4800" dirty="0" err="1"/>
+              <a:t>Differents</a:t>
+            </a:r>
+            <a:r>
+              <a:rPr lang="en-US" sz="4800" dirty="0"/>
+              <a:t> Datasets</a:t>
+            </a:r>
+          </a:p>
+          <a:p>
+            <a:r>
+              <a:rPr lang="en-US" sz="4800" dirty="0"/>
+              <a:t>The </a:t>
+            </a:r>
+            <a:r>
+              <a:rPr lang="en-US" sz="4800" dirty="0" err="1"/>
+              <a:t>Differents</a:t>
+            </a:r>
+            <a:r>
+              <a:rPr lang="en-US" sz="4800" dirty="0"/>
+              <a:t> Models</a:t>
+            </a:r>
+          </a:p>
+          <a:p>
+            <a:endParaRPr lang="fr-FR" sz="4800" dirty="0"/>
           </a:p>
         </p:txBody>
       </p:sp>
@@ -4270,8 +5861,8 @@
         </p:nvSpPr>
         <p:spPr>
           <a:xfrm>
-            <a:off x="3086100" y="2367157"/>
-            <a:ext cx="1747096" cy="3046988"/>
+            <a:off x="1944310" y="1617253"/>
+            <a:ext cx="1747096" cy="4524315"/>
           </a:xfrm>
           <a:prstGeom prst="rect">
             <a:avLst/>
@@ -4305,6 +5896,18 @@
             <a:r>
               <a:rPr lang="fr-FR" sz="4800" dirty="0"/>
               <a:t>IV.</a:t>
+            </a:r>
+          </a:p>
+          <a:p>
+            <a:r>
+              <a:rPr lang="fr-FR" sz="4800" dirty="0"/>
+              <a:t>V.</a:t>
+            </a:r>
+          </a:p>
+          <a:p>
+            <a:r>
+              <a:rPr lang="fr-FR" sz="4800" dirty="0"/>
+              <a:t>VI.</a:t>
             </a:r>
           </a:p>
         </p:txBody>
@@ -4708,27 +6311,16 @@
           <a:p>
             <a:pPr lvl="8" algn="ctr"/>
             <a:r>
-              <a:rPr lang="fr-FR" sz="4800" dirty="0">
-                <a:solidFill>
-                  <a:schemeClr val="tx1"/>
-                </a:solidFill>
-              </a:rPr>
-              <a:t>	</a:t>
-            </a:r>
-          </a:p>
-          <a:p>
-            <a:pPr lvl="8" algn="ctr"/>
-            <a:r>
-              <a:rPr lang="en-US" sz="4800" b="0" i="0" dirty="0">
+              <a:rPr lang="en-US" sz="3600" b="0" i="0" dirty="0">
                 <a:solidFill>
                   <a:schemeClr val="tx1"/>
                 </a:solidFill>
                 <a:effectLst/>
                 <a:latin typeface="Arial" panose="020B0604020202020204" pitchFamily="34" charset="0"/>
               </a:rPr>
-              <a:t> The crucial part is the prediction of bike count required at each hour for the stable supply of rental bikes.</a:t>
-            </a:r>
-            <a:endParaRPr lang="fr-FR" sz="4800" dirty="0">
+              <a:t>The crucial part is the prediction of bike count required at each hour for the stable supply of rental bikes.</a:t>
+            </a:r>
+            <a:endParaRPr lang="fr-FR" sz="3600" dirty="0">
               <a:solidFill>
                 <a:schemeClr val="tx1"/>
               </a:solidFill>
@@ -4765,8 +6357,8 @@
         </p:blipFill>
         <p:spPr bwMode="auto">
           <a:xfrm>
-            <a:off x="251975" y="3323707"/>
-            <a:ext cx="3354859" cy="2252898"/>
+            <a:off x="203594" y="2743202"/>
+            <a:ext cx="3722195" cy="2499576"/>
           </a:xfrm>
           <a:prstGeom prst="rect">
             <a:avLst/>
@@ -4888,7 +6480,23 @@
                   <a:schemeClr val="tx1"/>
                 </a:solidFill>
               </a:rPr>
-              <a:t>The Different Variables</a:t>
+              <a:t>The </a:t>
+            </a:r>
+            <a:r>
+              <a:rPr lang="en-US" sz="4400" dirty="0" err="1">
+                <a:solidFill>
+                  <a:schemeClr val="tx1"/>
+                </a:solidFill>
+              </a:rPr>
+              <a:t>Differents</a:t>
+            </a:r>
+            <a:r>
+              <a:rPr lang="en-US" sz="4400" dirty="0">
+                <a:solidFill>
+                  <a:schemeClr val="tx1"/>
+                </a:solidFill>
+              </a:rPr>
+              <a:t> Variables</a:t>
             </a:r>
             <a:endParaRPr lang="fr-FR" sz="4400" dirty="0">
               <a:solidFill>
@@ -5380,7 +6988,23 @@
                   <a:schemeClr val="tx1"/>
                 </a:solidFill>
               </a:rPr>
-              <a:t>The Different Variables</a:t>
+              <a:t>The </a:t>
+            </a:r>
+            <a:r>
+              <a:rPr lang="en-US" sz="4400" dirty="0" err="1">
+                <a:solidFill>
+                  <a:schemeClr val="tx1"/>
+                </a:solidFill>
+              </a:rPr>
+              <a:t>Differents</a:t>
+            </a:r>
+            <a:r>
+              <a:rPr lang="en-US" sz="4400" dirty="0">
+                <a:solidFill>
+                  <a:schemeClr val="tx1"/>
+                </a:solidFill>
+              </a:rPr>
+              <a:t> Variables</a:t>
             </a:r>
             <a:endParaRPr lang="fr-FR" sz="4400" dirty="0">
               <a:solidFill>
@@ -5480,8 +7104,8 @@
         </p:nvSpPr>
         <p:spPr>
           <a:xfrm>
-            <a:off x="599924" y="1925561"/>
-            <a:ext cx="6158896" cy="369332"/>
+            <a:off x="667657" y="3087233"/>
+            <a:ext cx="11113105" cy="2092881"/>
           </a:xfrm>
           <a:prstGeom prst="rect">
             <a:avLst/>
@@ -5495,9 +7119,78 @@
           <a:lstStyle/>
           <a:p>
             <a:r>
-              <a:rPr lang="fr-FR" dirty="0"/>
+              <a:rPr lang="fr-FR" sz="2800" dirty="0"/>
               <a:t>The news variables : </a:t>
             </a:r>
+          </a:p>
+          <a:p>
+            <a:pPr marL="342900" indent="-342900">
+              <a:buFont typeface="+mj-lt"/>
+              <a:buAutoNum type="alphaLcPeriod"/>
+            </a:pPr>
+            <a:r>
+              <a:rPr lang="fr-FR" sz="2800" dirty="0"/>
+              <a:t>Transformation de Date </a:t>
+            </a:r>
+            <a:r>
+              <a:rPr lang="fr-FR" sz="2800" dirty="0" err="1"/>
+              <a:t>into</a:t>
+            </a:r>
+            <a:r>
+              <a:rPr lang="fr-FR" sz="2800" dirty="0"/>
+              <a:t> 2 new variables ( Day , </a:t>
+            </a:r>
+            <a:r>
+              <a:rPr lang="fr-FR" sz="2800" dirty="0" err="1"/>
+              <a:t>Month</a:t>
+            </a:r>
+            <a:r>
+              <a:rPr lang="fr-FR" sz="2800" dirty="0"/>
+              <a:t> )</a:t>
+            </a:r>
+          </a:p>
+          <a:p>
+            <a:pPr marL="342900" indent="-342900">
+              <a:buFont typeface="+mj-lt"/>
+              <a:buAutoNum type="alphaLcPeriod"/>
+            </a:pPr>
+            <a:r>
+              <a:rPr lang="fr-FR" sz="2800" dirty="0" err="1"/>
+              <a:t>Creation</a:t>
+            </a:r>
+            <a:r>
+              <a:rPr lang="fr-FR" sz="2800" dirty="0"/>
+              <a:t> of new variable Day of Week </a:t>
+            </a:r>
+            <a:r>
+              <a:rPr lang="fr-FR" sz="2800" dirty="0" err="1"/>
+              <a:t>containing</a:t>
+            </a:r>
+            <a:r>
+              <a:rPr lang="fr-FR" sz="2800" dirty="0"/>
+              <a:t> (Monday, …, Sunday)</a:t>
+            </a:r>
+          </a:p>
+          <a:p>
+            <a:pPr marL="342900" indent="-342900">
+              <a:buFont typeface="+mj-lt"/>
+              <a:buAutoNum type="alphaLcPeriod"/>
+            </a:pPr>
+            <a:r>
+              <a:rPr lang="fr-FR" sz="2800" dirty="0"/>
+              <a:t>Transformation of all qualitative variable </a:t>
+            </a:r>
+            <a:r>
+              <a:rPr lang="fr-FR" sz="2800" dirty="0" err="1"/>
+              <a:t>into</a:t>
+            </a:r>
+            <a:r>
+              <a:rPr lang="fr-FR" sz="2800" dirty="0"/>
+              <a:t> quantitative</a:t>
+            </a:r>
+            <a:endParaRPr lang="fr-FR" dirty="0"/>
+          </a:p>
+          <a:p>
             <a:endParaRPr lang="en-US" dirty="0"/>
           </a:p>
         </p:txBody>
@@ -5521,7 +7214,7 @@
     <p:bg>
       <p:bgPr>
         <a:blipFill dpi="0" rotWithShape="1">
-          <a:blip r:embed="rId2">
+          <a:blip r:embed="rId3">
             <a:lum/>
           </a:blip>
           <a:srcRect/>
@@ -5599,16 +7292,21 @@
                   <a:schemeClr val="tx1"/>
                 </a:solidFill>
               </a:rPr>
-              <a:t>IV. </a:t>
-            </a:r>
-            <a:r>
-              <a:rPr lang="en-US" sz="4400" dirty="0">
+              <a:t>IV. Data-</a:t>
+            </a:r>
+            <a:r>
+              <a:rPr lang="fr-FR" sz="4400" dirty="0" err="1">
                 <a:solidFill>
                   <a:schemeClr val="tx1"/>
                 </a:solidFill>
               </a:rPr>
-              <a:t>Context of the study</a:t>
-            </a:r>
+              <a:t>Visualizations</a:t>
+            </a:r>
+            <a:endParaRPr lang="fr-FR" sz="4400" dirty="0">
+              <a:solidFill>
+                <a:schemeClr val="tx1"/>
+              </a:solidFill>
+            </a:endParaRPr>
           </a:p>
         </p:txBody>
       </p:sp>
@@ -5688,10 +7386,988 @@
           </a:p>
         </p:txBody>
       </p:sp>
+      <p:graphicFrame>
+        <p:nvGraphicFramePr>
+          <p:cNvPr id="2" name="Objet 1">
+            <a:extLst>
+              <a:ext uri="{FF2B5EF4-FFF2-40B4-BE49-F238E27FC236}">
+                <a16:creationId xmlns:a16="http://schemas.microsoft.com/office/drawing/2014/main" id="{BC235D02-F274-431E-A2EB-249FF0DDA7C0}"/>
+              </a:ext>
+            </a:extLst>
+          </p:cNvPr>
+          <p:cNvGraphicFramePr>
+            <a:graphicFrameLocks noChangeAspect="1"/>
+          </p:cNvGraphicFramePr>
+          <p:nvPr>
+            <p:extLst>
+              <p:ext uri="{D42A27DB-BD31-4B8C-83A1-F6EECF244321}">
+                <p14:modId xmlns:p14="http://schemas.microsoft.com/office/powerpoint/2010/main" val="2060236674"/>
+              </p:ext>
+            </p:extLst>
+          </p:nvPr>
+        </p:nvGraphicFramePr>
+        <p:xfrm>
+          <a:off x="5558973" y="2916616"/>
+          <a:ext cx="6120940" cy="3077784"/>
+        </p:xfrm>
+        <a:graphic>
+          <a:graphicData uri="http://schemas.openxmlformats.org/presentationml/2006/ole">
+            <mc:AlternateContent xmlns:mc="http://schemas.openxmlformats.org/markup-compatibility/2006">
+              <mc:Choice xmlns:v="urn:schemas-microsoft-com:vml" Requires="v">
+                <p:oleObj spid="_x0000_s1031" name="Image bitmap" r:id="rId4" imgW="7296120" imgH="3669120" progId="Paint.Picture">
+                  <p:embed/>
+                </p:oleObj>
+              </mc:Choice>
+              <mc:Fallback>
+                <p:oleObj name="Image bitmap" r:id="rId4" imgW="7296120" imgH="3669120" progId="Paint.Picture">
+                  <p:embed/>
+                  <p:pic>
+                    <p:nvPicPr>
+                      <p:cNvPr id="2" name="Objet 1">
+                        <a:extLst>
+                          <a:ext uri="{FF2B5EF4-FFF2-40B4-BE49-F238E27FC236}">
+                            <a16:creationId xmlns:a16="http://schemas.microsoft.com/office/drawing/2014/main" id="{BC235D02-F274-431E-A2EB-249FF0DDA7C0}"/>
+                          </a:ext>
+                        </a:extLst>
+                      </p:cNvPr>
+                      <p:cNvPicPr/>
+                      <p:nvPr/>
+                    </p:nvPicPr>
+                    <p:blipFill>
+                      <a:blip r:embed="rId5"/>
+                      <a:stretch>
+                        <a:fillRect/>
+                      </a:stretch>
+                    </p:blipFill>
+                    <p:spPr>
+                      <a:xfrm>
+                        <a:off x="5558973" y="2916616"/>
+                        <a:ext cx="6120940" cy="3077784"/>
+                      </a:xfrm>
+                      <a:prstGeom prst="rect">
+                        <a:avLst/>
+                      </a:prstGeom>
+                    </p:spPr>
+                  </p:pic>
+                </p:oleObj>
+              </mc:Fallback>
+            </mc:AlternateContent>
+          </a:graphicData>
+        </a:graphic>
+      </p:graphicFrame>
+      <p:sp>
+        <p:nvSpPr>
+          <p:cNvPr id="3" name="ZoneTexte 2">
+            <a:extLst>
+              <a:ext uri="{FF2B5EF4-FFF2-40B4-BE49-F238E27FC236}">
+                <a16:creationId xmlns:a16="http://schemas.microsoft.com/office/drawing/2014/main" id="{F0437996-0AFF-42E9-A808-BCEAFF82D11D}"/>
+              </a:ext>
+            </a:extLst>
+          </p:cNvPr>
+          <p:cNvSpPr txBox="1"/>
+          <p:nvPr/>
+        </p:nvSpPr>
+        <p:spPr>
+          <a:xfrm>
+            <a:off x="411237" y="1605015"/>
+            <a:ext cx="11688839" cy="954107"/>
+          </a:xfrm>
+          <a:prstGeom prst="rect">
+            <a:avLst/>
+          </a:prstGeom>
+          <a:noFill/>
+        </p:spPr>
+        <p:txBody>
+          <a:bodyPr wrap="square" rtlCol="0">
+            <a:spAutoFit/>
+          </a:bodyPr>
+          <a:lstStyle/>
+          <a:p>
+            <a:pPr algn="ctr"/>
+            <a:r>
+              <a:rPr lang="fr-FR" sz="2800" dirty="0" err="1"/>
+              <a:t>We</a:t>
+            </a:r>
+            <a:r>
+              <a:rPr lang="fr-FR" sz="2800" dirty="0"/>
+              <a:t> can </a:t>
+            </a:r>
+            <a:r>
+              <a:rPr lang="fr-FR" sz="2800" dirty="0" err="1"/>
+              <a:t>see</a:t>
+            </a:r>
+            <a:r>
+              <a:rPr lang="fr-FR" sz="2800" dirty="0"/>
+              <a:t> </a:t>
+            </a:r>
+            <a:r>
+              <a:rPr lang="fr-FR" sz="2800" dirty="0" err="1"/>
+              <a:t>here</a:t>
+            </a:r>
+            <a:r>
+              <a:rPr lang="fr-FR" sz="2800" dirty="0"/>
+              <a:t> of the </a:t>
+            </a:r>
+            <a:r>
+              <a:rPr lang="fr-FR" sz="2800" dirty="0" err="1"/>
+              <a:t>number</a:t>
+            </a:r>
+            <a:r>
+              <a:rPr lang="fr-FR" sz="2800" dirty="0"/>
+              <a:t> of </a:t>
+            </a:r>
+            <a:r>
+              <a:rPr lang="fr-FR" sz="2800" dirty="0" err="1"/>
+              <a:t>rented</a:t>
+            </a:r>
+            <a:r>
+              <a:rPr lang="fr-FR" sz="2800" dirty="0"/>
+              <a:t> bike </a:t>
+            </a:r>
+            <a:r>
+              <a:rPr lang="fr-FR" sz="2800" dirty="0" err="1"/>
+              <a:t>increase</a:t>
+            </a:r>
+            <a:r>
+              <a:rPr lang="fr-FR" sz="2800" dirty="0"/>
+              <a:t> </a:t>
+            </a:r>
+            <a:r>
+              <a:rPr lang="fr-FR" sz="2800" dirty="0" err="1"/>
+              <a:t>until</a:t>
+            </a:r>
+            <a:r>
+              <a:rPr lang="fr-FR" sz="2800" dirty="0"/>
+              <a:t> June and </a:t>
+            </a:r>
+            <a:r>
+              <a:rPr lang="fr-FR" sz="2800" dirty="0" err="1"/>
+              <a:t>decrease</a:t>
+            </a:r>
+            <a:r>
+              <a:rPr lang="fr-FR" sz="2800" dirty="0"/>
+              <a:t> </a:t>
+            </a:r>
+            <a:r>
+              <a:rPr lang="fr-FR" sz="2800" dirty="0" err="1"/>
+              <a:t>after</a:t>
+            </a:r>
+            <a:r>
+              <a:rPr lang="fr-FR" sz="2800" dirty="0"/>
+              <a:t> and the </a:t>
+            </a:r>
+            <a:r>
+              <a:rPr lang="fr-FR" sz="2800" dirty="0" err="1"/>
+              <a:t>better</a:t>
+            </a:r>
+            <a:r>
+              <a:rPr lang="fr-FR" sz="2800" dirty="0"/>
+              <a:t> </a:t>
+            </a:r>
+            <a:r>
+              <a:rPr lang="fr-FR" sz="2800" dirty="0" err="1"/>
+              <a:t>season</a:t>
+            </a:r>
+            <a:r>
+              <a:rPr lang="fr-FR" sz="2800" dirty="0"/>
+              <a:t> </a:t>
+            </a:r>
+            <a:r>
+              <a:rPr lang="fr-FR" sz="2800" dirty="0" err="1"/>
+              <a:t>is</a:t>
+            </a:r>
+            <a:r>
+              <a:rPr lang="fr-FR" sz="2800" dirty="0"/>
+              <a:t> the </a:t>
+            </a:r>
+            <a:r>
+              <a:rPr lang="fr-FR" sz="2800" dirty="0" err="1"/>
+              <a:t>summer</a:t>
+            </a:r>
+            <a:endParaRPr lang="en-US" sz="2800" dirty="0"/>
+          </a:p>
+        </p:txBody>
+      </p:sp>
+      <p:graphicFrame>
+        <p:nvGraphicFramePr>
+          <p:cNvPr id="6" name="Objet 5">
+            <a:extLst>
+              <a:ext uri="{FF2B5EF4-FFF2-40B4-BE49-F238E27FC236}">
+                <a16:creationId xmlns:a16="http://schemas.microsoft.com/office/drawing/2014/main" id="{7D95802B-484A-4253-ADE6-F5AB2B3DEE74}"/>
+              </a:ext>
+            </a:extLst>
+          </p:cNvPr>
+          <p:cNvGraphicFramePr>
+            <a:graphicFrameLocks noChangeAspect="1"/>
+          </p:cNvGraphicFramePr>
+          <p:nvPr>
+            <p:extLst>
+              <p:ext uri="{D42A27DB-BD31-4B8C-83A1-F6EECF244321}">
+                <p14:modId xmlns:p14="http://schemas.microsoft.com/office/powerpoint/2010/main" val="3233567087"/>
+              </p:ext>
+            </p:extLst>
+          </p:nvPr>
+        </p:nvGraphicFramePr>
+        <p:xfrm>
+          <a:off x="582534" y="2642179"/>
+          <a:ext cx="4264025" cy="3810000"/>
+        </p:xfrm>
+        <a:graphic>
+          <a:graphicData uri="http://schemas.openxmlformats.org/presentationml/2006/ole">
+            <mc:AlternateContent xmlns:mc="http://schemas.openxmlformats.org/markup-compatibility/2006">
+              <mc:Choice xmlns:v="urn:schemas-microsoft-com:vml" Requires="v">
+                <p:oleObj spid="_x0000_s1032" name="Image bitmap" r:id="rId6" imgW="4263480" imgH="3809880" progId="Paint.Picture">
+                  <p:embed/>
+                </p:oleObj>
+              </mc:Choice>
+              <mc:Fallback>
+                <p:oleObj name="Image bitmap" r:id="rId6" imgW="4263480" imgH="3809880" progId="Paint.Picture">
+                  <p:embed/>
+                  <p:pic>
+                    <p:nvPicPr>
+                      <p:cNvPr id="0" name=""/>
+                      <p:cNvPicPr/>
+                      <p:nvPr/>
+                    </p:nvPicPr>
+                    <p:blipFill>
+                      <a:blip r:embed="rId7"/>
+                      <a:stretch>
+                        <a:fillRect/>
+                      </a:stretch>
+                    </p:blipFill>
+                    <p:spPr>
+                      <a:xfrm>
+                        <a:off x="582534" y="2642179"/>
+                        <a:ext cx="4264025" cy="3810000"/>
+                      </a:xfrm>
+                      <a:prstGeom prst="rect">
+                        <a:avLst/>
+                      </a:prstGeom>
+                    </p:spPr>
+                  </p:pic>
+                </p:oleObj>
+              </mc:Fallback>
+            </mc:AlternateContent>
+          </a:graphicData>
+        </a:graphic>
+      </p:graphicFrame>
     </p:spTree>
     <p:extLst>
       <p:ext uri="{BB962C8B-B14F-4D97-AF65-F5344CB8AC3E}">
-        <p14:creationId xmlns:p14="http://schemas.microsoft.com/office/powerpoint/2010/main" val="3955456333"/>
+        <p14:creationId xmlns:p14="http://schemas.microsoft.com/office/powerpoint/2010/main" val="4173477680"/>
+      </p:ext>
+    </p:extLst>
+  </p:cSld>
+  <p:clrMapOvr>
+    <a:masterClrMapping/>
+  </p:clrMapOvr>
+</p:sld>
+</file>
+
+<file path=ppt/slides/slide8.xml><?xml version="1.0" encoding="utf-8"?>
+<p:sld xmlns:a="http://schemas.openxmlformats.org/drawingml/2006/main" xmlns:r="http://schemas.openxmlformats.org/officeDocument/2006/relationships" xmlns:p="http://schemas.openxmlformats.org/presentationml/2006/main">
+  <p:cSld>
+    <p:bg>
+      <p:bgPr>
+        <a:blipFill dpi="0" rotWithShape="1">
+          <a:blip r:embed="rId3">
+            <a:lum/>
+          </a:blip>
+          <a:srcRect/>
+          <a:stretch>
+            <a:fillRect t="-7000" b="-7000"/>
+          </a:stretch>
+        </a:blipFill>
+        <a:effectLst/>
+      </p:bgPr>
+    </p:bg>
+    <p:spTree>
+      <p:nvGrpSpPr>
+        <p:cNvPr id="1" name=""/>
+        <p:cNvGrpSpPr/>
+        <p:nvPr/>
+      </p:nvGrpSpPr>
+      <p:grpSpPr>
+        <a:xfrm>
+          <a:off x="0" y="0"/>
+          <a:ext cx="0" cy="0"/>
+          <a:chOff x="0" y="0"/>
+          <a:chExt cx="0" cy="0"/>
+        </a:xfrm>
+      </p:grpSpPr>
+      <p:sp>
+        <p:nvSpPr>
+          <p:cNvPr id="4" name="Rectangle 3">
+            <a:extLst>
+              <a:ext uri="{FF2B5EF4-FFF2-40B4-BE49-F238E27FC236}">
+                <a16:creationId xmlns:a16="http://schemas.microsoft.com/office/drawing/2014/main" id="{BDB1661A-64A0-42AA-973D-9AF3F33D26F3}"/>
+              </a:ext>
+            </a:extLst>
+          </p:cNvPr>
+          <p:cNvSpPr/>
+          <p:nvPr/>
+        </p:nvSpPr>
+        <p:spPr>
+          <a:xfrm>
+            <a:off x="0" y="0"/>
+            <a:ext cx="12192000" cy="1402492"/>
+          </a:xfrm>
+          <a:prstGeom prst="rect">
+            <a:avLst/>
+          </a:prstGeom>
+          <a:solidFill>
+            <a:schemeClr val="bg1">
+              <a:alpha val="73000"/>
+            </a:schemeClr>
+          </a:solidFill>
+        </p:spPr>
+        <p:style>
+          <a:lnRef idx="2">
+            <a:schemeClr val="accent1">
+              <a:shade val="50000"/>
+            </a:schemeClr>
+          </a:lnRef>
+          <a:fillRef idx="1">
+            <a:schemeClr val="accent1"/>
+          </a:fillRef>
+          <a:effectRef idx="0">
+            <a:schemeClr val="accent1"/>
+          </a:effectRef>
+          <a:fontRef idx="minor">
+            <a:schemeClr val="lt1"/>
+          </a:fontRef>
+        </p:style>
+        <p:txBody>
+          <a:bodyPr rtlCol="0" anchor="ctr"/>
+          <a:lstStyle/>
+          <a:p>
+            <a:pPr algn="ctr"/>
+            <a:r>
+              <a:rPr lang="fr-FR" sz="4400" dirty="0">
+                <a:solidFill>
+                  <a:schemeClr val="tx1"/>
+                </a:solidFill>
+              </a:rPr>
+              <a:t>IV. Data-</a:t>
+            </a:r>
+            <a:r>
+              <a:rPr lang="fr-FR" sz="4400" dirty="0" err="1">
+                <a:solidFill>
+                  <a:schemeClr val="tx1"/>
+                </a:solidFill>
+              </a:rPr>
+              <a:t>Visualizations</a:t>
+            </a:r>
+            <a:endParaRPr lang="fr-FR" sz="4400" dirty="0">
+              <a:solidFill>
+                <a:schemeClr val="tx1"/>
+              </a:solidFill>
+            </a:endParaRPr>
+          </a:p>
+        </p:txBody>
+      </p:sp>
+      <p:sp>
+        <p:nvSpPr>
+          <p:cNvPr id="5" name="Rectangle 4">
+            <a:extLst>
+              <a:ext uri="{FF2B5EF4-FFF2-40B4-BE49-F238E27FC236}">
+                <a16:creationId xmlns:a16="http://schemas.microsoft.com/office/drawing/2014/main" id="{598E3956-FAB2-4E3F-9666-CC65FB971F5B}"/>
+              </a:ext>
+            </a:extLst>
+          </p:cNvPr>
+          <p:cNvSpPr/>
+          <p:nvPr/>
+        </p:nvSpPr>
+        <p:spPr>
+          <a:xfrm>
+            <a:off x="0" y="1405920"/>
+            <a:ext cx="12192000" cy="5455508"/>
+          </a:xfrm>
+          <a:prstGeom prst="rect">
+            <a:avLst/>
+          </a:prstGeom>
+          <a:solidFill>
+            <a:schemeClr val="bg1">
+              <a:alpha val="92000"/>
+            </a:schemeClr>
+          </a:solidFill>
+        </p:spPr>
+        <p:style>
+          <a:lnRef idx="2">
+            <a:schemeClr val="accent1">
+              <a:shade val="50000"/>
+            </a:schemeClr>
+          </a:lnRef>
+          <a:fillRef idx="1">
+            <a:schemeClr val="accent1"/>
+          </a:fillRef>
+          <a:effectRef idx="0">
+            <a:schemeClr val="accent1"/>
+          </a:effectRef>
+          <a:fontRef idx="minor">
+            <a:schemeClr val="lt1"/>
+          </a:fontRef>
+        </p:style>
+        <p:txBody>
+          <a:bodyPr rtlCol="0" anchor="ctr"/>
+          <a:lstStyle/>
+          <a:p>
+            <a:pPr lvl="8" algn="ctr"/>
+            <a:r>
+              <a:rPr lang="fr-FR" sz="4800" dirty="0">
+                <a:solidFill>
+                  <a:schemeClr val="tx1"/>
+                </a:solidFill>
+              </a:rPr>
+              <a:t>	</a:t>
+            </a:r>
+          </a:p>
+          <a:p>
+            <a:pPr lvl="8" algn="ctr"/>
+            <a:r>
+              <a:rPr lang="en-US" sz="4800" b="0" i="0" dirty="0">
+                <a:solidFill>
+                  <a:schemeClr val="tx1"/>
+                </a:solidFill>
+                <a:effectLst/>
+                <a:latin typeface="Arial" panose="020B0604020202020204" pitchFamily="34" charset="0"/>
+              </a:rPr>
+              <a:t> </a:t>
+            </a:r>
+            <a:endParaRPr lang="fr-FR" sz="4800" dirty="0">
+              <a:solidFill>
+                <a:schemeClr val="tx1"/>
+              </a:solidFill>
+            </a:endParaRPr>
+          </a:p>
+        </p:txBody>
+      </p:sp>
+      <p:sp>
+        <p:nvSpPr>
+          <p:cNvPr id="3" name="ZoneTexte 2">
+            <a:extLst>
+              <a:ext uri="{FF2B5EF4-FFF2-40B4-BE49-F238E27FC236}">
+                <a16:creationId xmlns:a16="http://schemas.microsoft.com/office/drawing/2014/main" id="{F0437996-0AFF-42E9-A808-BCEAFF82D11D}"/>
+              </a:ext>
+            </a:extLst>
+          </p:cNvPr>
+          <p:cNvSpPr txBox="1"/>
+          <p:nvPr/>
+        </p:nvSpPr>
+        <p:spPr>
+          <a:xfrm>
+            <a:off x="-53219" y="2751303"/>
+            <a:ext cx="4615543" cy="2677656"/>
+          </a:xfrm>
+          <a:prstGeom prst="rect">
+            <a:avLst/>
+          </a:prstGeom>
+          <a:noFill/>
+        </p:spPr>
+        <p:txBody>
+          <a:bodyPr wrap="square" rtlCol="0">
+            <a:spAutoFit/>
+          </a:bodyPr>
+          <a:lstStyle/>
+          <a:p>
+            <a:pPr marL="457200" indent="-457200" algn="ctr">
+              <a:buFont typeface="Wingdings" panose="05000000000000000000" pitchFamily="2" charset="2"/>
+              <a:buChar char="Ø"/>
+            </a:pPr>
+            <a:r>
+              <a:rPr lang="fr-FR" sz="2800" dirty="0"/>
+              <a:t>The </a:t>
+            </a:r>
+            <a:r>
+              <a:rPr lang="fr-FR" sz="2800" dirty="0" err="1"/>
+              <a:t>number</a:t>
+            </a:r>
+            <a:r>
+              <a:rPr lang="fr-FR" sz="2800" dirty="0"/>
+              <a:t> of </a:t>
+            </a:r>
+            <a:r>
+              <a:rPr lang="fr-FR" sz="2800" dirty="0" err="1"/>
+              <a:t>rented</a:t>
+            </a:r>
+            <a:r>
+              <a:rPr lang="fr-FR" sz="2800" dirty="0"/>
+              <a:t> bike </a:t>
+            </a:r>
+            <a:r>
+              <a:rPr lang="fr-FR" sz="2800" dirty="0" err="1"/>
+              <a:t>is</a:t>
+            </a:r>
+            <a:r>
+              <a:rPr lang="fr-FR" sz="2800" dirty="0"/>
+              <a:t> </a:t>
+            </a:r>
+            <a:r>
+              <a:rPr lang="fr-FR" sz="2800" dirty="0" err="1"/>
+              <a:t>higher</a:t>
+            </a:r>
+            <a:r>
+              <a:rPr lang="fr-FR" sz="2800" dirty="0"/>
+              <a:t> on the </a:t>
+            </a:r>
+            <a:r>
+              <a:rPr lang="fr-FR" sz="2800" dirty="0" err="1"/>
+              <a:t>evening</a:t>
+            </a:r>
+            <a:endParaRPr lang="fr-FR" sz="2800" dirty="0"/>
+          </a:p>
+          <a:p>
+            <a:pPr marL="457200" indent="-457200" algn="ctr">
+              <a:buFont typeface="Wingdings" panose="05000000000000000000" pitchFamily="2" charset="2"/>
+              <a:buChar char="Ø"/>
+            </a:pPr>
+            <a:endParaRPr lang="fr-FR" sz="2800" dirty="0"/>
+          </a:p>
+          <a:p>
+            <a:pPr marL="457200" indent="-457200" algn="ctr">
+              <a:buFont typeface="Wingdings" panose="05000000000000000000" pitchFamily="2" charset="2"/>
+              <a:buChar char="Ø"/>
+            </a:pPr>
+            <a:endParaRPr lang="fr-FR" sz="2800" dirty="0"/>
+          </a:p>
+          <a:p>
+            <a:pPr marL="457200" indent="-457200" algn="ctr">
+              <a:buFont typeface="Wingdings" panose="05000000000000000000" pitchFamily="2" charset="2"/>
+              <a:buChar char="Ø"/>
+            </a:pPr>
+            <a:r>
+              <a:rPr lang="fr-FR" sz="2800" dirty="0" err="1"/>
+              <a:t>They</a:t>
+            </a:r>
+            <a:r>
+              <a:rPr lang="fr-FR" sz="2800" dirty="0"/>
+              <a:t> are more location in </a:t>
+            </a:r>
+            <a:r>
+              <a:rPr lang="fr-FR" sz="2800" dirty="0" err="1"/>
+              <a:t>work</a:t>
+            </a:r>
+            <a:r>
+              <a:rPr lang="fr-FR" sz="2800" dirty="0"/>
+              <a:t> </a:t>
+            </a:r>
+            <a:r>
+              <a:rPr lang="fr-FR" sz="2800" dirty="0" err="1"/>
+              <a:t>day</a:t>
+            </a:r>
+            <a:r>
+              <a:rPr lang="fr-FR" sz="2800" dirty="0"/>
+              <a:t> of the weekend </a:t>
+            </a:r>
+            <a:endParaRPr lang="en-US" sz="2800" dirty="0"/>
+          </a:p>
+        </p:txBody>
+      </p:sp>
+      <p:graphicFrame>
+        <p:nvGraphicFramePr>
+          <p:cNvPr id="7" name="Objet 6">
+            <a:extLst>
+              <a:ext uri="{FF2B5EF4-FFF2-40B4-BE49-F238E27FC236}">
+                <a16:creationId xmlns:a16="http://schemas.microsoft.com/office/drawing/2014/main" id="{9AD6599E-000B-490F-84FE-BA33629654E4}"/>
+              </a:ext>
+            </a:extLst>
+          </p:cNvPr>
+          <p:cNvGraphicFramePr>
+            <a:graphicFrameLocks noChangeAspect="1"/>
+          </p:cNvGraphicFramePr>
+          <p:nvPr>
+            <p:extLst>
+              <p:ext uri="{D42A27DB-BD31-4B8C-83A1-F6EECF244321}">
+                <p14:modId xmlns:p14="http://schemas.microsoft.com/office/powerpoint/2010/main" val="1944963497"/>
+              </p:ext>
+            </p:extLst>
+          </p:nvPr>
+        </p:nvGraphicFramePr>
+        <p:xfrm>
+          <a:off x="4524225" y="1766031"/>
+          <a:ext cx="7391400" cy="4648200"/>
+        </p:xfrm>
+        <a:graphic>
+          <a:graphicData uri="http://schemas.openxmlformats.org/presentationml/2006/ole">
+            <mc:AlternateContent xmlns:mc="http://schemas.openxmlformats.org/markup-compatibility/2006">
+              <mc:Choice xmlns:v="urn:schemas-microsoft-com:vml" Requires="v">
+                <p:oleObj spid="_x0000_s3077" name="Image bitmap" r:id="rId4" imgW="7391520" imgH="4648320" progId="Paint.Picture">
+                  <p:embed/>
+                </p:oleObj>
+              </mc:Choice>
+              <mc:Fallback>
+                <p:oleObj name="Image bitmap" r:id="rId4" imgW="7391520" imgH="4648320" progId="Paint.Picture">
+                  <p:embed/>
+                  <p:pic>
+                    <p:nvPicPr>
+                      <p:cNvPr id="0" name=""/>
+                      <p:cNvPicPr/>
+                      <p:nvPr/>
+                    </p:nvPicPr>
+                    <p:blipFill>
+                      <a:blip r:embed="rId5"/>
+                      <a:stretch>
+                        <a:fillRect/>
+                      </a:stretch>
+                    </p:blipFill>
+                    <p:spPr>
+                      <a:xfrm>
+                        <a:off x="4524225" y="1766031"/>
+                        <a:ext cx="7391400" cy="4648200"/>
+                      </a:xfrm>
+                      <a:prstGeom prst="rect">
+                        <a:avLst/>
+                      </a:prstGeom>
+                    </p:spPr>
+                  </p:pic>
+                </p:oleObj>
+              </mc:Fallback>
+            </mc:AlternateContent>
+          </a:graphicData>
+        </a:graphic>
+      </p:graphicFrame>
+    </p:spTree>
+    <p:extLst>
+      <p:ext uri="{BB962C8B-B14F-4D97-AF65-F5344CB8AC3E}">
+        <p14:creationId xmlns:p14="http://schemas.microsoft.com/office/powerpoint/2010/main" val="1410855950"/>
+      </p:ext>
+    </p:extLst>
+  </p:cSld>
+  <p:clrMapOvr>
+    <a:masterClrMapping/>
+  </p:clrMapOvr>
+</p:sld>
+</file>
+
+<file path=ppt/slides/slide9.xml><?xml version="1.0" encoding="utf-8"?>
+<p:sld xmlns:a="http://schemas.openxmlformats.org/drawingml/2006/main" xmlns:r="http://schemas.openxmlformats.org/officeDocument/2006/relationships" xmlns:p="http://schemas.openxmlformats.org/presentationml/2006/main">
+  <p:cSld>
+    <p:bg>
+      <p:bgPr>
+        <a:blipFill dpi="0" rotWithShape="1">
+          <a:blip r:embed="rId3">
+            <a:lum/>
+          </a:blip>
+          <a:srcRect/>
+          <a:stretch>
+            <a:fillRect t="-7000" b="-7000"/>
+          </a:stretch>
+        </a:blipFill>
+        <a:effectLst/>
+      </p:bgPr>
+    </p:bg>
+    <p:spTree>
+      <p:nvGrpSpPr>
+        <p:cNvPr id="1" name=""/>
+        <p:cNvGrpSpPr/>
+        <p:nvPr/>
+      </p:nvGrpSpPr>
+      <p:grpSpPr>
+        <a:xfrm>
+          <a:off x="0" y="0"/>
+          <a:ext cx="0" cy="0"/>
+          <a:chOff x="0" y="0"/>
+          <a:chExt cx="0" cy="0"/>
+        </a:xfrm>
+      </p:grpSpPr>
+      <p:sp>
+        <p:nvSpPr>
+          <p:cNvPr id="4" name="Rectangle 3">
+            <a:extLst>
+              <a:ext uri="{FF2B5EF4-FFF2-40B4-BE49-F238E27FC236}">
+                <a16:creationId xmlns:a16="http://schemas.microsoft.com/office/drawing/2014/main" id="{BDB1661A-64A0-42AA-973D-9AF3F33D26F3}"/>
+              </a:ext>
+            </a:extLst>
+          </p:cNvPr>
+          <p:cNvSpPr/>
+          <p:nvPr/>
+        </p:nvSpPr>
+        <p:spPr>
+          <a:xfrm>
+            <a:off x="0" y="0"/>
+            <a:ext cx="12192000" cy="1402492"/>
+          </a:xfrm>
+          <a:prstGeom prst="rect">
+            <a:avLst/>
+          </a:prstGeom>
+          <a:solidFill>
+            <a:schemeClr val="bg1">
+              <a:alpha val="73000"/>
+            </a:schemeClr>
+          </a:solidFill>
+        </p:spPr>
+        <p:style>
+          <a:lnRef idx="2">
+            <a:schemeClr val="accent1">
+              <a:shade val="50000"/>
+            </a:schemeClr>
+          </a:lnRef>
+          <a:fillRef idx="1">
+            <a:schemeClr val="accent1"/>
+          </a:fillRef>
+          <a:effectRef idx="0">
+            <a:schemeClr val="accent1"/>
+          </a:effectRef>
+          <a:fontRef idx="minor">
+            <a:schemeClr val="lt1"/>
+          </a:fontRef>
+        </p:style>
+        <p:txBody>
+          <a:bodyPr rtlCol="0" anchor="ctr"/>
+          <a:lstStyle/>
+          <a:p>
+            <a:pPr algn="ctr"/>
+            <a:r>
+              <a:rPr lang="fr-FR" sz="4400" dirty="0">
+                <a:solidFill>
+                  <a:schemeClr val="tx1"/>
+                </a:solidFill>
+              </a:rPr>
+              <a:t>IV. Data-</a:t>
+            </a:r>
+            <a:r>
+              <a:rPr lang="fr-FR" sz="4400" dirty="0" err="1">
+                <a:solidFill>
+                  <a:schemeClr val="tx1"/>
+                </a:solidFill>
+              </a:rPr>
+              <a:t>Visualizations</a:t>
+            </a:r>
+            <a:endParaRPr lang="fr-FR" sz="4400" dirty="0">
+              <a:solidFill>
+                <a:schemeClr val="tx1"/>
+              </a:solidFill>
+            </a:endParaRPr>
+          </a:p>
+        </p:txBody>
+      </p:sp>
+      <p:sp>
+        <p:nvSpPr>
+          <p:cNvPr id="5" name="Rectangle 4">
+            <a:extLst>
+              <a:ext uri="{FF2B5EF4-FFF2-40B4-BE49-F238E27FC236}">
+                <a16:creationId xmlns:a16="http://schemas.microsoft.com/office/drawing/2014/main" id="{598E3956-FAB2-4E3F-9666-CC65FB971F5B}"/>
+              </a:ext>
+            </a:extLst>
+          </p:cNvPr>
+          <p:cNvSpPr/>
+          <p:nvPr/>
+        </p:nvSpPr>
+        <p:spPr>
+          <a:xfrm>
+            <a:off x="0" y="1405920"/>
+            <a:ext cx="12192000" cy="5455508"/>
+          </a:xfrm>
+          <a:prstGeom prst="rect">
+            <a:avLst/>
+          </a:prstGeom>
+          <a:solidFill>
+            <a:schemeClr val="bg1">
+              <a:alpha val="92000"/>
+            </a:schemeClr>
+          </a:solidFill>
+        </p:spPr>
+        <p:style>
+          <a:lnRef idx="2">
+            <a:schemeClr val="accent1">
+              <a:shade val="50000"/>
+            </a:schemeClr>
+          </a:lnRef>
+          <a:fillRef idx="1">
+            <a:schemeClr val="accent1"/>
+          </a:fillRef>
+          <a:effectRef idx="0">
+            <a:schemeClr val="accent1"/>
+          </a:effectRef>
+          <a:fontRef idx="minor">
+            <a:schemeClr val="lt1"/>
+          </a:fontRef>
+        </p:style>
+        <p:txBody>
+          <a:bodyPr rtlCol="0" anchor="ctr"/>
+          <a:lstStyle/>
+          <a:p>
+            <a:pPr lvl="8" algn="ctr"/>
+            <a:r>
+              <a:rPr lang="fr-FR" sz="4800" dirty="0">
+                <a:solidFill>
+                  <a:schemeClr val="tx1"/>
+                </a:solidFill>
+              </a:rPr>
+              <a:t>	</a:t>
+            </a:r>
+          </a:p>
+          <a:p>
+            <a:pPr lvl="8" algn="ctr"/>
+            <a:r>
+              <a:rPr lang="en-US" sz="4800" b="0" i="0" dirty="0">
+                <a:solidFill>
+                  <a:schemeClr val="tx1"/>
+                </a:solidFill>
+                <a:effectLst/>
+                <a:latin typeface="Arial" panose="020B0604020202020204" pitchFamily="34" charset="0"/>
+              </a:rPr>
+              <a:t> </a:t>
+            </a:r>
+            <a:endParaRPr lang="fr-FR" sz="4800" dirty="0">
+              <a:solidFill>
+                <a:schemeClr val="tx1"/>
+              </a:solidFill>
+            </a:endParaRPr>
+          </a:p>
+        </p:txBody>
+      </p:sp>
+      <p:sp>
+        <p:nvSpPr>
+          <p:cNvPr id="3" name="ZoneTexte 2">
+            <a:extLst>
+              <a:ext uri="{FF2B5EF4-FFF2-40B4-BE49-F238E27FC236}">
+                <a16:creationId xmlns:a16="http://schemas.microsoft.com/office/drawing/2014/main" id="{F0437996-0AFF-42E9-A808-BCEAFF82D11D}"/>
+              </a:ext>
+            </a:extLst>
+          </p:cNvPr>
+          <p:cNvSpPr txBox="1"/>
+          <p:nvPr/>
+        </p:nvSpPr>
+        <p:spPr>
+          <a:xfrm>
+            <a:off x="512839" y="6067185"/>
+            <a:ext cx="11035695" cy="1384995"/>
+          </a:xfrm>
+          <a:prstGeom prst="rect">
+            <a:avLst/>
+          </a:prstGeom>
+          <a:noFill/>
+        </p:spPr>
+        <p:txBody>
+          <a:bodyPr wrap="square" rtlCol="0">
+            <a:spAutoFit/>
+          </a:bodyPr>
+          <a:lstStyle/>
+          <a:p>
+            <a:pPr algn="ctr"/>
+            <a:r>
+              <a:rPr lang="fr-FR" sz="2800" dirty="0"/>
+              <a:t>The </a:t>
+            </a:r>
+            <a:r>
+              <a:rPr lang="fr-FR" sz="2800" dirty="0" err="1"/>
+              <a:t>number</a:t>
+            </a:r>
+            <a:r>
+              <a:rPr lang="fr-FR" sz="2800" dirty="0"/>
+              <a:t> of location </a:t>
+            </a:r>
+            <a:r>
+              <a:rPr lang="fr-FR" sz="2800" dirty="0" err="1"/>
+              <a:t>is</a:t>
+            </a:r>
+            <a:r>
+              <a:rPr lang="fr-FR" sz="2800" dirty="0"/>
+              <a:t> more </a:t>
+            </a:r>
+            <a:r>
+              <a:rPr lang="fr-FR" sz="2800" dirty="0" err="1"/>
+              <a:t>higher</a:t>
+            </a:r>
+            <a:r>
+              <a:rPr lang="fr-FR" sz="2800" dirty="0"/>
+              <a:t> </a:t>
+            </a:r>
+            <a:r>
+              <a:rPr lang="fr-FR" sz="2800" dirty="0" err="1"/>
+              <a:t>between</a:t>
+            </a:r>
+            <a:r>
+              <a:rPr lang="fr-FR" sz="2800" dirty="0"/>
+              <a:t> 23 and 25 </a:t>
+            </a:r>
+            <a:r>
+              <a:rPr lang="fr-FR" sz="2800" dirty="0" err="1"/>
+              <a:t>degrees</a:t>
+            </a:r>
+            <a:endParaRPr lang="fr-FR" sz="2800" dirty="0"/>
+          </a:p>
+          <a:p>
+            <a:pPr marL="457200" indent="-457200" algn="ctr">
+              <a:buFont typeface="Wingdings" panose="05000000000000000000" pitchFamily="2" charset="2"/>
+              <a:buChar char="Ø"/>
+            </a:pPr>
+            <a:endParaRPr lang="fr-FR" sz="2800" dirty="0"/>
+          </a:p>
+          <a:p>
+            <a:pPr algn="ctr"/>
+            <a:endParaRPr lang="en-US" sz="2800" dirty="0"/>
+          </a:p>
+        </p:txBody>
+      </p:sp>
+      <p:graphicFrame>
+        <p:nvGraphicFramePr>
+          <p:cNvPr id="2" name="Objet 1">
+            <a:extLst>
+              <a:ext uri="{FF2B5EF4-FFF2-40B4-BE49-F238E27FC236}">
+                <a16:creationId xmlns:a16="http://schemas.microsoft.com/office/drawing/2014/main" id="{3B080F59-18DC-4B15-80BA-3285010AF77D}"/>
+              </a:ext>
+            </a:extLst>
+          </p:cNvPr>
+          <p:cNvGraphicFramePr>
+            <a:graphicFrameLocks noChangeAspect="1"/>
+          </p:cNvGraphicFramePr>
+          <p:nvPr>
+            <p:extLst>
+              <p:ext uri="{D42A27DB-BD31-4B8C-83A1-F6EECF244321}">
+                <p14:modId xmlns:p14="http://schemas.microsoft.com/office/powerpoint/2010/main" val="3361868853"/>
+              </p:ext>
+            </p:extLst>
+          </p:nvPr>
+        </p:nvGraphicFramePr>
+        <p:xfrm>
+          <a:off x="1238551" y="1671277"/>
+          <a:ext cx="9433563" cy="4144109"/>
+        </p:xfrm>
+        <a:graphic>
+          <a:graphicData uri="http://schemas.openxmlformats.org/presentationml/2006/ole">
+            <mc:AlternateContent xmlns:mc="http://schemas.openxmlformats.org/markup-compatibility/2006">
+              <mc:Choice xmlns:v="urn:schemas-microsoft-com:vml" Requires="v">
+                <p:oleObj spid="_x0000_s4100" name="Image bitmap" r:id="rId4" imgW="6747480" imgH="2964240" progId="Paint.Picture">
+                  <p:embed/>
+                </p:oleObj>
+              </mc:Choice>
+              <mc:Fallback>
+                <p:oleObj name="Image bitmap" r:id="rId4" imgW="6747480" imgH="2964240" progId="Paint.Picture">
+                  <p:embed/>
+                  <p:pic>
+                    <p:nvPicPr>
+                      <p:cNvPr id="0" name=""/>
+                      <p:cNvPicPr/>
+                      <p:nvPr/>
+                    </p:nvPicPr>
+                    <p:blipFill>
+                      <a:blip r:embed="rId5"/>
+                      <a:stretch>
+                        <a:fillRect/>
+                      </a:stretch>
+                    </p:blipFill>
+                    <p:spPr>
+                      <a:xfrm>
+                        <a:off x="1238551" y="1671277"/>
+                        <a:ext cx="9433563" cy="4144109"/>
+                      </a:xfrm>
+                      <a:prstGeom prst="rect">
+                        <a:avLst/>
+                      </a:prstGeom>
+                    </p:spPr>
+                  </p:pic>
+                </p:oleObj>
+              </mc:Fallback>
+            </mc:AlternateContent>
+          </a:graphicData>
+        </a:graphic>
+      </p:graphicFrame>
+    </p:spTree>
+    <p:extLst>
+      <p:ext uri="{BB962C8B-B14F-4D97-AF65-F5344CB8AC3E}">
+        <p14:creationId xmlns:p14="http://schemas.microsoft.com/office/powerpoint/2010/main" val="2255128761"/>
       </p:ext>
     </p:extLst>
   </p:cSld>
@@ -6292,12 +8968,9 @@
 </file>
 
 <file path=customXml/item1.xml><?xml version="1.0" encoding="utf-8"?>
-<?mso-contentType ?>
-<FormTemplates xmlns="http://schemas.microsoft.com/sharepoint/v3/contenttype/forms">
-  <Display>DocumentLibraryForm</Display>
-  <Edit>DocumentLibraryForm</Edit>
-  <New>DocumentLibraryForm</New>
-</FormTemplates>
+<p:properties xmlns:p="http://schemas.microsoft.com/office/2006/metadata/properties" xmlns:xsi="http://www.w3.org/2001/XMLSchema-instance" xmlns:pc="http://schemas.microsoft.com/office/infopath/2007/PartnerControls">
+  <documentManagement/>
+</p:properties>
 </file>
 
 <file path=customXml/item2.xml><?xml version="1.0" encoding="utf-8"?>
@@ -6459,15 +9132,26 @@
 </file>
 
 <file path=customXml/item3.xml><?xml version="1.0" encoding="utf-8"?>
-<p:properties xmlns:p="http://schemas.microsoft.com/office/2006/metadata/properties" xmlns:xsi="http://www.w3.org/2001/XMLSchema-instance" xmlns:pc="http://schemas.microsoft.com/office/infopath/2007/PartnerControls">
-  <documentManagement/>
-</p:properties>
+<?mso-contentType ?>
+<FormTemplates xmlns="http://schemas.microsoft.com/sharepoint/v3/contenttype/forms">
+  <Display>DocumentLibraryForm</Display>
+  <Edit>DocumentLibraryForm</Edit>
+  <New>DocumentLibraryForm</New>
+</FormTemplates>
 </file>
 
 <file path=customXml/itemProps1.xml><?xml version="1.0" encoding="utf-8"?>
-<ds:datastoreItem xmlns:ds="http://schemas.openxmlformats.org/officeDocument/2006/customXml" ds:itemID="{43351198-7332-47EC-9204-4D6E1EA64C59}">
+<ds:datastoreItem xmlns:ds="http://schemas.openxmlformats.org/officeDocument/2006/customXml" ds:itemID="{3E39B1B7-F55E-403F-BCE0-20A208C165ED}">
   <ds:schemaRefs>
-    <ds:schemaRef ds:uri="http://schemas.microsoft.com/sharepoint/v3/contenttype/forms"/>
+    <ds:schemaRef ds:uri="c291e3be-de8c-4915-a156-45548adb0453"/>
+    <ds:schemaRef ds:uri="http://purl.org/dc/dcmitype/"/>
+    <ds:schemaRef ds:uri="http://purl.org/dc/elements/1.1/"/>
+    <ds:schemaRef ds:uri="http://purl.org/dc/terms/"/>
+    <ds:schemaRef ds:uri="http://schemas.microsoft.com/office/2006/documentManagement/types"/>
+    <ds:schemaRef ds:uri="http://schemas.microsoft.com/office/2006/metadata/properties"/>
+    <ds:schemaRef ds:uri="http://schemas.microsoft.com/office/infopath/2007/PartnerControls"/>
+    <ds:schemaRef ds:uri="http://schemas.openxmlformats.org/package/2006/metadata/core-properties"/>
+    <ds:schemaRef ds:uri="http://www.w3.org/XML/1998/namespace"/>
   </ds:schemaRefs>
 </ds:datastoreItem>
 </file>
@@ -6491,17 +9175,9 @@
 </file>
 
 <file path=customXml/itemProps3.xml><?xml version="1.0" encoding="utf-8"?>
-<ds:datastoreItem xmlns:ds="http://schemas.openxmlformats.org/officeDocument/2006/customXml" ds:itemID="{3E39B1B7-F55E-403F-BCE0-20A208C165ED}">
+<ds:datastoreItem xmlns:ds="http://schemas.openxmlformats.org/officeDocument/2006/customXml" ds:itemID="{43351198-7332-47EC-9204-4D6E1EA64C59}">
   <ds:schemaRefs>
-    <ds:schemaRef ds:uri="c291e3be-de8c-4915-a156-45548adb0453"/>
-    <ds:schemaRef ds:uri="http://purl.org/dc/dcmitype/"/>
-    <ds:schemaRef ds:uri="http://purl.org/dc/elements/1.1/"/>
-    <ds:schemaRef ds:uri="http://purl.org/dc/terms/"/>
-    <ds:schemaRef ds:uri="http://schemas.microsoft.com/office/2006/documentManagement/types"/>
-    <ds:schemaRef ds:uri="http://schemas.microsoft.com/office/2006/metadata/properties"/>
-    <ds:schemaRef ds:uri="http://schemas.microsoft.com/office/infopath/2007/PartnerControls"/>
-    <ds:schemaRef ds:uri="http://schemas.openxmlformats.org/package/2006/metadata/core-properties"/>
-    <ds:schemaRef ds:uri="http://www.w3.org/XML/1998/namespace"/>
+    <ds:schemaRef ds:uri="http://schemas.microsoft.com/sharepoint/v3/contenttype/forms"/>
   </ds:schemaRefs>
 </ds:datastoreItem>
 </file>
--- a/livrable/rapport/SeoulPierreAnthony.pptx
+++ b/livrable/rapport/SeoulPierreAnthony.pptx
@@ -268,30 +268,6 @@
     </pc:docChg>
   </pc:docChgLst>
   <pc:docChgLst>
-    <pc:chgData name="NADESU Pratheswar" userId="S::pratheswar.nadesu@edu.devinci.fr::0bc87114-f8b8-42aa-870e-0c86384df7b0" providerId="AD" clId="Web-{8526C88D-E4C9-4C9A-8A43-8C5BCE129410}"/>
-    <pc:docChg chg="modSld">
-      <pc:chgData name="NADESU Pratheswar" userId="S::pratheswar.nadesu@edu.devinci.fr::0bc87114-f8b8-42aa-870e-0c86384df7b0" providerId="AD" clId="Web-{8526C88D-E4C9-4C9A-8A43-8C5BCE129410}" dt="2021-02-11T10:14:56.314" v="0" actId="20577"/>
-      <pc:docMkLst>
-        <pc:docMk/>
-      </pc:docMkLst>
-      <pc:sldChg chg="modSp">
-        <pc:chgData name="NADESU Pratheswar" userId="S::pratheswar.nadesu@edu.devinci.fr::0bc87114-f8b8-42aa-870e-0c86384df7b0" providerId="AD" clId="Web-{8526C88D-E4C9-4C9A-8A43-8C5BCE129410}" dt="2021-02-11T10:14:56.314" v="0" actId="20577"/>
-        <pc:sldMkLst>
-          <pc:docMk/>
-          <pc:sldMk cId="2655700166" sldId="256"/>
-        </pc:sldMkLst>
-        <pc:spChg chg="mod">
-          <ac:chgData name="NADESU Pratheswar" userId="S::pratheswar.nadesu@edu.devinci.fr::0bc87114-f8b8-42aa-870e-0c86384df7b0" providerId="AD" clId="Web-{8526C88D-E4C9-4C9A-8A43-8C5BCE129410}" dt="2021-02-11T10:14:56.314" v="0" actId="20577"/>
-          <ac:spMkLst>
-            <pc:docMk/>
-            <pc:sldMk cId="2655700166" sldId="256"/>
-            <ac:spMk id="3" creationId="{994218BB-6B64-4610-8E65-87DD31BC6BC0}"/>
-          </ac:spMkLst>
-        </pc:spChg>
-      </pc:sldChg>
-    </pc:docChg>
-  </pc:docChgLst>
-  <pc:docChgLst>
     <pc:chgData name="NICOUD Nans" userId="S::nans.nicoud@edu.devinci.fr::9dabff77-c5aa-4bf7-923b-fdc544a38226" providerId="AD" clId="Web-{BD1A0982-5169-4658-9F05-00CB3F729361}"/>
     <pc:docChg chg="modSld">
       <pc:chgData name="NICOUD Nans" userId="S::nans.nicoud@edu.devinci.fr::9dabff77-c5aa-4bf7-923b-fdc544a38226" providerId="AD" clId="Web-{BD1A0982-5169-4658-9F05-00CB3F729361}" dt="2021-01-06T10:08:50.704" v="12" actId="20577"/>
@@ -333,6 +309,30 @@
             <pc:docMk/>
             <pc:sldMk cId="2756802816" sldId="257"/>
             <ac:spMk id="3" creationId="{9BED4D65-A7B0-49CD-AC2D-156E90B9AD50}"/>
+          </ac:spMkLst>
+        </pc:spChg>
+      </pc:sldChg>
+    </pc:docChg>
+  </pc:docChgLst>
+  <pc:docChgLst>
+    <pc:chgData name="NADESU Pratheswar" userId="S::pratheswar.nadesu@edu.devinci.fr::0bc87114-f8b8-42aa-870e-0c86384df7b0" providerId="AD" clId="Web-{8526C88D-E4C9-4C9A-8A43-8C5BCE129410}"/>
+    <pc:docChg chg="modSld">
+      <pc:chgData name="NADESU Pratheswar" userId="S::pratheswar.nadesu@edu.devinci.fr::0bc87114-f8b8-42aa-870e-0c86384df7b0" providerId="AD" clId="Web-{8526C88D-E4C9-4C9A-8A43-8C5BCE129410}" dt="2021-02-11T10:14:56.314" v="0" actId="20577"/>
+      <pc:docMkLst>
+        <pc:docMk/>
+      </pc:docMkLst>
+      <pc:sldChg chg="modSp">
+        <pc:chgData name="NADESU Pratheswar" userId="S::pratheswar.nadesu@edu.devinci.fr::0bc87114-f8b8-42aa-870e-0c86384df7b0" providerId="AD" clId="Web-{8526C88D-E4C9-4C9A-8A43-8C5BCE129410}" dt="2021-02-11T10:14:56.314" v="0" actId="20577"/>
+        <pc:sldMkLst>
+          <pc:docMk/>
+          <pc:sldMk cId="2655700166" sldId="256"/>
+        </pc:sldMkLst>
+        <pc:spChg chg="mod">
+          <ac:chgData name="NADESU Pratheswar" userId="S::pratheswar.nadesu@edu.devinci.fr::0bc87114-f8b8-42aa-870e-0c86384df7b0" providerId="AD" clId="Web-{8526C88D-E4C9-4C9A-8A43-8C5BCE129410}" dt="2021-02-11T10:14:56.314" v="0" actId="20577"/>
+          <ac:spMkLst>
+            <pc:docMk/>
+            <pc:sldMk cId="2655700166" sldId="256"/>
+            <ac:spMk id="3" creationId="{994218BB-6B64-4610-8E65-87DD31BC6BC0}"/>
           </ac:spMkLst>
         </pc:spChg>
       </pc:sldChg>
@@ -4331,7 +4331,7 @@
           <a:graphicData uri="http://schemas.openxmlformats.org/presentationml/2006/ole">
             <mc:AlternateContent xmlns:mc="http://schemas.openxmlformats.org/markup-compatibility/2006">
               <mc:Choice xmlns:v="urn:schemas-microsoft-com:vml" Requires="v">
-                <p:oleObj spid="_x0000_s5124" name="Image bitmap" r:id="rId4" imgW="7364880" imgH="3634920" progId="Paint.Picture">
+                <p:oleObj spid="_x0000_s5127" name="Image bitmap" r:id="rId4" imgW="7364880" imgH="3634920" progId="Paint.Picture">
                   <p:embed/>
                 </p:oleObj>
               </mc:Choice>
@@ -5435,7 +5435,7 @@
           <a:graphicData uri="http://schemas.openxmlformats.org/presentationml/2006/ole">
             <mc:AlternateContent xmlns:mc="http://schemas.openxmlformats.org/markup-compatibility/2006">
               <mc:Choice xmlns:v="urn:schemas-microsoft-com:vml" Requires="v">
-                <p:oleObj spid="_x0000_s7171" name="Image bitmap" r:id="rId4" imgW="2560320" imgH="1939320" progId="Paint.Picture">
+                <p:oleObj spid="_x0000_s7174" name="Image bitmap" r:id="rId4" imgW="2560320" imgH="1939320" progId="Paint.Picture">
                   <p:embed/>
                 </p:oleObj>
               </mc:Choice>
@@ -6075,17 +6075,6 @@
           <a:p>
             <a:pPr lvl="8"/>
             <a:r>
-              <a:rPr lang="fr-FR" sz="4800" dirty="0">
-                <a:solidFill>
-                  <a:schemeClr val="tx1"/>
-                </a:solidFill>
-              </a:rPr>
-              <a:t>	</a:t>
-            </a:r>
-          </a:p>
-          <a:p>
-            <a:pPr lvl="8"/>
-            <a:r>
               <a:rPr lang="en-US" sz="4800" dirty="0">
                 <a:solidFill>
                   <a:schemeClr val="tx1"/>
@@ -6130,7 +6119,7 @@
         </p:blipFill>
         <p:spPr bwMode="auto">
           <a:xfrm>
-            <a:off x="247136" y="3120507"/>
+            <a:off x="247136" y="3007225"/>
             <a:ext cx="3354859" cy="2252898"/>
           </a:xfrm>
           <a:prstGeom prst="rect">
@@ -6310,16 +6299,6 @@
           <a:lstStyle/>
           <a:p>
             <a:pPr lvl="8" algn="ctr"/>
-            <a:r>
-              <a:rPr lang="en-US" sz="3600" b="0" i="0" dirty="0">
-                <a:solidFill>
-                  <a:schemeClr val="tx1"/>
-                </a:solidFill>
-                <a:effectLst/>
-                <a:latin typeface="Arial" panose="020B0604020202020204" pitchFamily="34" charset="0"/>
-              </a:rPr>
-              <a:t>The crucial part is the prediction of bike count required at each hour for the stable supply of rental bikes.</a:t>
-            </a:r>
             <a:endParaRPr lang="fr-FR" sz="3600" dirty="0">
               <a:solidFill>
                 <a:schemeClr val="tx1"/>
@@ -6330,10 +6309,10 @@
       </p:sp>
       <p:pic>
         <p:nvPicPr>
-          <p:cNvPr id="2" name="Picture 2">
-            <a:extLst>
-              <a:ext uri="{FF2B5EF4-FFF2-40B4-BE49-F238E27FC236}">
-                <a16:creationId xmlns:a16="http://schemas.microsoft.com/office/drawing/2014/main" id="{C163F6B8-4E59-4CBF-A78C-E6937F8CCFC5}"/>
+          <p:cNvPr id="8194" name="Picture 2" descr="Barbazan. Barousse : Balade découverte à vélo - ladepeche.fr">
+            <a:extLst>
+              <a:ext uri="{FF2B5EF4-FFF2-40B4-BE49-F238E27FC236}">
+                <a16:creationId xmlns:a16="http://schemas.microsoft.com/office/drawing/2014/main" id="{0D1CD7E0-941F-41CF-B084-DDD2D748DC19}"/>
               </a:ext>
             </a:extLst>
           </p:cNvPr>
@@ -6342,7 +6321,7 @@
           </p:cNvPicPr>
           <p:nvPr/>
         </p:nvPicPr>
-        <p:blipFill>
+        <p:blipFill rotWithShape="1">
           <a:blip r:embed="rId3">
             <a:extLst>
               <a:ext uri="{28A0092B-C50C-407E-A947-70E740481C1C}">
@@ -6350,15 +6329,13 @@
               </a:ext>
             </a:extLst>
           </a:blip>
-          <a:srcRect/>
-          <a:stretch>
-            <a:fillRect/>
-          </a:stretch>
+          <a:srcRect l="22336" t="4615" r="17687" b="5478"/>
+          <a:stretch/>
         </p:blipFill>
         <p:spPr bwMode="auto">
           <a:xfrm>
-            <a:off x="203594" y="2743202"/>
-            <a:ext cx="3722195" cy="2499576"/>
+            <a:off x="33868" y="1456266"/>
+            <a:ext cx="6329758" cy="5360609"/>
           </a:xfrm>
           <a:prstGeom prst="rect">
             <a:avLst/>
@@ -6375,6 +6352,56 @@
           </a:extLst>
         </p:spPr>
       </p:pic>
+      <p:sp>
+        <p:nvSpPr>
+          <p:cNvPr id="3" name="ZoneTexte 2">
+            <a:extLst>
+              <a:ext uri="{FF2B5EF4-FFF2-40B4-BE49-F238E27FC236}">
+                <a16:creationId xmlns:a16="http://schemas.microsoft.com/office/drawing/2014/main" id="{9F718C2D-4CAB-4A78-AEF5-43212F66185B}"/>
+              </a:ext>
+            </a:extLst>
+          </p:cNvPr>
+          <p:cNvSpPr txBox="1"/>
+          <p:nvPr/>
+        </p:nvSpPr>
+        <p:spPr>
+          <a:xfrm>
+            <a:off x="6650727" y="2723847"/>
+            <a:ext cx="5254172" cy="3139321"/>
+          </a:xfrm>
+          <a:prstGeom prst="rect">
+            <a:avLst/>
+          </a:prstGeom>
+          <a:noFill/>
+        </p:spPr>
+        <p:txBody>
+          <a:bodyPr wrap="square" rtlCol="0">
+            <a:spAutoFit/>
+          </a:bodyPr>
+          <a:lstStyle/>
+          <a:p>
+            <a:pPr algn="ctr"/>
+            <a:r>
+              <a:rPr lang="en-US" sz="3600" b="0" i="0" dirty="0">
+                <a:solidFill>
+                  <a:schemeClr val="tx1"/>
+                </a:solidFill>
+                <a:effectLst/>
+                <a:latin typeface="Arial" panose="020B0604020202020204" pitchFamily="34" charset="0"/>
+              </a:rPr>
+              <a:t>The crucial part is the prediction of bike count required at each hour for the stable supply of rental bikes.</a:t>
+            </a:r>
+            <a:endParaRPr lang="fr-FR" sz="3600" dirty="0">
+              <a:solidFill>
+                <a:schemeClr val="tx1"/>
+              </a:solidFill>
+            </a:endParaRPr>
+          </a:p>
+          <a:p>
+            <a:endParaRPr lang="en-US" dirty="0"/>
+          </a:p>
+        </p:txBody>
+      </p:sp>
     </p:spTree>
     <p:extLst>
       <p:ext uri="{BB962C8B-B14F-4D97-AF65-F5344CB8AC3E}">
@@ -7105,7 +7132,7 @@
         <p:spPr>
           <a:xfrm>
             <a:off x="667657" y="3087233"/>
-            <a:ext cx="11113105" cy="2092881"/>
+            <a:ext cx="11113105" cy="2246769"/>
           </a:xfrm>
           <a:prstGeom prst="rect">
             <a:avLst/>
@@ -7124,13 +7151,16 @@
             </a:r>
           </a:p>
           <a:p>
+            <a:endParaRPr lang="fr-FR" sz="2800" dirty="0"/>
+          </a:p>
+          <a:p>
             <a:pPr marL="342900" indent="-342900">
               <a:buFont typeface="+mj-lt"/>
               <a:buAutoNum type="alphaLcPeriod"/>
             </a:pPr>
             <a:r>
               <a:rPr lang="fr-FR" sz="2800" dirty="0"/>
-              <a:t>Transformation de Date </a:t>
+              <a:t>Split Date </a:t>
             </a:r>
             <a:r>
               <a:rPr lang="fr-FR" sz="2800" dirty="0" err="1"/>
@@ -7138,15 +7168,19 @@
             </a:r>
             <a:r>
               <a:rPr lang="fr-FR" sz="2800" dirty="0"/>
-              <a:t> 2 new variables ( Day , </a:t>
-            </a:r>
-            <a:r>
-              <a:rPr lang="fr-FR" sz="2800" dirty="0" err="1"/>
-              <a:t>Month</a:t>
+              <a:t> 4 new variables (</a:t>
+            </a:r>
+            <a:r>
+              <a:rPr lang="en-US" sz="2800" dirty="0"/>
+              <a:t>day, month, years and </a:t>
+            </a:r>
+            <a:r>
+              <a:rPr lang="en-US" sz="2800" dirty="0" err="1"/>
+              <a:t>dayofweek</a:t>
             </a:r>
             <a:r>
               <a:rPr lang="fr-FR" sz="2800" dirty="0"/>
-              <a:t> )</a:t>
+              <a:t>)</a:t>
             </a:r>
           </a:p>
           <a:p>
@@ -7160,7 +7194,15 @@
             </a:r>
             <a:r>
               <a:rPr lang="fr-FR" sz="2800" dirty="0"/>
-              <a:t> of new variable Day of Week </a:t>
+              <a:t> </a:t>
+            </a:r>
+            <a:r>
+              <a:rPr lang="fr-FR" sz="2800"/>
+              <a:t>of a new </a:t>
+            </a:r>
+            <a:r>
+              <a:rPr lang="fr-FR" sz="2800" dirty="0"/>
+              <a:t>variable Day of Week </a:t>
             </a:r>
             <a:r>
               <a:rPr lang="fr-FR" sz="2800" dirty="0" err="1"/>
@@ -7177,8 +7219,12 @@
               <a:buAutoNum type="alphaLcPeriod"/>
             </a:pPr>
             <a:r>
+              <a:rPr lang="fr-FR" sz="2800" dirty="0" err="1"/>
+              <a:t>Convert</a:t>
+            </a:r>
+            <a:r>
               <a:rPr lang="fr-FR" sz="2800" dirty="0"/>
-              <a:t>Transformation of all qualitative variable </a:t>
+              <a:t> quantitative variables </a:t>
             </a:r>
             <a:r>
               <a:rPr lang="fr-FR" sz="2800" dirty="0" err="1"/>
@@ -7186,11 +7232,12 @@
             </a:r>
             <a:r>
               <a:rPr lang="fr-FR" sz="2800" dirty="0"/>
-              <a:t> quantitative</a:t>
-            </a:r>
-            <a:endParaRPr lang="fr-FR" dirty="0"/>
-          </a:p>
-          <a:p>
+              <a:t> qualitative </a:t>
+            </a:r>
+            <a:r>
+              <a:rPr lang="fr-FR" sz="2800" dirty="0" err="1"/>
+              <a:t>ones</a:t>
+            </a:r>
             <a:endParaRPr lang="en-US" dirty="0"/>
           </a:p>
         </p:txBody>
@@ -7414,7 +7461,7 @@
           <a:graphicData uri="http://schemas.openxmlformats.org/presentationml/2006/ole">
             <mc:AlternateContent xmlns:mc="http://schemas.openxmlformats.org/markup-compatibility/2006">
               <mc:Choice xmlns:v="urn:schemas-microsoft-com:vml" Requires="v">
-                <p:oleObj spid="_x0000_s1031" name="Image bitmap" r:id="rId4" imgW="7296120" imgH="3669120" progId="Paint.Picture">
+                <p:oleObj spid="_x0000_s1037" name="Image bitmap" r:id="rId4" imgW="7296120" imgH="3669120" progId="Paint.Picture">
                   <p:embed/>
                 </p:oleObj>
               </mc:Choice>
@@ -7616,7 +7663,7 @@
           <a:graphicData uri="http://schemas.openxmlformats.org/presentationml/2006/ole">
             <mc:AlternateContent xmlns:mc="http://schemas.openxmlformats.org/markup-compatibility/2006">
               <mc:Choice xmlns:v="urn:schemas-microsoft-com:vml" Requires="v">
-                <p:oleObj spid="_x0000_s1032" name="Image bitmap" r:id="rId6" imgW="4263480" imgH="3809880" progId="Paint.Picture">
+                <p:oleObj spid="_x0000_s1038" name="Image bitmap" r:id="rId6" imgW="4263480" imgH="3809880" progId="Paint.Picture">
                   <p:embed/>
                 </p:oleObj>
               </mc:Choice>
@@ -7991,7 +8038,7 @@
           <a:graphicData uri="http://schemas.openxmlformats.org/presentationml/2006/ole">
             <mc:AlternateContent xmlns:mc="http://schemas.openxmlformats.org/markup-compatibility/2006">
               <mc:Choice xmlns:v="urn:schemas-microsoft-com:vml" Requires="v">
-                <p:oleObj spid="_x0000_s3077" name="Image bitmap" r:id="rId4" imgW="7391520" imgH="4648320" progId="Paint.Picture">
+                <p:oleObj spid="_x0000_s3080" name="Image bitmap" r:id="rId4" imgW="7391520" imgH="4648320" progId="Paint.Picture">
                   <p:embed/>
                 </p:oleObj>
               </mc:Choice>
@@ -8329,7 +8376,7 @@
           <a:graphicData uri="http://schemas.openxmlformats.org/presentationml/2006/ole">
             <mc:AlternateContent xmlns:mc="http://schemas.openxmlformats.org/markup-compatibility/2006">
               <mc:Choice xmlns:v="urn:schemas-microsoft-com:vml" Requires="v">
-                <p:oleObj spid="_x0000_s4100" name="Image bitmap" r:id="rId4" imgW="6747480" imgH="2964240" progId="Paint.Picture">
+                <p:oleObj spid="_x0000_s4103" name="Image bitmap" r:id="rId4" imgW="6747480" imgH="2964240" progId="Paint.Picture">
                   <p:embed/>
                 </p:oleObj>
               </mc:Choice>
@@ -8974,6 +9021,15 @@
 </file>
 
 <file path=customXml/item2.xml><?xml version="1.0" encoding="utf-8"?>
+<?mso-contentType ?>
+<FormTemplates xmlns="http://schemas.microsoft.com/sharepoint/v3/contenttype/forms">
+  <Display>DocumentLibraryForm</Display>
+  <Edit>DocumentLibraryForm</Edit>
+  <New>DocumentLibraryForm</New>
+</FormTemplates>
+</file>
+
+<file path=customXml/item3.xml><?xml version="1.0" encoding="utf-8"?>
 <ct:contentTypeSchema xmlns:ct="http://schemas.microsoft.com/office/2006/metadata/contentType" xmlns:ma="http://schemas.microsoft.com/office/2006/metadata/properties/metaAttributes" ct:_="" ma:_="" ma:contentTypeName="Document" ma:contentTypeID="0x0101006B389B9DDED26A48A00BE0A6C8B308ED" ma:contentTypeVersion="6" ma:contentTypeDescription="Crée un document." ma:contentTypeScope="" ma:versionID="28ef3d24d1f3f48baebeba40d4b631da">
   <xsd:schema xmlns:xsd="http://www.w3.org/2001/XMLSchema" xmlns:xs="http://www.w3.org/2001/XMLSchema" xmlns:p="http://schemas.microsoft.com/office/2006/metadata/properties" xmlns:ns2="30eac2b2-5f60-47cf-9f1f-3d08ea39ad2f" targetNamespace="http://schemas.microsoft.com/office/2006/metadata/properties" ma:root="true" ma:fieldsID="5079103dbc4c1b2ae3f7ac142b3ba2aa" ns2:_="">
     <xsd:import namespace="30eac2b2-5f60-47cf-9f1f-3d08ea39ad2f"/>
@@ -9131,15 +9187,6 @@
 </ct:contentTypeSchema>
 </file>
 
-<file path=customXml/item3.xml><?xml version="1.0" encoding="utf-8"?>
-<?mso-contentType ?>
-<FormTemplates xmlns="http://schemas.microsoft.com/sharepoint/v3/contenttype/forms">
-  <Display>DocumentLibraryForm</Display>
-  <Edit>DocumentLibraryForm</Edit>
-  <New>DocumentLibraryForm</New>
-</FormTemplates>
-</file>
-
 <file path=customXml/itemProps1.xml><?xml version="1.0" encoding="utf-8"?>
 <ds:datastoreItem xmlns:ds="http://schemas.openxmlformats.org/officeDocument/2006/customXml" ds:itemID="{3E39B1B7-F55E-403F-BCE0-20A208C165ED}">
   <ds:schemaRefs>
@@ -9157,6 +9204,14 @@
 </file>
 
 <file path=customXml/itemProps2.xml><?xml version="1.0" encoding="utf-8"?>
+<ds:datastoreItem xmlns:ds="http://schemas.openxmlformats.org/officeDocument/2006/customXml" ds:itemID="{43351198-7332-47EC-9204-4D6E1EA64C59}">
+  <ds:schemaRefs>
+    <ds:schemaRef ds:uri="http://schemas.microsoft.com/sharepoint/v3/contenttype/forms"/>
+  </ds:schemaRefs>
+</ds:datastoreItem>
+</file>
+
+<file path=customXml/itemProps3.xml><?xml version="1.0" encoding="utf-8"?>
 <ds:datastoreItem xmlns:ds="http://schemas.openxmlformats.org/officeDocument/2006/customXml" ds:itemID="{7AADC2E6-617D-47B1-BCA1-62383AE1D58D}">
   <ds:schemaRefs>
     <ds:schemaRef ds:uri="30eac2b2-5f60-47cf-9f1f-3d08ea39ad2f"/>
@@ -9172,12 +9227,4 @@
     <ds:schemaRef ds:uri="http://www.w3.org/2001/XMLSchema"/>
   </ds:schemaRefs>
 </ds:datastoreItem>
-</file>
-
-<file path=customXml/itemProps3.xml><?xml version="1.0" encoding="utf-8"?>
-<ds:datastoreItem xmlns:ds="http://schemas.openxmlformats.org/officeDocument/2006/customXml" ds:itemID="{43351198-7332-47EC-9204-4D6E1EA64C59}">
-  <ds:schemaRefs>
-    <ds:schemaRef ds:uri="http://schemas.microsoft.com/sharepoint/v3/contenttype/forms"/>
-  </ds:schemaRefs>
-</ds:datastoreItem>
 </file>
--- a/livrable/rapport/SeoulPierreAnthony.pptx
+++ b/livrable/rapport/SeoulPierreAnthony.pptx
@@ -4331,7 +4331,7 @@
           <a:graphicData uri="http://schemas.openxmlformats.org/presentationml/2006/ole">
             <mc:AlternateContent xmlns:mc="http://schemas.openxmlformats.org/markup-compatibility/2006">
               <mc:Choice xmlns:v="urn:schemas-microsoft-com:vml" Requires="v">
-                <p:oleObj spid="_x0000_s5127" name="Image bitmap" r:id="rId4" imgW="7364880" imgH="3634920" progId="Paint.Picture">
+                <p:oleObj spid="_x0000_s5128" name="Image bitmap" r:id="rId4" imgW="7364880" imgH="3634920" progId="Paint.Picture">
                   <p:embed/>
                 </p:oleObj>
               </mc:Choice>
@@ -5407,12 +5407,109 @@
           </a:p>
         </p:txBody>
       </p:sp>
+      <p:sp>
+        <p:nvSpPr>
+          <p:cNvPr id="7" name="ZoneTexte 6">
+            <a:extLst>
+              <a:ext uri="{FF2B5EF4-FFF2-40B4-BE49-F238E27FC236}">
+                <a16:creationId xmlns:a16="http://schemas.microsoft.com/office/drawing/2014/main" id="{7C7C6404-2BB7-453F-A882-05BEC1B2BB99}"/>
+              </a:ext>
+            </a:extLst>
+          </p:cNvPr>
+          <p:cNvSpPr txBox="1"/>
+          <p:nvPr/>
+        </p:nvSpPr>
+        <p:spPr>
+          <a:xfrm>
+            <a:off x="5667829" y="3114589"/>
+            <a:ext cx="6245980" cy="2246769"/>
+          </a:xfrm>
+          <a:prstGeom prst="rect">
+            <a:avLst/>
+          </a:prstGeom>
+          <a:noFill/>
+        </p:spPr>
+        <p:txBody>
+          <a:bodyPr wrap="square" rtlCol="0">
+            <a:spAutoFit/>
+          </a:bodyPr>
+          <a:lstStyle/>
+          <a:p>
+            <a:pPr marL="457200" indent="-457200">
+              <a:buFont typeface="Wingdings" panose="05000000000000000000" pitchFamily="2" charset="2"/>
+              <a:buChar char="Ø"/>
+            </a:pPr>
+            <a:r>
+              <a:rPr lang="fr-FR" sz="2800" dirty="0"/>
+              <a:t>2 </a:t>
+            </a:r>
+            <a:r>
+              <a:rPr lang="fr-FR" sz="2800" dirty="0" err="1"/>
+              <a:t>methods</a:t>
+            </a:r>
+            <a:r>
+              <a:rPr lang="fr-FR" sz="2800" dirty="0"/>
+              <a:t> have </a:t>
+            </a:r>
+            <a:r>
+              <a:rPr lang="fr-FR" sz="2800" dirty="0" err="1"/>
+              <a:t>very</a:t>
+            </a:r>
+            <a:r>
+              <a:rPr lang="fr-FR" sz="2800" dirty="0"/>
+              <a:t> </a:t>
+            </a:r>
+            <a:r>
+              <a:rPr lang="fr-FR" sz="2800" dirty="0" err="1"/>
+              <a:t>better</a:t>
+            </a:r>
+            <a:r>
+              <a:rPr lang="fr-FR" sz="2800" dirty="0"/>
+              <a:t> R2 values</a:t>
+            </a:r>
+          </a:p>
+          <a:p>
+            <a:pPr marL="457200" indent="-457200">
+              <a:buFont typeface="Wingdings" panose="05000000000000000000" pitchFamily="2" charset="2"/>
+              <a:buChar char="Ø"/>
+            </a:pPr>
+            <a:endParaRPr lang="en-US" sz="2800" dirty="0"/>
+          </a:p>
+          <a:p>
+            <a:pPr marL="457200" indent="-457200">
+              <a:buFont typeface="Wingdings" panose="05000000000000000000" pitchFamily="2" charset="2"/>
+              <a:buChar char="Ø"/>
+            </a:pPr>
+            <a:r>
+              <a:rPr lang="en-US" sz="2800" dirty="0"/>
+              <a:t>Lasso is the most speed execution</a:t>
+            </a:r>
+          </a:p>
+          <a:p>
+            <a:pPr marL="457200" indent="-457200">
+              <a:buFont typeface="Wingdings" panose="05000000000000000000" pitchFamily="2" charset="2"/>
+              <a:buChar char="Ø"/>
+            </a:pPr>
+            <a:endParaRPr lang="en-US" sz="2800" dirty="0"/>
+          </a:p>
+          <a:p>
+            <a:pPr marL="457200" indent="-457200">
+              <a:buFont typeface="Wingdings" panose="05000000000000000000" pitchFamily="2" charset="2"/>
+              <a:buChar char="Ø"/>
+            </a:pPr>
+            <a:r>
+              <a:rPr lang="en-US" sz="2800" dirty="0"/>
+              <a:t>The best dataset is the n°2</a:t>
+            </a:r>
+          </a:p>
+        </p:txBody>
+      </p:sp>
       <p:graphicFrame>
         <p:nvGraphicFramePr>
-          <p:cNvPr id="2" name="Objet 1">
-            <a:extLst>
-              <a:ext uri="{FF2B5EF4-FFF2-40B4-BE49-F238E27FC236}">
-                <a16:creationId xmlns:a16="http://schemas.microsoft.com/office/drawing/2014/main" id="{C17FBB7A-F26F-4535-8E6C-23D51D7D5318}"/>
+          <p:cNvPr id="3" name="Objet 2">
+            <a:extLst>
+              <a:ext uri="{FF2B5EF4-FFF2-40B4-BE49-F238E27FC236}">
+                <a16:creationId xmlns:a16="http://schemas.microsoft.com/office/drawing/2014/main" id="{91BD32A2-C18A-401F-A94F-8A5A2E482B6D}"/>
               </a:ext>
             </a:extLst>
           </p:cNvPr>
@@ -5422,25 +5519,25 @@
           <p:nvPr>
             <p:extLst>
               <p:ext uri="{D42A27DB-BD31-4B8C-83A1-F6EECF244321}">
-                <p14:modId xmlns:p14="http://schemas.microsoft.com/office/powerpoint/2010/main" val="3481148486"/>
+                <p14:modId xmlns:p14="http://schemas.microsoft.com/office/powerpoint/2010/main" val="508626374"/>
               </p:ext>
             </p:extLst>
           </p:nvPr>
         </p:nvGraphicFramePr>
         <p:xfrm>
-          <a:off x="1060526" y="2598118"/>
-          <a:ext cx="4329112" cy="3279712"/>
+          <a:off x="478530" y="2408997"/>
+          <a:ext cx="4988518" cy="3449354"/>
         </p:xfrm>
         <a:graphic>
           <a:graphicData uri="http://schemas.openxmlformats.org/presentationml/2006/ole">
             <mc:AlternateContent xmlns:mc="http://schemas.openxmlformats.org/markup-compatibility/2006">
               <mc:Choice xmlns:v="urn:schemas-microsoft-com:vml" Requires="v">
-                <p:oleObj spid="_x0000_s7174" name="Image bitmap" r:id="rId4" imgW="2560320" imgH="1939320" progId="Paint.Picture">
+                <p:oleObj spid="_x0000_s7175" name="Image bitmap" r:id="rId4" imgW="2731680" imgH="1889640" progId="Paint.Picture">
                   <p:embed/>
                 </p:oleObj>
               </mc:Choice>
               <mc:Fallback>
-                <p:oleObj name="Image bitmap" r:id="rId4" imgW="2560320" imgH="1939320" progId="Paint.Picture">
+                <p:oleObj name="Image bitmap" r:id="rId4" imgW="2731680" imgH="1889640" progId="Paint.Picture">
                   <p:embed/>
                   <p:pic>
                     <p:nvPicPr>
@@ -5456,8 +5553,8 @@
                     </p:blipFill>
                     <p:spPr>
                       <a:xfrm>
-                        <a:off x="1060526" y="2598118"/>
-                        <a:ext cx="4329112" cy="3279712"/>
+                        <a:off x="478530" y="2408997"/>
+                        <a:ext cx="4988518" cy="3449354"/>
                       </a:xfrm>
                       <a:prstGeom prst="rect">
                         <a:avLst/>
@@ -5470,103 +5567,6 @@
           </a:graphicData>
         </a:graphic>
       </p:graphicFrame>
-      <p:sp>
-        <p:nvSpPr>
-          <p:cNvPr id="7" name="ZoneTexte 6">
-            <a:extLst>
-              <a:ext uri="{FF2B5EF4-FFF2-40B4-BE49-F238E27FC236}">
-                <a16:creationId xmlns:a16="http://schemas.microsoft.com/office/drawing/2014/main" id="{7C7C6404-2BB7-453F-A882-05BEC1B2BB99}"/>
-              </a:ext>
-            </a:extLst>
-          </p:cNvPr>
-          <p:cNvSpPr txBox="1"/>
-          <p:nvPr/>
-        </p:nvSpPr>
-        <p:spPr>
-          <a:xfrm>
-            <a:off x="5667829" y="3114589"/>
-            <a:ext cx="6245980" cy="2246769"/>
-          </a:xfrm>
-          <a:prstGeom prst="rect">
-            <a:avLst/>
-          </a:prstGeom>
-          <a:noFill/>
-        </p:spPr>
-        <p:txBody>
-          <a:bodyPr wrap="square" rtlCol="0">
-            <a:spAutoFit/>
-          </a:bodyPr>
-          <a:lstStyle/>
-          <a:p>
-            <a:pPr marL="457200" indent="-457200">
-              <a:buFont typeface="Wingdings" panose="05000000000000000000" pitchFamily="2" charset="2"/>
-              <a:buChar char="Ø"/>
-            </a:pPr>
-            <a:r>
-              <a:rPr lang="fr-FR" sz="2800" dirty="0"/>
-              <a:t>2 </a:t>
-            </a:r>
-            <a:r>
-              <a:rPr lang="fr-FR" sz="2800" dirty="0" err="1"/>
-              <a:t>methods</a:t>
-            </a:r>
-            <a:r>
-              <a:rPr lang="fr-FR" sz="2800" dirty="0"/>
-              <a:t> have </a:t>
-            </a:r>
-            <a:r>
-              <a:rPr lang="fr-FR" sz="2800" dirty="0" err="1"/>
-              <a:t>very</a:t>
-            </a:r>
-            <a:r>
-              <a:rPr lang="fr-FR" sz="2800" dirty="0"/>
-              <a:t> </a:t>
-            </a:r>
-            <a:r>
-              <a:rPr lang="fr-FR" sz="2800" dirty="0" err="1"/>
-              <a:t>better</a:t>
-            </a:r>
-            <a:r>
-              <a:rPr lang="fr-FR" sz="2800" dirty="0"/>
-              <a:t> R2 values</a:t>
-            </a:r>
-          </a:p>
-          <a:p>
-            <a:pPr marL="457200" indent="-457200">
-              <a:buFont typeface="Wingdings" panose="05000000000000000000" pitchFamily="2" charset="2"/>
-              <a:buChar char="Ø"/>
-            </a:pPr>
-            <a:endParaRPr lang="en-US" sz="2800" dirty="0"/>
-          </a:p>
-          <a:p>
-            <a:pPr marL="457200" indent="-457200">
-              <a:buFont typeface="Wingdings" panose="05000000000000000000" pitchFamily="2" charset="2"/>
-              <a:buChar char="Ø"/>
-            </a:pPr>
-            <a:r>
-              <a:rPr lang="en-US" sz="2800" dirty="0"/>
-              <a:t>Lasso is the most speed execution</a:t>
-            </a:r>
-          </a:p>
-          <a:p>
-            <a:pPr marL="457200" indent="-457200">
-              <a:buFont typeface="Wingdings" panose="05000000000000000000" pitchFamily="2" charset="2"/>
-              <a:buChar char="Ø"/>
-            </a:pPr>
-            <a:endParaRPr lang="en-US" sz="2800" dirty="0"/>
-          </a:p>
-          <a:p>
-            <a:pPr marL="457200" indent="-457200">
-              <a:buFont typeface="Wingdings" panose="05000000000000000000" pitchFamily="2" charset="2"/>
-              <a:buChar char="Ø"/>
-            </a:pPr>
-            <a:r>
-              <a:rPr lang="en-US" sz="2800" dirty="0"/>
-              <a:t>The best dataset is the n°2</a:t>
-            </a:r>
-          </a:p>
-        </p:txBody>
-      </p:sp>
     </p:spTree>
     <p:extLst>
       <p:ext uri="{BB962C8B-B14F-4D97-AF65-F5344CB8AC3E}">
@@ -7194,15 +7194,7 @@
             </a:r>
             <a:r>
               <a:rPr lang="fr-FR" sz="2800" dirty="0"/>
-              <a:t> </a:t>
-            </a:r>
-            <a:r>
-              <a:rPr lang="fr-FR" sz="2800"/>
-              <a:t>of a new </a:t>
-            </a:r>
-            <a:r>
-              <a:rPr lang="fr-FR" sz="2800" dirty="0"/>
-              <a:t>variable Day of Week </a:t>
+              <a:t> of a new variable Day of Week </a:t>
             </a:r>
             <a:r>
               <a:rPr lang="fr-FR" sz="2800" dirty="0" err="1"/>
@@ -7448,20 +7440,20 @@
           <p:nvPr>
             <p:extLst>
               <p:ext uri="{D42A27DB-BD31-4B8C-83A1-F6EECF244321}">
-                <p14:modId xmlns:p14="http://schemas.microsoft.com/office/powerpoint/2010/main" val="2060236674"/>
+                <p14:modId xmlns:p14="http://schemas.microsoft.com/office/powerpoint/2010/main" val="1828291921"/>
               </p:ext>
             </p:extLst>
           </p:nvPr>
         </p:nvGraphicFramePr>
         <p:xfrm>
-          <a:off x="5558973" y="2916616"/>
-          <a:ext cx="6120940" cy="3077784"/>
+          <a:off x="4363489" y="2611774"/>
+          <a:ext cx="7699300" cy="3871428"/>
         </p:xfrm>
         <a:graphic>
           <a:graphicData uri="http://schemas.openxmlformats.org/presentationml/2006/ole">
             <mc:AlternateContent xmlns:mc="http://schemas.openxmlformats.org/markup-compatibility/2006">
               <mc:Choice xmlns:v="urn:schemas-microsoft-com:vml" Requires="v">
-                <p:oleObj spid="_x0000_s1037" name="Image bitmap" r:id="rId4" imgW="7296120" imgH="3669120" progId="Paint.Picture">
+                <p:oleObj spid="_x0000_s1039" name="Image bitmap" r:id="rId4" imgW="7296120" imgH="3669120" progId="Paint.Picture">
                   <p:embed/>
                 </p:oleObj>
               </mc:Choice>
@@ -7488,8 +7480,8 @@
                     </p:blipFill>
                     <p:spPr>
                       <a:xfrm>
-                        <a:off x="5558973" y="2916616"/>
-                        <a:ext cx="6120940" cy="3077784"/>
+                        <a:off x="4363489" y="2611774"/>
+                        <a:ext cx="7699300" cy="3871428"/>
                       </a:xfrm>
                       <a:prstGeom prst="rect">
                         <a:avLst/>
@@ -7532,115 +7524,18 @@
           <a:p>
             <a:pPr algn="ctr"/>
             <a:r>
-              <a:rPr lang="fr-FR" sz="2800" dirty="0" err="1"/>
-              <a:t>We</a:t>
-            </a:r>
-            <a:r>
-              <a:rPr lang="fr-FR" sz="2800" dirty="0"/>
-              <a:t> can </a:t>
-            </a:r>
-            <a:r>
-              <a:rPr lang="fr-FR" sz="2800" dirty="0" err="1"/>
-              <a:t>see</a:t>
-            </a:r>
-            <a:r>
-              <a:rPr lang="fr-FR" sz="2800" dirty="0"/>
-              <a:t> </a:t>
-            </a:r>
-            <a:r>
-              <a:rPr lang="fr-FR" sz="2800" dirty="0" err="1"/>
-              <a:t>here</a:t>
-            </a:r>
-            <a:r>
-              <a:rPr lang="fr-FR" sz="2800" dirty="0"/>
-              <a:t> of the </a:t>
-            </a:r>
-            <a:r>
-              <a:rPr lang="fr-FR" sz="2800" dirty="0" err="1"/>
-              <a:t>number</a:t>
-            </a:r>
-            <a:r>
-              <a:rPr lang="fr-FR" sz="2800" dirty="0"/>
-              <a:t> of </a:t>
-            </a:r>
-            <a:r>
-              <a:rPr lang="fr-FR" sz="2800" dirty="0" err="1"/>
-              <a:t>rented</a:t>
-            </a:r>
-            <a:r>
-              <a:rPr lang="fr-FR" sz="2800" dirty="0"/>
-              <a:t> bike </a:t>
-            </a:r>
-            <a:r>
-              <a:rPr lang="fr-FR" sz="2800" dirty="0" err="1"/>
-              <a:t>increase</a:t>
-            </a:r>
-            <a:r>
-              <a:rPr lang="fr-FR" sz="2800" dirty="0"/>
-              <a:t> </a:t>
-            </a:r>
-            <a:r>
-              <a:rPr lang="fr-FR" sz="2800" dirty="0" err="1"/>
-              <a:t>until</a:t>
-            </a:r>
-            <a:r>
-              <a:rPr lang="fr-FR" sz="2800" dirty="0"/>
-              <a:t> June and </a:t>
-            </a:r>
-            <a:r>
-              <a:rPr lang="fr-FR" sz="2800" dirty="0" err="1"/>
-              <a:t>decrease</a:t>
-            </a:r>
-            <a:r>
-              <a:rPr lang="fr-FR" sz="2800" dirty="0"/>
-              <a:t> </a:t>
-            </a:r>
-            <a:r>
-              <a:rPr lang="fr-FR" sz="2800" dirty="0" err="1"/>
-              <a:t>after</a:t>
-            </a:r>
-            <a:r>
-              <a:rPr lang="fr-FR" sz="2800" dirty="0"/>
-              <a:t> and the </a:t>
-            </a:r>
-            <a:r>
-              <a:rPr lang="fr-FR" sz="2800" dirty="0" err="1"/>
-              <a:t>better</a:t>
-            </a:r>
-            <a:r>
-              <a:rPr lang="fr-FR" sz="2800" dirty="0"/>
-              <a:t> </a:t>
-            </a:r>
-            <a:r>
-              <a:rPr lang="fr-FR" sz="2800" dirty="0" err="1"/>
-              <a:t>season</a:t>
-            </a:r>
-            <a:r>
-              <a:rPr lang="fr-FR" sz="2800" dirty="0"/>
-              <a:t> </a:t>
-            </a:r>
-            <a:r>
-              <a:rPr lang="fr-FR" sz="2800" dirty="0" err="1"/>
-              <a:t>is</a:t>
-            </a:r>
-            <a:r>
-              <a:rPr lang="fr-FR" sz="2800" dirty="0"/>
-              <a:t> the </a:t>
-            </a:r>
-            <a:r>
-              <a:rPr lang="fr-FR" sz="2800" dirty="0" err="1"/>
-              <a:t>summer</a:t>
-            </a:r>
-            <a:endParaRPr lang="en-US" sz="2800" dirty="0"/>
+              <a:rPr lang="en-US" sz="2800" dirty="0"/>
+              <a:t>According to the above graphs the renting period starts in spring with a major period in summer and a rebound in October</a:t>
+            </a:r>
           </a:p>
         </p:txBody>
       </p:sp>
       <p:graphicFrame>
         <p:nvGraphicFramePr>
-          <p:cNvPr id="6" name="Objet 5">
-            <a:extLst>
-              <a:ext uri="{FF2B5EF4-FFF2-40B4-BE49-F238E27FC236}">
-                <a16:creationId xmlns:a16="http://schemas.microsoft.com/office/drawing/2014/main" id="{7D95802B-484A-4253-ADE6-F5AB2B3DEE74}"/>
+          <p:cNvPr id="8" name="Objet 7">
+            <a:extLst>
+              <a:ext uri="{FF2B5EF4-FFF2-40B4-BE49-F238E27FC236}">
+                <a16:creationId xmlns:a16="http://schemas.microsoft.com/office/drawing/2014/main" id="{E258F296-D69F-45E6-8863-69CD02C57493}"/>
               </a:ext>
             </a:extLst>
           </p:cNvPr>
@@ -7650,25 +7545,25 @@
           <p:nvPr>
             <p:extLst>
               <p:ext uri="{D42A27DB-BD31-4B8C-83A1-F6EECF244321}">
-                <p14:modId xmlns:p14="http://schemas.microsoft.com/office/powerpoint/2010/main" val="3233567087"/>
+                <p14:modId xmlns:p14="http://schemas.microsoft.com/office/powerpoint/2010/main" val="382616786"/>
               </p:ext>
             </p:extLst>
           </p:nvPr>
         </p:nvGraphicFramePr>
         <p:xfrm>
-          <a:off x="582534" y="2642179"/>
-          <a:ext cx="4264025" cy="3810000"/>
+          <a:off x="178065" y="2611774"/>
+          <a:ext cx="4056213" cy="3876988"/>
         </p:xfrm>
         <a:graphic>
           <a:graphicData uri="http://schemas.openxmlformats.org/presentationml/2006/ole">
             <mc:AlternateContent xmlns:mc="http://schemas.openxmlformats.org/markup-compatibility/2006">
               <mc:Choice xmlns:v="urn:schemas-microsoft-com:vml" Requires="v">
-                <p:oleObj spid="_x0000_s1038" name="Image bitmap" r:id="rId6" imgW="4263480" imgH="3809880" progId="Paint.Picture">
+                <p:oleObj spid="_x0000_s1040" name="Image bitmap" r:id="rId6" imgW="5856120" imgH="5596920" progId="Paint.Picture">
                   <p:embed/>
                 </p:oleObj>
               </mc:Choice>
               <mc:Fallback>
-                <p:oleObj name="Image bitmap" r:id="rId6" imgW="4263480" imgH="3809880" progId="Paint.Picture">
+                <p:oleObj name="Image bitmap" r:id="rId6" imgW="5856120" imgH="5596920" progId="Paint.Picture">
                   <p:embed/>
                   <p:pic>
                     <p:nvPicPr>
@@ -7684,8 +7579,8 @@
                     </p:blipFill>
                     <p:spPr>
                       <a:xfrm>
-                        <a:off x="582534" y="2642179"/>
-                        <a:ext cx="4264025" cy="3810000"/>
+                        <a:off x="178065" y="2611774"/>
+                        <a:ext cx="4056213" cy="3876988"/>
                       </a:xfrm>
                       <a:prstGeom prst="rect">
                         <a:avLst/>
@@ -7903,8 +7798,8 @@
         </p:nvSpPr>
         <p:spPr>
           <a:xfrm>
-            <a:off x="-53219" y="2751303"/>
-            <a:ext cx="4615543" cy="2677656"/>
+            <a:off x="241906" y="2615836"/>
+            <a:ext cx="4088190" cy="2677656"/>
           </a:xfrm>
           <a:prstGeom prst="rect">
             <a:avLst/>
@@ -7917,105 +7812,20 @@
           </a:bodyPr>
           <a:lstStyle/>
           <a:p>
-            <a:pPr marL="457200" indent="-457200" algn="ctr">
-              <a:buFont typeface="Wingdings" panose="05000000000000000000" pitchFamily="2" charset="2"/>
-              <a:buChar char="Ø"/>
-            </a:pPr>
-            <a:r>
-              <a:rPr lang="fr-FR" sz="2800" dirty="0"/>
-              <a:t>The </a:t>
-            </a:r>
-            <a:r>
-              <a:rPr lang="fr-FR" sz="2800" dirty="0" err="1"/>
-              <a:t>number</a:t>
-            </a:r>
-            <a:r>
-              <a:rPr lang="fr-FR" sz="2800" dirty="0"/>
-              <a:t> of </a:t>
-            </a:r>
-            <a:r>
-              <a:rPr lang="fr-FR" sz="2800" dirty="0" err="1"/>
-              <a:t>rented</a:t>
-            </a:r>
-            <a:r>
-              <a:rPr lang="fr-FR" sz="2800" dirty="0"/>
-              <a:t> bike </a:t>
-            </a:r>
-            <a:r>
-              <a:rPr lang="fr-FR" sz="2800" dirty="0" err="1"/>
-              <a:t>is</a:t>
-            </a:r>
-            <a:r>
-              <a:rPr lang="fr-FR" sz="2800" dirty="0"/>
-              <a:t> </a:t>
-            </a:r>
-            <a:r>
-              <a:rPr lang="fr-FR" sz="2800" dirty="0" err="1"/>
-              <a:t>higher</a:t>
-            </a:r>
-            <a:r>
-              <a:rPr lang="fr-FR" sz="2800" dirty="0"/>
-              <a:t> on the </a:t>
-            </a:r>
-            <a:r>
-              <a:rPr lang="fr-FR" sz="2800" dirty="0" err="1"/>
-              <a:t>evening</a:t>
-            </a:r>
-            <a:endParaRPr lang="fr-FR" sz="2800" dirty="0"/>
-          </a:p>
-          <a:p>
-            <a:pPr marL="457200" indent="-457200" algn="ctr">
-              <a:buFont typeface="Wingdings" panose="05000000000000000000" pitchFamily="2" charset="2"/>
-              <a:buChar char="Ø"/>
-            </a:pPr>
-            <a:endParaRPr lang="fr-FR" sz="2800" dirty="0"/>
-          </a:p>
-          <a:p>
-            <a:pPr marL="457200" indent="-457200" algn="ctr">
-              <a:buFont typeface="Wingdings" panose="05000000000000000000" pitchFamily="2" charset="2"/>
-              <a:buChar char="Ø"/>
-            </a:pPr>
-            <a:endParaRPr lang="fr-FR" sz="2800" dirty="0"/>
-          </a:p>
-          <a:p>
-            <a:pPr marL="457200" indent="-457200" algn="ctr">
-              <a:buFont typeface="Wingdings" panose="05000000000000000000" pitchFamily="2" charset="2"/>
-              <a:buChar char="Ø"/>
-            </a:pPr>
-            <a:r>
-              <a:rPr lang="fr-FR" sz="2800" dirty="0" err="1"/>
-              <a:t>They</a:t>
-            </a:r>
-            <a:r>
-              <a:rPr lang="fr-FR" sz="2800" dirty="0"/>
-              <a:t> are more location in </a:t>
-            </a:r>
-            <a:r>
-              <a:rPr lang="fr-FR" sz="2800" dirty="0" err="1"/>
-              <a:t>work</a:t>
-            </a:r>
-            <a:r>
-              <a:rPr lang="fr-FR" sz="2800" dirty="0"/>
-              <a:t> </a:t>
-            </a:r>
-            <a:r>
-              <a:rPr lang="fr-FR" sz="2800" dirty="0" err="1"/>
-              <a:t>day</a:t>
-            </a:r>
-            <a:r>
-              <a:rPr lang="fr-FR" sz="2800" dirty="0"/>
-              <a:t> of the weekend </a:t>
-            </a:r>
-            <a:endParaRPr lang="en-US" sz="2800" dirty="0"/>
+            <a:pPr algn="ctr"/>
+            <a:r>
+              <a:rPr lang="en-US" sz="2800" dirty="0"/>
+              <a:t>Beside the morning and evening commutation hours people seem to enjoy cycling all the day long except in the early hours.</a:t>
+            </a:r>
           </a:p>
         </p:txBody>
       </p:sp>
       <p:graphicFrame>
         <p:nvGraphicFramePr>
-          <p:cNvPr id="7" name="Objet 6">
-            <a:extLst>
-              <a:ext uri="{FF2B5EF4-FFF2-40B4-BE49-F238E27FC236}">
-                <a16:creationId xmlns:a16="http://schemas.microsoft.com/office/drawing/2014/main" id="{9AD6599E-000B-490F-84FE-BA33629654E4}"/>
+          <p:cNvPr id="2" name="Objet 1">
+            <a:extLst>
+              <a:ext uri="{FF2B5EF4-FFF2-40B4-BE49-F238E27FC236}">
+                <a16:creationId xmlns:a16="http://schemas.microsoft.com/office/drawing/2014/main" id="{FD2E6255-4570-4DED-A506-FD827320ADAC}"/>
               </a:ext>
             </a:extLst>
           </p:cNvPr>
@@ -8025,25 +7835,25 @@
           <p:nvPr>
             <p:extLst>
               <p:ext uri="{D42A27DB-BD31-4B8C-83A1-F6EECF244321}">
-                <p14:modId xmlns:p14="http://schemas.microsoft.com/office/powerpoint/2010/main" val="1944963497"/>
+                <p14:modId xmlns:p14="http://schemas.microsoft.com/office/powerpoint/2010/main" val="1619462784"/>
               </p:ext>
             </p:extLst>
           </p:nvPr>
         </p:nvGraphicFramePr>
         <p:xfrm>
-          <a:off x="4524225" y="1766031"/>
-          <a:ext cx="7391400" cy="4648200"/>
+          <a:off x="4732187" y="1762062"/>
+          <a:ext cx="7178675" cy="4656137"/>
         </p:xfrm>
         <a:graphic>
           <a:graphicData uri="http://schemas.openxmlformats.org/presentationml/2006/ole">
             <mc:AlternateContent xmlns:mc="http://schemas.openxmlformats.org/markup-compatibility/2006">
               <mc:Choice xmlns:v="urn:schemas-microsoft-com:vml" Requires="v">
-                <p:oleObj spid="_x0000_s3080" name="Image bitmap" r:id="rId4" imgW="7391520" imgH="4648320" progId="Paint.Picture">
+                <p:oleObj spid="_x0000_s3081" name="Image bitmap" r:id="rId4" imgW="7178040" imgH="4655880" progId="Paint.Picture">
                   <p:embed/>
                 </p:oleObj>
               </mc:Choice>
               <mc:Fallback>
-                <p:oleObj name="Image bitmap" r:id="rId4" imgW="7391520" imgH="4648320" progId="Paint.Picture">
+                <p:oleObj name="Image bitmap" r:id="rId4" imgW="7178040" imgH="4655880" progId="Paint.Picture">
                   <p:embed/>
                   <p:pic>
                     <p:nvPicPr>
@@ -8059,8 +7869,8 @@
                     </p:blipFill>
                     <p:spPr>
                       <a:xfrm>
-                        <a:off x="4524225" y="1766031"/>
-                        <a:ext cx="7391400" cy="4648200"/>
+                        <a:off x="4732187" y="1762062"/>
+                        <a:ext cx="7178675" cy="4656137"/>
                       </a:xfrm>
                       <a:prstGeom prst="rect">
                         <a:avLst/>
@@ -8278,8 +8088,8 @@
         </p:nvSpPr>
         <p:spPr>
           <a:xfrm>
-            <a:off x="512839" y="6067185"/>
-            <a:ext cx="11035695" cy="1384995"/>
+            <a:off x="578151" y="5877489"/>
+            <a:ext cx="11035695" cy="1815882"/>
           </a:xfrm>
           <a:prstGeom prst="rect">
             <a:avLst/>
@@ -8294,52 +8104,16 @@
           <a:p>
             <a:pPr algn="ctr"/>
             <a:r>
-              <a:rPr lang="fr-FR" sz="2800" dirty="0"/>
-              <a:t>The </a:t>
-            </a:r>
-            <a:r>
-              <a:rPr lang="fr-FR" sz="2800" dirty="0" err="1"/>
-              <a:t>number</a:t>
-            </a:r>
-            <a:r>
-              <a:rPr lang="fr-FR" sz="2800" dirty="0"/>
-              <a:t> of location </a:t>
-            </a:r>
-            <a:r>
-              <a:rPr lang="fr-FR" sz="2800" dirty="0" err="1"/>
-              <a:t>is</a:t>
-            </a:r>
-            <a:r>
-              <a:rPr lang="fr-FR" sz="2800" dirty="0"/>
-              <a:t> more </a:t>
-            </a:r>
-            <a:r>
-              <a:rPr lang="fr-FR" sz="2800" dirty="0" err="1"/>
-              <a:t>higher</a:t>
-            </a:r>
-            <a:r>
-              <a:rPr lang="fr-FR" sz="2800" dirty="0"/>
-              <a:t> </a:t>
-            </a:r>
-            <a:r>
-              <a:rPr lang="fr-FR" sz="2800" dirty="0" err="1"/>
-              <a:t>between</a:t>
-            </a:r>
-            <a:r>
-              <a:rPr lang="fr-FR" sz="2800" dirty="0"/>
-              <a:t> 23 and 25 </a:t>
-            </a:r>
-            <a:r>
-              <a:rPr lang="fr-FR" sz="2800" dirty="0" err="1"/>
-              <a:t>degrees</a:t>
-            </a:r>
-            <a:endParaRPr lang="fr-FR" sz="2800" dirty="0"/>
-          </a:p>
-          <a:p>
-            <a:pPr marL="457200" indent="-457200" algn="ctr">
-              <a:buFont typeface="Wingdings" panose="05000000000000000000" pitchFamily="2" charset="2"/>
-              <a:buChar char="Ø"/>
-            </a:pPr>
+              <a:rPr lang="en-US" sz="2800" dirty="0"/>
+              <a:t>The graph above clearly an interest for cycling in Seoul between -1°C and 38°C witch is a quite large range of temperature.</a:t>
+            </a:r>
+          </a:p>
+          <a:p>
+            <a:pPr algn="ctr"/>
+            <a:r>
+              <a:rPr lang="en-US" sz="2800" dirty="0"/>
+              <a:t>We may notice that 23°C seems to be the optimum temperature</a:t>
+            </a:r>
             <a:endParaRPr lang="fr-FR" sz="2800" dirty="0"/>
           </a:p>
           <a:p>
@@ -8350,10 +8124,10 @@
       </p:sp>
       <p:graphicFrame>
         <p:nvGraphicFramePr>
-          <p:cNvPr id="2" name="Objet 1">
-            <a:extLst>
-              <a:ext uri="{FF2B5EF4-FFF2-40B4-BE49-F238E27FC236}">
-                <a16:creationId xmlns:a16="http://schemas.microsoft.com/office/drawing/2014/main" id="{3B080F59-18DC-4B15-80BA-3285010AF77D}"/>
+          <p:cNvPr id="7" name="Objet 6">
+            <a:extLst>
+              <a:ext uri="{FF2B5EF4-FFF2-40B4-BE49-F238E27FC236}">
+                <a16:creationId xmlns:a16="http://schemas.microsoft.com/office/drawing/2014/main" id="{3CD6B53A-5815-4770-A711-9426A71C4919}"/>
               </a:ext>
             </a:extLst>
           </p:cNvPr>
@@ -8363,25 +8137,25 @@
           <p:nvPr>
             <p:extLst>
               <p:ext uri="{D42A27DB-BD31-4B8C-83A1-F6EECF244321}">
-                <p14:modId xmlns:p14="http://schemas.microsoft.com/office/powerpoint/2010/main" val="3361868853"/>
+                <p14:modId xmlns:p14="http://schemas.microsoft.com/office/powerpoint/2010/main" val="1780527751"/>
               </p:ext>
             </p:extLst>
           </p:nvPr>
         </p:nvGraphicFramePr>
         <p:xfrm>
-          <a:off x="1238551" y="1671277"/>
-          <a:ext cx="9433563" cy="4144109"/>
+          <a:off x="1371335" y="1615917"/>
+          <a:ext cx="9081633" cy="4124145"/>
         </p:xfrm>
         <a:graphic>
           <a:graphicData uri="http://schemas.openxmlformats.org/presentationml/2006/ole">
             <mc:AlternateContent xmlns:mc="http://schemas.openxmlformats.org/markup-compatibility/2006">
               <mc:Choice xmlns:v="urn:schemas-microsoft-com:vml" Requires="v">
-                <p:oleObj spid="_x0000_s4103" name="Image bitmap" r:id="rId4" imgW="6747480" imgH="2964240" progId="Paint.Picture">
+                <p:oleObj spid="_x0000_s4104" name="Image bitmap" r:id="rId4" imgW="6435000" imgH="2922120" progId="Paint.Picture">
                   <p:embed/>
                 </p:oleObj>
               </mc:Choice>
               <mc:Fallback>
-                <p:oleObj name="Image bitmap" r:id="rId4" imgW="6747480" imgH="2964240" progId="Paint.Picture">
+                <p:oleObj name="Image bitmap" r:id="rId4" imgW="6435000" imgH="2922120" progId="Paint.Picture">
                   <p:embed/>
                   <p:pic>
                     <p:nvPicPr>
@@ -8397,8 +8171,8 @@
                     </p:blipFill>
                     <p:spPr>
                       <a:xfrm>
-                        <a:off x="1238551" y="1671277"/>
-                        <a:ext cx="9433563" cy="4144109"/>
+                        <a:off x="1371335" y="1615917"/>
+                        <a:ext cx="9081633" cy="4124145"/>
                       </a:xfrm>
                       <a:prstGeom prst="rect">
                         <a:avLst/>

--- a/livrable/rapport/SeoulPierreAnthony.pptx
+++ b/livrable/rapport/SeoulPierreAnthony.pptx
@@ -4246,7 +4246,7 @@
         </p:nvSpPr>
         <p:spPr>
           <a:xfrm>
-            <a:off x="856344" y="6260497"/>
+            <a:off x="578152" y="5858935"/>
             <a:ext cx="11035695" cy="1384995"/>
           </a:xfrm>
           <a:prstGeom prst="rect">
@@ -4262,39 +4262,13 @@
           <a:p>
             <a:pPr algn="ctr"/>
             <a:r>
-              <a:rPr lang="fr-FR" sz="2800" dirty="0"/>
-              <a:t>The </a:t>
-            </a:r>
-            <a:r>
-              <a:rPr lang="fr-FR" sz="2800" dirty="0" err="1"/>
-              <a:t>number</a:t>
-            </a:r>
-            <a:r>
-              <a:rPr lang="fr-FR" sz="2800" dirty="0"/>
-              <a:t> of location </a:t>
-            </a:r>
-            <a:r>
-              <a:rPr lang="fr-FR" sz="2800" dirty="0" err="1"/>
-              <a:t>is</a:t>
-            </a:r>
-            <a:r>
-              <a:rPr lang="fr-FR" sz="2800" dirty="0"/>
-              <a:t> more </a:t>
-            </a:r>
-            <a:r>
-              <a:rPr lang="fr-FR" sz="2800" dirty="0" err="1"/>
-              <a:t>higher</a:t>
-            </a:r>
-            <a:r>
-              <a:rPr lang="fr-FR" sz="2800" dirty="0"/>
-              <a:t> the Friday at 6pm</a:t>
-            </a:r>
-          </a:p>
-          <a:p>
-            <a:pPr marL="457200" indent="-457200" algn="ctr">
-              <a:buFont typeface="Wingdings" panose="05000000000000000000" pitchFamily="2" charset="2"/>
-              <a:buChar char="Ø"/>
-            </a:pPr>
+              <a:rPr lang="en-US" sz="2800" dirty="0"/>
+              <a:t>Friday is the most active day but we can observe the same peaks of use on commutation hours (8am, 6pm) every day even on </a:t>
+            </a:r>
+            <a:r>
+              <a:rPr lang="en-US" sz="2800" dirty="0" err="1"/>
+              <a:t>sunday</a:t>
+            </a:r>
             <a:endParaRPr lang="fr-FR" sz="2800" dirty="0"/>
           </a:p>
           <a:p>
@@ -4318,20 +4292,20 @@
           <p:nvPr>
             <p:extLst>
               <p:ext uri="{D42A27DB-BD31-4B8C-83A1-F6EECF244321}">
-                <p14:modId xmlns:p14="http://schemas.microsoft.com/office/powerpoint/2010/main" val="578613912"/>
+                <p14:modId xmlns:p14="http://schemas.microsoft.com/office/powerpoint/2010/main" val="3194772909"/>
               </p:ext>
             </p:extLst>
           </p:nvPr>
         </p:nvGraphicFramePr>
         <p:xfrm>
-          <a:off x="1721152" y="1567594"/>
-          <a:ext cx="9121019" cy="4689475"/>
+          <a:off x="2067681" y="1601461"/>
+          <a:ext cx="8056638" cy="4142235"/>
         </p:xfrm>
         <a:graphic>
           <a:graphicData uri="http://schemas.openxmlformats.org/presentationml/2006/ole">
             <mc:AlternateContent xmlns:mc="http://schemas.openxmlformats.org/markup-compatibility/2006">
               <mc:Choice xmlns:v="urn:schemas-microsoft-com:vml" Requires="v">
-                <p:oleObj spid="_x0000_s5128" name="Image bitmap" r:id="rId4" imgW="7364880" imgH="3634920" progId="Paint.Picture">
+                <p:oleObj spid="_x0000_s5130" name="Image bitmap" r:id="rId4" imgW="7364880" imgH="3634920" progId="Paint.Picture">
                   <p:embed/>
                 </p:oleObj>
               </mc:Choice>
@@ -4352,8 +4326,8 @@
                     </p:blipFill>
                     <p:spPr>
                       <a:xfrm>
-                        <a:off x="1721152" y="1567594"/>
-                        <a:ext cx="9121019" cy="4689475"/>
+                        <a:off x="2067681" y="1601461"/>
+                        <a:ext cx="8056638" cy="4142235"/>
                       </a:xfrm>
                       <a:prstGeom prst="rect">
                         <a:avLst/>
@@ -5532,7 +5506,7 @@
           <a:graphicData uri="http://schemas.openxmlformats.org/presentationml/2006/ole">
             <mc:AlternateContent xmlns:mc="http://schemas.openxmlformats.org/markup-compatibility/2006">
               <mc:Choice xmlns:v="urn:schemas-microsoft-com:vml" Requires="v">
-                <p:oleObj spid="_x0000_s7175" name="Image bitmap" r:id="rId4" imgW="2731680" imgH="1889640" progId="Paint.Picture">
+                <p:oleObj spid="_x0000_s7177" name="Image bitmap" r:id="rId4" imgW="2731680" imgH="1889640" progId="Paint.Picture">
                   <p:embed/>
                 </p:oleObj>
               </mc:Choice>
@@ -7453,7 +7427,7 @@
           <a:graphicData uri="http://schemas.openxmlformats.org/presentationml/2006/ole">
             <mc:AlternateContent xmlns:mc="http://schemas.openxmlformats.org/markup-compatibility/2006">
               <mc:Choice xmlns:v="urn:schemas-microsoft-com:vml" Requires="v">
-                <p:oleObj spid="_x0000_s1039" name="Image bitmap" r:id="rId4" imgW="7296120" imgH="3669120" progId="Paint.Picture">
+                <p:oleObj spid="_x0000_s1043" name="Image bitmap" r:id="rId4" imgW="7296120" imgH="3669120" progId="Paint.Picture">
                   <p:embed/>
                 </p:oleObj>
               </mc:Choice>
@@ -7558,7 +7532,7 @@
           <a:graphicData uri="http://schemas.openxmlformats.org/presentationml/2006/ole">
             <mc:AlternateContent xmlns:mc="http://schemas.openxmlformats.org/markup-compatibility/2006">
               <mc:Choice xmlns:v="urn:schemas-microsoft-com:vml" Requires="v">
-                <p:oleObj spid="_x0000_s1040" name="Image bitmap" r:id="rId6" imgW="5856120" imgH="5596920" progId="Paint.Picture">
+                <p:oleObj spid="_x0000_s1044" name="Image bitmap" r:id="rId6" imgW="5856120" imgH="5596920" progId="Paint.Picture">
                   <p:embed/>
                 </p:oleObj>
               </mc:Choice>
@@ -7848,7 +7822,7 @@
           <a:graphicData uri="http://schemas.openxmlformats.org/presentationml/2006/ole">
             <mc:AlternateContent xmlns:mc="http://schemas.openxmlformats.org/markup-compatibility/2006">
               <mc:Choice xmlns:v="urn:schemas-microsoft-com:vml" Requires="v">
-                <p:oleObj spid="_x0000_s3081" name="Image bitmap" r:id="rId4" imgW="7178040" imgH="4655880" progId="Paint.Picture">
+                <p:oleObj spid="_x0000_s3083" name="Image bitmap" r:id="rId4" imgW="7178040" imgH="4655880" progId="Paint.Picture">
                   <p:embed/>
                 </p:oleObj>
               </mc:Choice>
@@ -8088,7 +8062,7 @@
         </p:nvSpPr>
         <p:spPr>
           <a:xfrm>
-            <a:off x="578151" y="5877489"/>
+            <a:off x="578152" y="5867812"/>
             <a:ext cx="11035695" cy="1815882"/>
           </a:xfrm>
           <a:prstGeom prst="rect">
@@ -8137,20 +8111,20 @@
           <p:nvPr>
             <p:extLst>
               <p:ext uri="{D42A27DB-BD31-4B8C-83A1-F6EECF244321}">
-                <p14:modId xmlns:p14="http://schemas.microsoft.com/office/powerpoint/2010/main" val="1780527751"/>
+                <p14:modId xmlns:p14="http://schemas.microsoft.com/office/powerpoint/2010/main" val="2453549873"/>
               </p:ext>
             </p:extLst>
           </p:nvPr>
         </p:nvGraphicFramePr>
         <p:xfrm>
-          <a:off x="1371335" y="1615917"/>
+          <a:off x="1463254" y="1611080"/>
           <a:ext cx="9081633" cy="4124145"/>
         </p:xfrm>
         <a:graphic>
           <a:graphicData uri="http://schemas.openxmlformats.org/presentationml/2006/ole">
             <mc:AlternateContent xmlns:mc="http://schemas.openxmlformats.org/markup-compatibility/2006">
               <mc:Choice xmlns:v="urn:schemas-microsoft-com:vml" Requires="v">
-                <p:oleObj spid="_x0000_s4104" name="Image bitmap" r:id="rId4" imgW="6435000" imgH="2922120" progId="Paint.Picture">
+                <p:oleObj spid="_x0000_s4106" name="Image bitmap" r:id="rId4" imgW="6435000" imgH="2922120" progId="Paint.Picture">
                   <p:embed/>
                 </p:oleObj>
               </mc:Choice>
@@ -8171,7 +8145,7 @@
                     </p:blipFill>
                     <p:spPr>
                       <a:xfrm>
-                        <a:off x="1371335" y="1615917"/>
+                        <a:off x="1463254" y="1611080"/>
                         <a:ext cx="9081633" cy="4124145"/>
                       </a:xfrm>
                       <a:prstGeom prst="rect">

--- a/livrable/rapport/SeoulPierreAnthony.pptx
+++ b/livrable/rapport/SeoulPierreAnthony.pptx
@@ -4305,7 +4305,7 @@
           <a:graphicData uri="http://schemas.openxmlformats.org/presentationml/2006/ole">
             <mc:AlternateContent xmlns:mc="http://schemas.openxmlformats.org/markup-compatibility/2006">
               <mc:Choice xmlns:v="urn:schemas-microsoft-com:vml" Requires="v">
-                <p:oleObj spid="_x0000_s5130" name="Image bitmap" r:id="rId4" imgW="7364880" imgH="3634920" progId="Paint.Picture">
+                <p:oleObj spid="_x0000_s5132" name="Image bitmap" r:id="rId4" imgW="7364880" imgH="3634920" progId="Paint.Picture">
                   <p:embed/>
                 </p:oleObj>
               </mc:Choice>
@@ -4546,7 +4546,7 @@
         <p:spPr>
           <a:xfrm>
             <a:off x="578152" y="2893183"/>
-            <a:ext cx="11035695" cy="2985433"/>
+            <a:ext cx="11035695" cy="2677656"/>
           </a:xfrm>
           <a:prstGeom prst="rect">
             <a:avLst/>
@@ -4561,129 +4561,58 @@
           <a:p>
             <a:pPr algn="ctr"/>
             <a:r>
-              <a:rPr lang="fr-FR" sz="4400" dirty="0" err="1"/>
-              <a:t>We</a:t>
-            </a:r>
-            <a:r>
-              <a:rPr lang="fr-FR" sz="4400" dirty="0"/>
-              <a:t> can </a:t>
-            </a:r>
-            <a:r>
-              <a:rPr lang="fr-FR" sz="4400" dirty="0" err="1"/>
-              <a:t>conclude</a:t>
-            </a:r>
-            <a:r>
-              <a:rPr lang="fr-FR" sz="4400" dirty="0"/>
-              <a:t> of the </a:t>
-            </a:r>
-            <a:r>
-              <a:rPr lang="fr-FR" sz="4400" dirty="0" err="1"/>
-              <a:t>most</a:t>
-            </a:r>
-            <a:r>
-              <a:rPr lang="fr-FR" sz="4400" dirty="0"/>
-              <a:t> </a:t>
-            </a:r>
-            <a:r>
-              <a:rPr lang="fr-FR" sz="4400" dirty="0" err="1"/>
-              <a:t>higher</a:t>
-            </a:r>
-            <a:r>
-              <a:rPr lang="fr-FR" sz="4400" dirty="0"/>
-              <a:t> </a:t>
-            </a:r>
-            <a:r>
-              <a:rPr lang="fr-FR" sz="4400" dirty="0" err="1"/>
-              <a:t>rented</a:t>
-            </a:r>
-            <a:r>
-              <a:rPr lang="fr-FR" sz="4400" dirty="0"/>
-              <a:t> bike possible </a:t>
-            </a:r>
-            <a:r>
-              <a:rPr lang="fr-FR" sz="4400" dirty="0" err="1"/>
-              <a:t>is</a:t>
-            </a:r>
-            <a:r>
-              <a:rPr lang="fr-FR" sz="4400" dirty="0"/>
-              <a:t> the </a:t>
-            </a:r>
-            <a:r>
-              <a:rPr lang="fr-FR" sz="4400" b="1" dirty="0"/>
+              <a:rPr lang="en-US" sz="2800" dirty="0"/>
+              <a:t>Seoul people first use bikes rented for going to work and coming back home</a:t>
+            </a:r>
+          </a:p>
+          <a:p>
+            <a:pPr marL="457200" indent="-457200" algn="ctr">
+              <a:buFontTx/>
+              <a:buChar char="-"/>
+            </a:pPr>
+            <a:endParaRPr lang="en-US" sz="2800" dirty="0"/>
+          </a:p>
+          <a:p>
+            <a:pPr marL="457200" indent="-457200" algn="ctr">
+              <a:buFontTx/>
+              <a:buChar char="-"/>
+            </a:pPr>
+            <a:endParaRPr lang="en-US" sz="2800" dirty="0"/>
+          </a:p>
+          <a:p>
+            <a:pPr algn="ctr"/>
+            <a:r>
+              <a:rPr lang="en-US" sz="2800" dirty="0"/>
+              <a:t>   The busiest hour is obviously </a:t>
+            </a:r>
+            <a:r>
+              <a:rPr lang="en-US" sz="2800" b="1" dirty="0"/>
+              <a:t>6pm</a:t>
+            </a:r>
+            <a:r>
+              <a:rPr lang="en-US" sz="2800" dirty="0"/>
+              <a:t> on a </a:t>
+            </a:r>
+            <a:r>
+              <a:rPr lang="en-US" sz="2800" b="1" dirty="0"/>
               <a:t>Friday</a:t>
             </a:r>
             <a:r>
-              <a:rPr lang="fr-FR" sz="4400" dirty="0"/>
-              <a:t> at </a:t>
-            </a:r>
-            <a:r>
-              <a:rPr lang="fr-FR" sz="4400" b="1" dirty="0"/>
-              <a:t>6pm</a:t>
-            </a:r>
-            <a:r>
-              <a:rPr lang="fr-FR" sz="4400" dirty="0"/>
-              <a:t> </a:t>
-            </a:r>
-            <a:r>
-              <a:rPr lang="fr-FR" sz="4400" dirty="0" err="1"/>
-              <a:t>during</a:t>
-            </a:r>
-            <a:r>
-              <a:rPr lang="fr-FR" sz="4400" dirty="0"/>
-              <a:t> the </a:t>
-            </a:r>
-            <a:r>
-              <a:rPr lang="fr-FR" sz="4400" b="1" dirty="0" err="1"/>
+              <a:rPr lang="en-US" sz="2800" dirty="0"/>
+              <a:t> when the temperature is around </a:t>
+            </a:r>
+            <a:r>
+              <a:rPr lang="en-US" sz="2800" b="1" dirty="0"/>
+              <a:t>23°C</a:t>
+            </a:r>
+            <a:r>
+              <a:rPr lang="en-US" sz="2800" dirty="0"/>
+              <a:t> during </a:t>
+            </a:r>
+            <a:r>
+              <a:rPr lang="en-US" sz="2800" b="1" dirty="0"/>
               <a:t>summer</a:t>
             </a:r>
-            <a:r>
-              <a:rPr lang="fr-FR" sz="4400" dirty="0"/>
-              <a:t> </a:t>
-            </a:r>
-            <a:r>
-              <a:rPr lang="fr-FR" sz="4400" dirty="0" err="1"/>
-              <a:t>whenthe</a:t>
-            </a:r>
-            <a:r>
-              <a:rPr lang="fr-FR" sz="4400" dirty="0"/>
-              <a:t> </a:t>
-            </a:r>
-            <a:r>
-              <a:rPr lang="fr-FR" sz="4400" dirty="0" err="1"/>
-              <a:t>temperature</a:t>
-            </a:r>
-            <a:r>
-              <a:rPr lang="fr-FR" sz="4400" dirty="0"/>
-              <a:t> </a:t>
-            </a:r>
-            <a:r>
-              <a:rPr lang="fr-FR" sz="4400" dirty="0" err="1"/>
-              <a:t>is</a:t>
-            </a:r>
-            <a:r>
-              <a:rPr lang="fr-FR" sz="4400" dirty="0"/>
-              <a:t> of </a:t>
-            </a:r>
-            <a:r>
-              <a:rPr lang="fr-FR" sz="4400" b="1" dirty="0"/>
-              <a:t>23 </a:t>
-            </a:r>
-            <a:r>
-              <a:rPr lang="fr-FR" sz="4400" b="1" dirty="0" err="1"/>
-              <a:t>degrees</a:t>
-            </a:r>
-            <a:endParaRPr lang="fr-FR" sz="4400" b="1" dirty="0"/>
-          </a:p>
-          <a:p>
-            <a:pPr marL="457200" indent="-457200" algn="ctr">
-              <a:buFont typeface="Wingdings" panose="05000000000000000000" pitchFamily="2" charset="2"/>
-              <a:buChar char="Ø"/>
-            </a:pPr>
-            <a:endParaRPr lang="fr-FR" sz="2800" dirty="0"/>
-          </a:p>
-          <a:p>
-            <a:pPr algn="ctr"/>
-            <a:endParaRPr lang="en-US" sz="2800" dirty="0"/>
           </a:p>
         </p:txBody>
       </p:sp>
@@ -4792,23 +4721,7 @@
                   <a:schemeClr val="tx1"/>
                 </a:solidFill>
               </a:rPr>
-              <a:t>The </a:t>
-            </a:r>
-            <a:r>
-              <a:rPr lang="en-US" sz="4400" dirty="0" err="1">
-                <a:solidFill>
-                  <a:schemeClr val="tx1"/>
-                </a:solidFill>
-              </a:rPr>
-              <a:t>Differents</a:t>
-            </a:r>
-            <a:r>
-              <a:rPr lang="en-US" sz="4400" dirty="0">
-                <a:solidFill>
-                  <a:schemeClr val="tx1"/>
-                </a:solidFill>
-              </a:rPr>
-              <a:t> Datasets</a:t>
+              <a:t>The Different Datasets</a:t>
             </a:r>
             <a:endParaRPr lang="fr-FR" sz="4400" dirty="0">
               <a:solidFill>
@@ -4928,23 +4841,15 @@
             </a:r>
             <a:r>
               <a:rPr lang="fr-FR" sz="2800" dirty="0"/>
-              <a:t> of 5 différents </a:t>
+              <a:t> of 5 différent </a:t>
             </a:r>
             <a:r>
               <a:rPr lang="fr-FR" sz="2800" dirty="0" err="1"/>
-              <a:t>Datasets</a:t>
+              <a:t>datasets</a:t>
             </a:r>
             <a:r>
               <a:rPr lang="fr-FR" sz="2800" dirty="0"/>
-              <a:t> of tests for </a:t>
-            </a:r>
-            <a:r>
-              <a:rPr lang="fr-FR" sz="2800" dirty="0" err="1"/>
-              <a:t>see</a:t>
-            </a:r>
-            <a:r>
-              <a:rPr lang="fr-FR" sz="2800" dirty="0"/>
-              <a:t> </a:t>
+              <a:t> for checking </a:t>
             </a:r>
             <a:r>
               <a:rPr lang="fr-FR" sz="2800" dirty="0" err="1"/>
@@ -4973,7 +4878,7 @@
             </a:pPr>
             <a:r>
               <a:rPr lang="fr-FR" sz="2800" dirty="0"/>
-              <a:t>Brut</a:t>
+              <a:t>Raw</a:t>
             </a:r>
           </a:p>
           <a:p>
@@ -4983,7 +4888,7 @@
             </a:pPr>
             <a:r>
               <a:rPr lang="fr-FR" sz="2800" dirty="0"/>
-              <a:t>Brut </a:t>
+              <a:t>Raw </a:t>
             </a:r>
             <a:r>
               <a:rPr lang="en-US" sz="2800" dirty="0"/>
@@ -4997,8 +4902,12 @@
               <a:buAutoNum type="arabicPeriod"/>
             </a:pPr>
             <a:r>
+              <a:rPr lang="fr-FR" sz="2800" dirty="0" err="1"/>
+              <a:t>Dropping</a:t>
+            </a:r>
+            <a:r>
               <a:rPr lang="fr-FR" sz="2800" dirty="0"/>
-              <a:t>Drop variables </a:t>
+              <a:t> variables </a:t>
             </a:r>
             <a:r>
               <a:rPr lang="fr-FR" sz="2800" dirty="0" err="1"/>
@@ -5053,7 +4962,7 @@
             </a:r>
             <a:r>
               <a:rPr lang="fr-FR" sz="2800" dirty="0" err="1"/>
-              <a:t>try</a:t>
+              <a:t>trying</a:t>
             </a:r>
             <a:r>
               <a:rPr lang="fr-FR" sz="2800" dirty="0"/>
@@ -5073,7 +4982,7 @@
             </a:r>
             <a:r>
               <a:rPr lang="fr-FR" sz="2800" dirty="0"/>
-              <a:t> pounds</a:t>
+              <a:t> pound</a:t>
             </a:r>
           </a:p>
           <a:p>
@@ -5083,7 +4992,7 @@
             </a:pPr>
             <a:r>
               <a:rPr lang="fr-FR" sz="2800" dirty="0" err="1"/>
-              <a:t>Transform</a:t>
+              <a:t>Converting</a:t>
             </a:r>
             <a:r>
               <a:rPr lang="fr-FR" sz="2800" dirty="0"/>
@@ -5099,14 +5008,6 @@
             </a:r>
             <a:r>
               <a:rPr lang="fr-FR" sz="2800" dirty="0" err="1"/>
-              <a:t>columns</a:t>
-            </a:r>
-            <a:r>
-              <a:rPr lang="fr-FR" sz="2800" dirty="0"/>
-              <a:t> </a:t>
-            </a:r>
-            <a:r>
-              <a:rPr lang="fr-FR" sz="2800" dirty="0" err="1"/>
               <a:t>into</a:t>
             </a:r>
             <a:r>
@@ -5115,7 +5016,7 @@
             </a:r>
             <a:r>
               <a:rPr lang="fr-FR" sz="2800" dirty="0" err="1"/>
-              <a:t>number</a:t>
+              <a:t>numbers</a:t>
             </a:r>
             <a:endParaRPr lang="fr-FR" sz="2800" dirty="0"/>
           </a:p>
@@ -5238,23 +5139,7 @@
                   <a:schemeClr val="tx1"/>
                 </a:solidFill>
               </a:rPr>
-              <a:t>The </a:t>
-            </a:r>
-            <a:r>
-              <a:rPr lang="en-US" sz="4400" dirty="0" err="1">
-                <a:solidFill>
-                  <a:schemeClr val="tx1"/>
-                </a:solidFill>
-              </a:rPr>
-              <a:t>Differents</a:t>
-            </a:r>
-            <a:r>
-              <a:rPr lang="en-US" sz="4400" dirty="0">
-                <a:solidFill>
-                  <a:schemeClr val="tx1"/>
-                </a:solidFill>
-              </a:rPr>
-              <a:t> Models</a:t>
+              <a:t>The Different Models</a:t>
             </a:r>
             <a:endParaRPr lang="fr-FR" sz="4400" dirty="0">
               <a:solidFill>
@@ -5395,8 +5280,8 @@
         </p:nvSpPr>
         <p:spPr>
           <a:xfrm>
-            <a:off x="5667829" y="3114589"/>
-            <a:ext cx="6245980" cy="2246769"/>
+            <a:off x="5511031" y="2952305"/>
+            <a:ext cx="6804340" cy="2246769"/>
           </a:xfrm>
           <a:prstGeom prst="rect">
             <a:avLst/>
@@ -5414,32 +5299,8 @@
               <a:buChar char="Ø"/>
             </a:pPr>
             <a:r>
-              <a:rPr lang="fr-FR" sz="2800" dirty="0"/>
-              <a:t>2 </a:t>
-            </a:r>
-            <a:r>
-              <a:rPr lang="fr-FR" sz="2800" dirty="0" err="1"/>
-              <a:t>methods</a:t>
-            </a:r>
-            <a:r>
-              <a:rPr lang="fr-FR" sz="2800" dirty="0"/>
-              <a:t> have </a:t>
-            </a:r>
-            <a:r>
-              <a:rPr lang="fr-FR" sz="2800" dirty="0" err="1"/>
-              <a:t>very</a:t>
-            </a:r>
-            <a:r>
-              <a:rPr lang="fr-FR" sz="2800" dirty="0"/>
-              <a:t> </a:t>
-            </a:r>
-            <a:r>
-              <a:rPr lang="fr-FR" sz="2800" dirty="0" err="1"/>
-              <a:t>better</a:t>
-            </a:r>
-            <a:r>
-              <a:rPr lang="fr-FR" sz="2800" dirty="0"/>
-              <a:t> R2 values</a:t>
+              <a:rPr lang="en-US" sz="2800" dirty="0"/>
+              <a:t>Linear Regression is the fastest model</a:t>
             </a:r>
           </a:p>
           <a:p>
@@ -5456,7 +5317,7 @@
             </a:pPr>
             <a:r>
               <a:rPr lang="en-US" sz="2800" dirty="0"/>
-              <a:t>Lasso is the most speed execution</a:t>
+              <a:t>The best dataset is the number 2</a:t>
             </a:r>
           </a:p>
           <a:p>
@@ -5473,7 +5334,7 @@
             </a:pPr>
             <a:r>
               <a:rPr lang="en-US" sz="2800" dirty="0"/>
-              <a:t>The best dataset is the n°2</a:t>
+              <a:t> Bagging is providing the best r2 accuracy</a:t>
             </a:r>
           </a:p>
         </p:txBody>
@@ -5493,20 +5354,20 @@
           <p:nvPr>
             <p:extLst>
               <p:ext uri="{D42A27DB-BD31-4B8C-83A1-F6EECF244321}">
-                <p14:modId xmlns:p14="http://schemas.microsoft.com/office/powerpoint/2010/main" val="508626374"/>
+                <p14:modId xmlns:p14="http://schemas.microsoft.com/office/powerpoint/2010/main" val="1230080061"/>
               </p:ext>
             </p:extLst>
           </p:nvPr>
         </p:nvGraphicFramePr>
         <p:xfrm>
-          <a:off x="478530" y="2408997"/>
+          <a:off x="353179" y="2254552"/>
           <a:ext cx="4988518" cy="3449354"/>
         </p:xfrm>
         <a:graphic>
           <a:graphicData uri="http://schemas.openxmlformats.org/presentationml/2006/ole">
             <mc:AlternateContent xmlns:mc="http://schemas.openxmlformats.org/markup-compatibility/2006">
               <mc:Choice xmlns:v="urn:schemas-microsoft-com:vml" Requires="v">
-                <p:oleObj spid="_x0000_s7177" name="Image bitmap" r:id="rId4" imgW="2731680" imgH="1889640" progId="Paint.Picture">
+                <p:oleObj spid="_x0000_s7179" name="Image bitmap" r:id="rId4" imgW="2731680" imgH="1889640" progId="Paint.Picture">
                   <p:embed/>
                 </p:oleObj>
               </mc:Choice>
@@ -5527,7 +5388,7 @@
                     </p:blipFill>
                     <p:spPr>
                       <a:xfrm>
-                        <a:off x="478530" y="2408997"/>
+                        <a:off x="353179" y="2254552"/>
                         <a:ext cx="4988518" cy="3449354"/>
                       </a:xfrm>
                       <a:prstGeom prst="rect">
@@ -5750,15 +5611,7 @@
           <a:p>
             <a:r>
               <a:rPr lang="en-US" sz="4800" dirty="0"/>
-              <a:t>The </a:t>
-            </a:r>
-            <a:r>
-              <a:rPr lang="en-US" sz="4800" dirty="0" err="1"/>
-              <a:t>Differents</a:t>
-            </a:r>
-            <a:r>
-              <a:rPr lang="en-US" sz="4800" dirty="0"/>
-              <a:t> Variables</a:t>
+              <a:t>The Different Variables</a:t>
             </a:r>
             <a:endParaRPr lang="fr-FR" sz="4800" dirty="0"/>
           </a:p>
@@ -5791,29 +5644,17 @@
           <a:p>
             <a:r>
               <a:rPr lang="en-US" sz="4800" dirty="0"/>
-              <a:t>The </a:t>
-            </a:r>
-            <a:r>
-              <a:rPr lang="en-US" sz="4800" dirty="0" err="1"/>
-              <a:t>Differents</a:t>
+              <a:t>The Different Datasets</a:t>
+            </a:r>
+          </a:p>
+          <a:p>
+            <a:r>
+              <a:rPr lang="en-US" sz="4800"/>
+              <a:t>The Different </a:t>
             </a:r>
             <a:r>
               <a:rPr lang="en-US" sz="4800" dirty="0"/>
-              <a:t> Datasets</a:t>
-            </a:r>
-          </a:p>
-          <a:p>
-            <a:r>
-              <a:rPr lang="en-US" sz="4800" dirty="0"/>
-              <a:t>The </a:t>
-            </a:r>
-            <a:r>
-              <a:rPr lang="en-US" sz="4800" dirty="0" err="1"/>
-              <a:t>Differents</a:t>
-            </a:r>
-            <a:r>
-              <a:rPr lang="en-US" sz="4800" dirty="0"/>
-              <a:t> Models</a:t>
+              <a:t>Models</a:t>
             </a:r>
           </a:p>
           <a:p>
@@ -6481,23 +6322,7 @@
                   <a:schemeClr val="tx1"/>
                 </a:solidFill>
               </a:rPr>
-              <a:t>The </a:t>
-            </a:r>
-            <a:r>
-              <a:rPr lang="en-US" sz="4400" dirty="0" err="1">
-                <a:solidFill>
-                  <a:schemeClr val="tx1"/>
-                </a:solidFill>
-              </a:rPr>
-              <a:t>Differents</a:t>
-            </a:r>
-            <a:r>
-              <a:rPr lang="en-US" sz="4400" dirty="0">
-                <a:solidFill>
-                  <a:schemeClr val="tx1"/>
-                </a:solidFill>
-              </a:rPr>
-              <a:t> Variables</a:t>
+              <a:t>The Different Variables</a:t>
             </a:r>
             <a:endParaRPr lang="fr-FR" sz="4400" dirty="0">
               <a:solidFill>
@@ -6989,23 +6814,7 @@
                   <a:schemeClr val="tx1"/>
                 </a:solidFill>
               </a:rPr>
-              <a:t>The </a:t>
-            </a:r>
-            <a:r>
-              <a:rPr lang="en-US" sz="4400" dirty="0" err="1">
-                <a:solidFill>
-                  <a:schemeClr val="tx1"/>
-                </a:solidFill>
-              </a:rPr>
-              <a:t>Differents</a:t>
-            </a:r>
-            <a:r>
-              <a:rPr lang="en-US" sz="4400" dirty="0">
-                <a:solidFill>
-                  <a:schemeClr val="tx1"/>
-                </a:solidFill>
-              </a:rPr>
-              <a:t> Variables</a:t>
+              <a:t>The Different Variables</a:t>
             </a:r>
             <a:endParaRPr lang="fr-FR" sz="4400" dirty="0">
               <a:solidFill>
@@ -7427,7 +7236,7 @@
           <a:graphicData uri="http://schemas.openxmlformats.org/presentationml/2006/ole">
             <mc:AlternateContent xmlns:mc="http://schemas.openxmlformats.org/markup-compatibility/2006">
               <mc:Choice xmlns:v="urn:schemas-microsoft-com:vml" Requires="v">
-                <p:oleObj spid="_x0000_s1043" name="Image bitmap" r:id="rId4" imgW="7296120" imgH="3669120" progId="Paint.Picture">
+                <p:oleObj spid="_x0000_s1047" name="Image bitmap" r:id="rId4" imgW="7296120" imgH="3669120" progId="Paint.Picture">
                   <p:embed/>
                 </p:oleObj>
               </mc:Choice>
@@ -7532,7 +7341,7 @@
           <a:graphicData uri="http://schemas.openxmlformats.org/presentationml/2006/ole">
             <mc:AlternateContent xmlns:mc="http://schemas.openxmlformats.org/markup-compatibility/2006">
               <mc:Choice xmlns:v="urn:schemas-microsoft-com:vml" Requires="v">
-                <p:oleObj spid="_x0000_s1044" name="Image bitmap" r:id="rId6" imgW="5856120" imgH="5596920" progId="Paint.Picture">
+                <p:oleObj spid="_x0000_s1048" name="Image bitmap" r:id="rId6" imgW="5856120" imgH="5596920" progId="Paint.Picture">
                   <p:embed/>
                 </p:oleObj>
               </mc:Choice>
@@ -7822,7 +7631,7 @@
           <a:graphicData uri="http://schemas.openxmlformats.org/presentationml/2006/ole">
             <mc:AlternateContent xmlns:mc="http://schemas.openxmlformats.org/markup-compatibility/2006">
               <mc:Choice xmlns:v="urn:schemas-microsoft-com:vml" Requires="v">
-                <p:oleObj spid="_x0000_s3083" name="Image bitmap" r:id="rId4" imgW="7178040" imgH="4655880" progId="Paint.Picture">
+                <p:oleObj spid="_x0000_s3085" name="Image bitmap" r:id="rId4" imgW="7178040" imgH="4655880" progId="Paint.Picture">
                   <p:embed/>
                 </p:oleObj>
               </mc:Choice>
@@ -8124,7 +7933,7 @@
           <a:graphicData uri="http://schemas.openxmlformats.org/presentationml/2006/ole">
             <mc:AlternateContent xmlns:mc="http://schemas.openxmlformats.org/markup-compatibility/2006">
               <mc:Choice xmlns:v="urn:schemas-microsoft-com:vml" Requires="v">
-                <p:oleObj spid="_x0000_s4106" name="Image bitmap" r:id="rId4" imgW="6435000" imgH="2922120" progId="Paint.Picture">
+                <p:oleObj spid="_x0000_s4108" name="Image bitmap" r:id="rId4" imgW="6435000" imgH="2922120" progId="Paint.Picture">
                   <p:embed/>
                 </p:oleObj>
               </mc:Choice>
